--- a/Nhom2_thuyetTrinhVideoNhomTruoc.pptx
+++ b/Nhom2_thuyetTrinhVideoNhomTruoc.pptx
@@ -5,22 +5,23 @@
     <p:sldMasterId id="2147483648" r:id="rId1"/>
   </p:sldMasterIdLst>
   <p:notesMasterIdLst>
-    <p:notesMasterId r:id="rId15"/>
+    <p:notesMasterId r:id="rId16"/>
   </p:notesMasterIdLst>
   <p:sldIdLst>
     <p:sldId id="257" r:id="rId2"/>
     <p:sldId id="258" r:id="rId3"/>
     <p:sldId id="259" r:id="rId4"/>
-    <p:sldId id="260" r:id="rId5"/>
-    <p:sldId id="261" r:id="rId6"/>
-    <p:sldId id="262" r:id="rId7"/>
-    <p:sldId id="288" r:id="rId8"/>
-    <p:sldId id="289" r:id="rId9"/>
-    <p:sldId id="290" r:id="rId10"/>
-    <p:sldId id="292" r:id="rId11"/>
-    <p:sldId id="293" r:id="rId12"/>
-    <p:sldId id="294" r:id="rId13"/>
-    <p:sldId id="287" r:id="rId14"/>
+    <p:sldId id="288" r:id="rId5"/>
+    <p:sldId id="290" r:id="rId6"/>
+    <p:sldId id="295" r:id="rId7"/>
+    <p:sldId id="296" r:id="rId8"/>
+    <p:sldId id="297" r:id="rId9"/>
+    <p:sldId id="298" r:id="rId10"/>
+    <p:sldId id="299" r:id="rId11"/>
+    <p:sldId id="291" r:id="rId12"/>
+    <p:sldId id="292" r:id="rId13"/>
+    <p:sldId id="294" r:id="rId14"/>
+    <p:sldId id="287" r:id="rId15"/>
   </p:sldIdLst>
   <p:sldSz cx="12192000" cy="6858000"/>
   <p:notesSz cx="6858000" cy="9144000"/>
@@ -209,7 +210,7 @@
           <a:p>
             <a:fld id="{B2514D58-5B18-4AD5-9048-1F099D58494E}" type="datetimeFigureOut">
               <a:rPr lang="en-US" smtClean="0"/>
-              <a:t>10/20/2022</a:t>
+              <a:t>12/10/2022</a:t>
             </a:fld>
             <a:endParaRPr lang="en-US"/>
           </a:p>
@@ -586,12 +587,12 @@
 </p:notes>
 </file>
 
-<file path=ppt/notesSlides/notesSlide2.xml><?xml version="1.0" encoding="utf-8"?>
-<p:notes xmlns:a="http://schemas.openxmlformats.org/drawingml/2006/main" xmlns:r="http://schemas.openxmlformats.org/officeDocument/2006/relationships" xmlns:p="http://schemas.openxmlformats.org/presentationml/2006/main">
+<file path=ppt/notesSlides/notesSlide10.xml><?xml version="1.0" encoding="utf-8"?>
+<p:notes xmlns:a="http://schemas.openxmlformats.org/drawingml/2006/main" xmlns:r="http://schemas.openxmlformats.org/officeDocument/2006/relationships" xmlns:p="http://schemas.openxmlformats.org/presentationml/2006/main" showMasterSp="0" showMasterPhAnim="0">
   <p:cSld>
     <p:spTree>
       <p:nvGrpSpPr>
-        <p:cNvPr id="1" name=""/>
+        <p:cNvPr id="1" name="Shape 353"/>
         <p:cNvGrpSpPr/>
         <p:nvPr/>
       </p:nvGrpSpPr>
@@ -605,62 +606,1068 @@
       </p:grpSpPr>
       <p:sp>
         <p:nvSpPr>
-          <p:cNvPr id="2" name="Slide Image Placeholder 1"/>
+          <p:cNvPr id="354" name="Google Shape;354;g108dede5ebb_0_0:notes"/>
           <p:cNvSpPr>
             <a:spLocks noGrp="1" noRot="1" noChangeAspect="1"/>
           </p:cNvSpPr>
           <p:nvPr>
-            <p:ph type="sldImg"/>
-          </p:nvPr>
-        </p:nvSpPr>
-        <p:spPr/>
-      </p:sp>
-      <p:sp>
-        <p:nvSpPr>
-          <p:cNvPr id="3" name="Notes Placeholder 2"/>
-          <p:cNvSpPr>
+            <p:ph type="sldImg" idx="2"/>
+          </p:nvPr>
+        </p:nvSpPr>
+        <p:spPr>
+          <a:xfrm>
+            <a:off x="381000" y="685800"/>
+            <a:ext cx="6096000" cy="3429000"/>
+          </a:xfrm>
+          <a:custGeom>
+            <a:avLst/>
+            <a:gdLst/>
+            <a:ahLst/>
+            <a:cxnLst/>
+            <a:rect l="l" t="t" r="r" b="b"/>
+            <a:pathLst>
+              <a:path w="120000" h="120000" extrusionOk="0">
+                <a:moveTo>
+                  <a:pt x="0" y="0"/>
+                </a:moveTo>
+                <a:lnTo>
+                  <a:pt x="120000" y="0"/>
+                </a:lnTo>
+                <a:lnTo>
+                  <a:pt x="120000" y="120000"/>
+                </a:lnTo>
+                <a:lnTo>
+                  <a:pt x="0" y="120000"/>
+                </a:lnTo>
+                <a:close/>
+              </a:path>
+            </a:pathLst>
+          </a:custGeom>
+        </p:spPr>
+      </p:sp>
+      <p:sp>
+        <p:nvSpPr>
+          <p:cNvPr id="355" name="Google Shape;355;g108dede5ebb_0_0:notes"/>
+          <p:cNvSpPr txBox="1">
             <a:spLocks noGrp="1"/>
           </p:cNvSpPr>
           <p:nvPr>
             <p:ph type="body" idx="1"/>
           </p:nvPr>
         </p:nvSpPr>
-        <p:spPr/>
-        <p:txBody>
-          <a:bodyPr/>
-          <a:lstStyle/>
-          <a:p>
-            <a:endParaRPr lang="en-US"/>
-          </a:p>
-        </p:txBody>
-      </p:sp>
-      <p:sp>
-        <p:nvSpPr>
-          <p:cNvPr id="4" name="Slide Number Placeholder 3"/>
-          <p:cNvSpPr>
-            <a:spLocks noGrp="1"/>
-          </p:cNvSpPr>
-          <p:nvPr>
-            <p:ph type="sldNum" sz="quarter" idx="10"/>
-          </p:nvPr>
-        </p:nvSpPr>
-        <p:spPr/>
-        <p:txBody>
-          <a:bodyPr/>
-          <a:lstStyle/>
-          <a:p>
-            <a:fld id="{ACEA93B7-077B-4CC5-81EB-C6A7A57455DB}" type="slidenum">
-              <a:rPr lang="en-US" smtClean="0"/>
-              <a:t>11</a:t>
-            </a:fld>
-            <a:endParaRPr lang="en-US"/>
+        <p:spPr>
+          <a:xfrm>
+            <a:off x="685800" y="4343400"/>
+            <a:ext cx="5486400" cy="4114800"/>
+          </a:xfrm>
+          <a:prstGeom prst="rect">
+            <a:avLst/>
+          </a:prstGeom>
+        </p:spPr>
+        <p:txBody>
+          <a:bodyPr spcFirstLastPara="1" wrap="square" lIns="91425" tIns="91425" rIns="91425" bIns="91425" anchor="t" anchorCtr="0">
+            <a:noAutofit/>
+          </a:bodyPr>
+          <a:lstStyle/>
+          <a:p>
+            <a:pPr marL="0" lvl="0" indent="0" algn="l" rtl="0">
+              <a:spcBef>
+                <a:spcPts val="0"/>
+              </a:spcBef>
+              <a:spcAft>
+                <a:spcPts val="0"/>
+              </a:spcAft>
+              <a:buNone/>
+            </a:pPr>
+            <a:endParaRPr/>
           </a:p>
         </p:txBody>
       </p:sp>
     </p:spTree>
     <p:extLst>
       <p:ext uri="{BB962C8B-B14F-4D97-AF65-F5344CB8AC3E}">
-        <p14:creationId xmlns:p14="http://schemas.microsoft.com/office/powerpoint/2010/main" val="3023926575"/>
+        <p14:creationId xmlns:p14="http://schemas.microsoft.com/office/powerpoint/2010/main" val="1105990037"/>
+      </p:ext>
+    </p:extLst>
+  </p:cSld>
+  <p:clrMapOvr>
+    <a:masterClrMapping/>
+  </p:clrMapOvr>
+</p:notes>
+</file>
+
+<file path=ppt/notesSlides/notesSlide11.xml><?xml version="1.0" encoding="utf-8"?>
+<p:notes xmlns:a="http://schemas.openxmlformats.org/drawingml/2006/main" xmlns:r="http://schemas.openxmlformats.org/officeDocument/2006/relationships" xmlns:p="http://schemas.openxmlformats.org/presentationml/2006/main" showMasterSp="0" showMasterPhAnim="0">
+  <p:cSld>
+    <p:spTree>
+      <p:nvGrpSpPr>
+        <p:cNvPr id="1" name="Shape 353"/>
+        <p:cNvGrpSpPr/>
+        <p:nvPr/>
+      </p:nvGrpSpPr>
+      <p:grpSpPr>
+        <a:xfrm>
+          <a:off x="0" y="0"/>
+          <a:ext cx="0" cy="0"/>
+          <a:chOff x="0" y="0"/>
+          <a:chExt cx="0" cy="0"/>
+        </a:xfrm>
+      </p:grpSpPr>
+      <p:sp>
+        <p:nvSpPr>
+          <p:cNvPr id="354" name="Google Shape;354;g108dede5ebb_0_0:notes"/>
+          <p:cNvSpPr>
+            <a:spLocks noGrp="1" noRot="1" noChangeAspect="1"/>
+          </p:cNvSpPr>
+          <p:nvPr>
+            <p:ph type="sldImg" idx="2"/>
+          </p:nvPr>
+        </p:nvSpPr>
+        <p:spPr>
+          <a:xfrm>
+            <a:off x="381000" y="685800"/>
+            <a:ext cx="6096000" cy="3429000"/>
+          </a:xfrm>
+          <a:custGeom>
+            <a:avLst/>
+            <a:gdLst/>
+            <a:ahLst/>
+            <a:cxnLst/>
+            <a:rect l="l" t="t" r="r" b="b"/>
+            <a:pathLst>
+              <a:path w="120000" h="120000" extrusionOk="0">
+                <a:moveTo>
+                  <a:pt x="0" y="0"/>
+                </a:moveTo>
+                <a:lnTo>
+                  <a:pt x="120000" y="0"/>
+                </a:lnTo>
+                <a:lnTo>
+                  <a:pt x="120000" y="120000"/>
+                </a:lnTo>
+                <a:lnTo>
+                  <a:pt x="0" y="120000"/>
+                </a:lnTo>
+                <a:close/>
+              </a:path>
+            </a:pathLst>
+          </a:custGeom>
+        </p:spPr>
+      </p:sp>
+      <p:sp>
+        <p:nvSpPr>
+          <p:cNvPr id="355" name="Google Shape;355;g108dede5ebb_0_0:notes"/>
+          <p:cNvSpPr txBox="1">
+            <a:spLocks noGrp="1"/>
+          </p:cNvSpPr>
+          <p:nvPr>
+            <p:ph type="body" idx="1"/>
+          </p:nvPr>
+        </p:nvSpPr>
+        <p:spPr>
+          <a:xfrm>
+            <a:off x="685800" y="4343400"/>
+            <a:ext cx="5486400" cy="4114800"/>
+          </a:xfrm>
+          <a:prstGeom prst="rect">
+            <a:avLst/>
+          </a:prstGeom>
+        </p:spPr>
+        <p:txBody>
+          <a:bodyPr spcFirstLastPara="1" wrap="square" lIns="91425" tIns="91425" rIns="91425" bIns="91425" anchor="t" anchorCtr="0">
+            <a:noAutofit/>
+          </a:bodyPr>
+          <a:lstStyle/>
+          <a:p>
+            <a:pPr marL="0" lvl="0" indent="0" algn="l" rtl="0">
+              <a:spcBef>
+                <a:spcPts val="0"/>
+              </a:spcBef>
+              <a:spcAft>
+                <a:spcPts val="0"/>
+              </a:spcAft>
+              <a:buNone/>
+            </a:pPr>
+            <a:endParaRPr/>
+          </a:p>
+        </p:txBody>
+      </p:sp>
+    </p:spTree>
+    <p:extLst>
+      <p:ext uri="{BB962C8B-B14F-4D97-AF65-F5344CB8AC3E}">
+        <p14:creationId xmlns:p14="http://schemas.microsoft.com/office/powerpoint/2010/main" val="2171327472"/>
+      </p:ext>
+    </p:extLst>
+  </p:cSld>
+  <p:clrMapOvr>
+    <a:masterClrMapping/>
+  </p:clrMapOvr>
+</p:notes>
+</file>
+
+<file path=ppt/notesSlides/notesSlide2.xml><?xml version="1.0" encoding="utf-8"?>
+<p:notes xmlns:a="http://schemas.openxmlformats.org/drawingml/2006/main" xmlns:r="http://schemas.openxmlformats.org/officeDocument/2006/relationships" xmlns:p="http://schemas.openxmlformats.org/presentationml/2006/main" showMasterSp="0" showMasterPhAnim="0">
+  <p:cSld>
+    <p:spTree>
+      <p:nvGrpSpPr>
+        <p:cNvPr id="1" name="Shape 353"/>
+        <p:cNvGrpSpPr/>
+        <p:nvPr/>
+      </p:nvGrpSpPr>
+      <p:grpSpPr>
+        <a:xfrm>
+          <a:off x="0" y="0"/>
+          <a:ext cx="0" cy="0"/>
+          <a:chOff x="0" y="0"/>
+          <a:chExt cx="0" cy="0"/>
+        </a:xfrm>
+      </p:grpSpPr>
+      <p:sp>
+        <p:nvSpPr>
+          <p:cNvPr id="354" name="Google Shape;354;g108dede5ebb_0_0:notes"/>
+          <p:cNvSpPr>
+            <a:spLocks noGrp="1" noRot="1" noChangeAspect="1"/>
+          </p:cNvSpPr>
+          <p:nvPr>
+            <p:ph type="sldImg" idx="2"/>
+          </p:nvPr>
+        </p:nvSpPr>
+        <p:spPr>
+          <a:xfrm>
+            <a:off x="381000" y="685800"/>
+            <a:ext cx="6096000" cy="3429000"/>
+          </a:xfrm>
+          <a:custGeom>
+            <a:avLst/>
+            <a:gdLst/>
+            <a:ahLst/>
+            <a:cxnLst/>
+            <a:rect l="l" t="t" r="r" b="b"/>
+            <a:pathLst>
+              <a:path w="120000" h="120000" extrusionOk="0">
+                <a:moveTo>
+                  <a:pt x="0" y="0"/>
+                </a:moveTo>
+                <a:lnTo>
+                  <a:pt x="120000" y="0"/>
+                </a:lnTo>
+                <a:lnTo>
+                  <a:pt x="120000" y="120000"/>
+                </a:lnTo>
+                <a:lnTo>
+                  <a:pt x="0" y="120000"/>
+                </a:lnTo>
+                <a:close/>
+              </a:path>
+            </a:pathLst>
+          </a:custGeom>
+        </p:spPr>
+      </p:sp>
+      <p:sp>
+        <p:nvSpPr>
+          <p:cNvPr id="355" name="Google Shape;355;g108dede5ebb_0_0:notes"/>
+          <p:cNvSpPr txBox="1">
+            <a:spLocks noGrp="1"/>
+          </p:cNvSpPr>
+          <p:nvPr>
+            <p:ph type="body" idx="1"/>
+          </p:nvPr>
+        </p:nvSpPr>
+        <p:spPr>
+          <a:xfrm>
+            <a:off x="685800" y="4343400"/>
+            <a:ext cx="5486400" cy="4114800"/>
+          </a:xfrm>
+          <a:prstGeom prst="rect">
+            <a:avLst/>
+          </a:prstGeom>
+        </p:spPr>
+        <p:txBody>
+          <a:bodyPr spcFirstLastPara="1" wrap="square" lIns="91425" tIns="91425" rIns="91425" bIns="91425" anchor="t" anchorCtr="0">
+            <a:noAutofit/>
+          </a:bodyPr>
+          <a:lstStyle/>
+          <a:p>
+            <a:pPr marL="0" lvl="0" indent="0" algn="l" rtl="0">
+              <a:spcBef>
+                <a:spcPts val="0"/>
+              </a:spcBef>
+              <a:spcAft>
+                <a:spcPts val="0"/>
+              </a:spcAft>
+              <a:buNone/>
+            </a:pPr>
+            <a:endParaRPr/>
+          </a:p>
+        </p:txBody>
+      </p:sp>
+    </p:spTree>
+    <p:extLst>
+      <p:ext uri="{BB962C8B-B14F-4D97-AF65-F5344CB8AC3E}">
+        <p14:creationId xmlns:p14="http://schemas.microsoft.com/office/powerpoint/2010/main" val="3722137728"/>
+      </p:ext>
+    </p:extLst>
+  </p:cSld>
+  <p:clrMapOvr>
+    <a:masterClrMapping/>
+  </p:clrMapOvr>
+</p:notes>
+</file>
+
+<file path=ppt/notesSlides/notesSlide3.xml><?xml version="1.0" encoding="utf-8"?>
+<p:notes xmlns:a="http://schemas.openxmlformats.org/drawingml/2006/main" xmlns:r="http://schemas.openxmlformats.org/officeDocument/2006/relationships" xmlns:p="http://schemas.openxmlformats.org/presentationml/2006/main" showMasterSp="0" showMasterPhAnim="0">
+  <p:cSld>
+    <p:spTree>
+      <p:nvGrpSpPr>
+        <p:cNvPr id="1" name="Shape 353"/>
+        <p:cNvGrpSpPr/>
+        <p:nvPr/>
+      </p:nvGrpSpPr>
+      <p:grpSpPr>
+        <a:xfrm>
+          <a:off x="0" y="0"/>
+          <a:ext cx="0" cy="0"/>
+          <a:chOff x="0" y="0"/>
+          <a:chExt cx="0" cy="0"/>
+        </a:xfrm>
+      </p:grpSpPr>
+      <p:sp>
+        <p:nvSpPr>
+          <p:cNvPr id="354" name="Google Shape;354;g108dede5ebb_0_0:notes"/>
+          <p:cNvSpPr>
+            <a:spLocks noGrp="1" noRot="1" noChangeAspect="1"/>
+          </p:cNvSpPr>
+          <p:nvPr>
+            <p:ph type="sldImg" idx="2"/>
+          </p:nvPr>
+        </p:nvSpPr>
+        <p:spPr>
+          <a:xfrm>
+            <a:off x="381000" y="685800"/>
+            <a:ext cx="6096000" cy="3429000"/>
+          </a:xfrm>
+          <a:custGeom>
+            <a:avLst/>
+            <a:gdLst/>
+            <a:ahLst/>
+            <a:cxnLst/>
+            <a:rect l="l" t="t" r="r" b="b"/>
+            <a:pathLst>
+              <a:path w="120000" h="120000" extrusionOk="0">
+                <a:moveTo>
+                  <a:pt x="0" y="0"/>
+                </a:moveTo>
+                <a:lnTo>
+                  <a:pt x="120000" y="0"/>
+                </a:lnTo>
+                <a:lnTo>
+                  <a:pt x="120000" y="120000"/>
+                </a:lnTo>
+                <a:lnTo>
+                  <a:pt x="0" y="120000"/>
+                </a:lnTo>
+                <a:close/>
+              </a:path>
+            </a:pathLst>
+          </a:custGeom>
+        </p:spPr>
+      </p:sp>
+      <p:sp>
+        <p:nvSpPr>
+          <p:cNvPr id="355" name="Google Shape;355;g108dede5ebb_0_0:notes"/>
+          <p:cNvSpPr txBox="1">
+            <a:spLocks noGrp="1"/>
+          </p:cNvSpPr>
+          <p:nvPr>
+            <p:ph type="body" idx="1"/>
+          </p:nvPr>
+        </p:nvSpPr>
+        <p:spPr>
+          <a:xfrm>
+            <a:off x="685800" y="4343400"/>
+            <a:ext cx="5486400" cy="4114800"/>
+          </a:xfrm>
+          <a:prstGeom prst="rect">
+            <a:avLst/>
+          </a:prstGeom>
+        </p:spPr>
+        <p:txBody>
+          <a:bodyPr spcFirstLastPara="1" wrap="square" lIns="91425" tIns="91425" rIns="91425" bIns="91425" anchor="t" anchorCtr="0">
+            <a:noAutofit/>
+          </a:bodyPr>
+          <a:lstStyle/>
+          <a:p>
+            <a:pPr marL="0" lvl="0" indent="0" algn="l" rtl="0">
+              <a:spcBef>
+                <a:spcPts val="0"/>
+              </a:spcBef>
+              <a:spcAft>
+                <a:spcPts val="0"/>
+              </a:spcAft>
+              <a:buNone/>
+            </a:pPr>
+            <a:endParaRPr/>
+          </a:p>
+        </p:txBody>
+      </p:sp>
+    </p:spTree>
+    <p:extLst>
+      <p:ext uri="{BB962C8B-B14F-4D97-AF65-F5344CB8AC3E}">
+        <p14:creationId xmlns:p14="http://schemas.microsoft.com/office/powerpoint/2010/main" val="210558278"/>
+      </p:ext>
+    </p:extLst>
+  </p:cSld>
+  <p:clrMapOvr>
+    <a:masterClrMapping/>
+  </p:clrMapOvr>
+</p:notes>
+</file>
+
+<file path=ppt/notesSlides/notesSlide4.xml><?xml version="1.0" encoding="utf-8"?>
+<p:notes xmlns:a="http://schemas.openxmlformats.org/drawingml/2006/main" xmlns:r="http://schemas.openxmlformats.org/officeDocument/2006/relationships" xmlns:p="http://schemas.openxmlformats.org/presentationml/2006/main" showMasterSp="0" showMasterPhAnim="0">
+  <p:cSld>
+    <p:spTree>
+      <p:nvGrpSpPr>
+        <p:cNvPr id="1" name="Shape 353"/>
+        <p:cNvGrpSpPr/>
+        <p:nvPr/>
+      </p:nvGrpSpPr>
+      <p:grpSpPr>
+        <a:xfrm>
+          <a:off x="0" y="0"/>
+          <a:ext cx="0" cy="0"/>
+          <a:chOff x="0" y="0"/>
+          <a:chExt cx="0" cy="0"/>
+        </a:xfrm>
+      </p:grpSpPr>
+      <p:sp>
+        <p:nvSpPr>
+          <p:cNvPr id="354" name="Google Shape;354;g108dede5ebb_0_0:notes"/>
+          <p:cNvSpPr>
+            <a:spLocks noGrp="1" noRot="1" noChangeAspect="1"/>
+          </p:cNvSpPr>
+          <p:nvPr>
+            <p:ph type="sldImg" idx="2"/>
+          </p:nvPr>
+        </p:nvSpPr>
+        <p:spPr>
+          <a:xfrm>
+            <a:off x="381000" y="685800"/>
+            <a:ext cx="6096000" cy="3429000"/>
+          </a:xfrm>
+          <a:custGeom>
+            <a:avLst/>
+            <a:gdLst/>
+            <a:ahLst/>
+            <a:cxnLst/>
+            <a:rect l="l" t="t" r="r" b="b"/>
+            <a:pathLst>
+              <a:path w="120000" h="120000" extrusionOk="0">
+                <a:moveTo>
+                  <a:pt x="0" y="0"/>
+                </a:moveTo>
+                <a:lnTo>
+                  <a:pt x="120000" y="0"/>
+                </a:lnTo>
+                <a:lnTo>
+                  <a:pt x="120000" y="120000"/>
+                </a:lnTo>
+                <a:lnTo>
+                  <a:pt x="0" y="120000"/>
+                </a:lnTo>
+                <a:close/>
+              </a:path>
+            </a:pathLst>
+          </a:custGeom>
+        </p:spPr>
+      </p:sp>
+      <p:sp>
+        <p:nvSpPr>
+          <p:cNvPr id="355" name="Google Shape;355;g108dede5ebb_0_0:notes"/>
+          <p:cNvSpPr txBox="1">
+            <a:spLocks noGrp="1"/>
+          </p:cNvSpPr>
+          <p:nvPr>
+            <p:ph type="body" idx="1"/>
+          </p:nvPr>
+        </p:nvSpPr>
+        <p:spPr>
+          <a:xfrm>
+            <a:off x="685800" y="4343400"/>
+            <a:ext cx="5486400" cy="4114800"/>
+          </a:xfrm>
+          <a:prstGeom prst="rect">
+            <a:avLst/>
+          </a:prstGeom>
+        </p:spPr>
+        <p:txBody>
+          <a:bodyPr spcFirstLastPara="1" wrap="square" lIns="91425" tIns="91425" rIns="91425" bIns="91425" anchor="t" anchorCtr="0">
+            <a:noAutofit/>
+          </a:bodyPr>
+          <a:lstStyle/>
+          <a:p>
+            <a:pPr marL="0" lvl="0" indent="0" algn="l" rtl="0">
+              <a:spcBef>
+                <a:spcPts val="0"/>
+              </a:spcBef>
+              <a:spcAft>
+                <a:spcPts val="0"/>
+              </a:spcAft>
+              <a:buNone/>
+            </a:pPr>
+            <a:endParaRPr/>
+          </a:p>
+        </p:txBody>
+      </p:sp>
+    </p:spTree>
+    <p:extLst>
+      <p:ext uri="{BB962C8B-B14F-4D97-AF65-F5344CB8AC3E}">
+        <p14:creationId xmlns:p14="http://schemas.microsoft.com/office/powerpoint/2010/main" val="469939647"/>
+      </p:ext>
+    </p:extLst>
+  </p:cSld>
+  <p:clrMapOvr>
+    <a:masterClrMapping/>
+  </p:clrMapOvr>
+</p:notes>
+</file>
+
+<file path=ppt/notesSlides/notesSlide5.xml><?xml version="1.0" encoding="utf-8"?>
+<p:notes xmlns:a="http://schemas.openxmlformats.org/drawingml/2006/main" xmlns:r="http://schemas.openxmlformats.org/officeDocument/2006/relationships" xmlns:p="http://schemas.openxmlformats.org/presentationml/2006/main" showMasterSp="0" showMasterPhAnim="0">
+  <p:cSld>
+    <p:spTree>
+      <p:nvGrpSpPr>
+        <p:cNvPr id="1" name="Shape 353"/>
+        <p:cNvGrpSpPr/>
+        <p:nvPr/>
+      </p:nvGrpSpPr>
+      <p:grpSpPr>
+        <a:xfrm>
+          <a:off x="0" y="0"/>
+          <a:ext cx="0" cy="0"/>
+          <a:chOff x="0" y="0"/>
+          <a:chExt cx="0" cy="0"/>
+        </a:xfrm>
+      </p:grpSpPr>
+      <p:sp>
+        <p:nvSpPr>
+          <p:cNvPr id="354" name="Google Shape;354;g108dede5ebb_0_0:notes"/>
+          <p:cNvSpPr>
+            <a:spLocks noGrp="1" noRot="1" noChangeAspect="1"/>
+          </p:cNvSpPr>
+          <p:nvPr>
+            <p:ph type="sldImg" idx="2"/>
+          </p:nvPr>
+        </p:nvSpPr>
+        <p:spPr>
+          <a:xfrm>
+            <a:off x="381000" y="685800"/>
+            <a:ext cx="6096000" cy="3429000"/>
+          </a:xfrm>
+          <a:custGeom>
+            <a:avLst/>
+            <a:gdLst/>
+            <a:ahLst/>
+            <a:cxnLst/>
+            <a:rect l="l" t="t" r="r" b="b"/>
+            <a:pathLst>
+              <a:path w="120000" h="120000" extrusionOk="0">
+                <a:moveTo>
+                  <a:pt x="0" y="0"/>
+                </a:moveTo>
+                <a:lnTo>
+                  <a:pt x="120000" y="0"/>
+                </a:lnTo>
+                <a:lnTo>
+                  <a:pt x="120000" y="120000"/>
+                </a:lnTo>
+                <a:lnTo>
+                  <a:pt x="0" y="120000"/>
+                </a:lnTo>
+                <a:close/>
+              </a:path>
+            </a:pathLst>
+          </a:custGeom>
+        </p:spPr>
+      </p:sp>
+      <p:sp>
+        <p:nvSpPr>
+          <p:cNvPr id="355" name="Google Shape;355;g108dede5ebb_0_0:notes"/>
+          <p:cNvSpPr txBox="1">
+            <a:spLocks noGrp="1"/>
+          </p:cNvSpPr>
+          <p:nvPr>
+            <p:ph type="body" idx="1"/>
+          </p:nvPr>
+        </p:nvSpPr>
+        <p:spPr>
+          <a:xfrm>
+            <a:off x="685800" y="4343400"/>
+            <a:ext cx="5486400" cy="4114800"/>
+          </a:xfrm>
+          <a:prstGeom prst="rect">
+            <a:avLst/>
+          </a:prstGeom>
+        </p:spPr>
+        <p:txBody>
+          <a:bodyPr spcFirstLastPara="1" wrap="square" lIns="91425" tIns="91425" rIns="91425" bIns="91425" anchor="t" anchorCtr="0">
+            <a:noAutofit/>
+          </a:bodyPr>
+          <a:lstStyle/>
+          <a:p>
+            <a:pPr marL="0" lvl="0" indent="0" algn="l" rtl="0">
+              <a:spcBef>
+                <a:spcPts val="0"/>
+              </a:spcBef>
+              <a:spcAft>
+                <a:spcPts val="0"/>
+              </a:spcAft>
+              <a:buNone/>
+            </a:pPr>
+            <a:endParaRPr/>
+          </a:p>
+        </p:txBody>
+      </p:sp>
+    </p:spTree>
+    <p:extLst>
+      <p:ext uri="{BB962C8B-B14F-4D97-AF65-F5344CB8AC3E}">
+        <p14:creationId xmlns:p14="http://schemas.microsoft.com/office/powerpoint/2010/main" val="1149493985"/>
+      </p:ext>
+    </p:extLst>
+  </p:cSld>
+  <p:clrMapOvr>
+    <a:masterClrMapping/>
+  </p:clrMapOvr>
+</p:notes>
+</file>
+
+<file path=ppt/notesSlides/notesSlide6.xml><?xml version="1.0" encoding="utf-8"?>
+<p:notes xmlns:a="http://schemas.openxmlformats.org/drawingml/2006/main" xmlns:r="http://schemas.openxmlformats.org/officeDocument/2006/relationships" xmlns:p="http://schemas.openxmlformats.org/presentationml/2006/main" showMasterSp="0" showMasterPhAnim="0">
+  <p:cSld>
+    <p:spTree>
+      <p:nvGrpSpPr>
+        <p:cNvPr id="1" name="Shape 353"/>
+        <p:cNvGrpSpPr/>
+        <p:nvPr/>
+      </p:nvGrpSpPr>
+      <p:grpSpPr>
+        <a:xfrm>
+          <a:off x="0" y="0"/>
+          <a:ext cx="0" cy="0"/>
+          <a:chOff x="0" y="0"/>
+          <a:chExt cx="0" cy="0"/>
+        </a:xfrm>
+      </p:grpSpPr>
+      <p:sp>
+        <p:nvSpPr>
+          <p:cNvPr id="354" name="Google Shape;354;g108dede5ebb_0_0:notes"/>
+          <p:cNvSpPr>
+            <a:spLocks noGrp="1" noRot="1" noChangeAspect="1"/>
+          </p:cNvSpPr>
+          <p:nvPr>
+            <p:ph type="sldImg" idx="2"/>
+          </p:nvPr>
+        </p:nvSpPr>
+        <p:spPr>
+          <a:xfrm>
+            <a:off x="381000" y="685800"/>
+            <a:ext cx="6096000" cy="3429000"/>
+          </a:xfrm>
+          <a:custGeom>
+            <a:avLst/>
+            <a:gdLst/>
+            <a:ahLst/>
+            <a:cxnLst/>
+            <a:rect l="l" t="t" r="r" b="b"/>
+            <a:pathLst>
+              <a:path w="120000" h="120000" extrusionOk="0">
+                <a:moveTo>
+                  <a:pt x="0" y="0"/>
+                </a:moveTo>
+                <a:lnTo>
+                  <a:pt x="120000" y="0"/>
+                </a:lnTo>
+                <a:lnTo>
+                  <a:pt x="120000" y="120000"/>
+                </a:lnTo>
+                <a:lnTo>
+                  <a:pt x="0" y="120000"/>
+                </a:lnTo>
+                <a:close/>
+              </a:path>
+            </a:pathLst>
+          </a:custGeom>
+        </p:spPr>
+      </p:sp>
+      <p:sp>
+        <p:nvSpPr>
+          <p:cNvPr id="355" name="Google Shape;355;g108dede5ebb_0_0:notes"/>
+          <p:cNvSpPr txBox="1">
+            <a:spLocks noGrp="1"/>
+          </p:cNvSpPr>
+          <p:nvPr>
+            <p:ph type="body" idx="1"/>
+          </p:nvPr>
+        </p:nvSpPr>
+        <p:spPr>
+          <a:xfrm>
+            <a:off x="685800" y="4343400"/>
+            <a:ext cx="5486400" cy="4114800"/>
+          </a:xfrm>
+          <a:prstGeom prst="rect">
+            <a:avLst/>
+          </a:prstGeom>
+        </p:spPr>
+        <p:txBody>
+          <a:bodyPr spcFirstLastPara="1" wrap="square" lIns="91425" tIns="91425" rIns="91425" bIns="91425" anchor="t" anchorCtr="0">
+            <a:noAutofit/>
+          </a:bodyPr>
+          <a:lstStyle/>
+          <a:p>
+            <a:pPr marL="0" lvl="0" indent="0" algn="l" rtl="0">
+              <a:spcBef>
+                <a:spcPts val="0"/>
+              </a:spcBef>
+              <a:spcAft>
+                <a:spcPts val="0"/>
+              </a:spcAft>
+              <a:buNone/>
+            </a:pPr>
+            <a:endParaRPr/>
+          </a:p>
+        </p:txBody>
+      </p:sp>
+    </p:spTree>
+    <p:extLst>
+      <p:ext uri="{BB962C8B-B14F-4D97-AF65-F5344CB8AC3E}">
+        <p14:creationId xmlns:p14="http://schemas.microsoft.com/office/powerpoint/2010/main" val="1335692880"/>
+      </p:ext>
+    </p:extLst>
+  </p:cSld>
+  <p:clrMapOvr>
+    <a:masterClrMapping/>
+  </p:clrMapOvr>
+</p:notes>
+</file>
+
+<file path=ppt/notesSlides/notesSlide7.xml><?xml version="1.0" encoding="utf-8"?>
+<p:notes xmlns:a="http://schemas.openxmlformats.org/drawingml/2006/main" xmlns:r="http://schemas.openxmlformats.org/officeDocument/2006/relationships" xmlns:p="http://schemas.openxmlformats.org/presentationml/2006/main" showMasterSp="0" showMasterPhAnim="0">
+  <p:cSld>
+    <p:spTree>
+      <p:nvGrpSpPr>
+        <p:cNvPr id="1" name="Shape 353"/>
+        <p:cNvGrpSpPr/>
+        <p:nvPr/>
+      </p:nvGrpSpPr>
+      <p:grpSpPr>
+        <a:xfrm>
+          <a:off x="0" y="0"/>
+          <a:ext cx="0" cy="0"/>
+          <a:chOff x="0" y="0"/>
+          <a:chExt cx="0" cy="0"/>
+        </a:xfrm>
+      </p:grpSpPr>
+      <p:sp>
+        <p:nvSpPr>
+          <p:cNvPr id="354" name="Google Shape;354;g108dede5ebb_0_0:notes"/>
+          <p:cNvSpPr>
+            <a:spLocks noGrp="1" noRot="1" noChangeAspect="1"/>
+          </p:cNvSpPr>
+          <p:nvPr>
+            <p:ph type="sldImg" idx="2"/>
+          </p:nvPr>
+        </p:nvSpPr>
+        <p:spPr>
+          <a:xfrm>
+            <a:off x="381000" y="685800"/>
+            <a:ext cx="6096000" cy="3429000"/>
+          </a:xfrm>
+          <a:custGeom>
+            <a:avLst/>
+            <a:gdLst/>
+            <a:ahLst/>
+            <a:cxnLst/>
+            <a:rect l="l" t="t" r="r" b="b"/>
+            <a:pathLst>
+              <a:path w="120000" h="120000" extrusionOk="0">
+                <a:moveTo>
+                  <a:pt x="0" y="0"/>
+                </a:moveTo>
+                <a:lnTo>
+                  <a:pt x="120000" y="0"/>
+                </a:lnTo>
+                <a:lnTo>
+                  <a:pt x="120000" y="120000"/>
+                </a:lnTo>
+                <a:lnTo>
+                  <a:pt x="0" y="120000"/>
+                </a:lnTo>
+                <a:close/>
+              </a:path>
+            </a:pathLst>
+          </a:custGeom>
+        </p:spPr>
+      </p:sp>
+      <p:sp>
+        <p:nvSpPr>
+          <p:cNvPr id="355" name="Google Shape;355;g108dede5ebb_0_0:notes"/>
+          <p:cNvSpPr txBox="1">
+            <a:spLocks noGrp="1"/>
+          </p:cNvSpPr>
+          <p:nvPr>
+            <p:ph type="body" idx="1"/>
+          </p:nvPr>
+        </p:nvSpPr>
+        <p:spPr>
+          <a:xfrm>
+            <a:off x="685800" y="4343400"/>
+            <a:ext cx="5486400" cy="4114800"/>
+          </a:xfrm>
+          <a:prstGeom prst="rect">
+            <a:avLst/>
+          </a:prstGeom>
+        </p:spPr>
+        <p:txBody>
+          <a:bodyPr spcFirstLastPara="1" wrap="square" lIns="91425" tIns="91425" rIns="91425" bIns="91425" anchor="t" anchorCtr="0">
+            <a:noAutofit/>
+          </a:bodyPr>
+          <a:lstStyle/>
+          <a:p>
+            <a:pPr marL="0" lvl="0" indent="0" algn="l" rtl="0">
+              <a:spcBef>
+                <a:spcPts val="0"/>
+              </a:spcBef>
+              <a:spcAft>
+                <a:spcPts val="0"/>
+              </a:spcAft>
+              <a:buNone/>
+            </a:pPr>
+            <a:endParaRPr/>
+          </a:p>
+        </p:txBody>
+      </p:sp>
+    </p:spTree>
+    <p:extLst>
+      <p:ext uri="{BB962C8B-B14F-4D97-AF65-F5344CB8AC3E}">
+        <p14:creationId xmlns:p14="http://schemas.microsoft.com/office/powerpoint/2010/main" val="4244444295"/>
+      </p:ext>
+    </p:extLst>
+  </p:cSld>
+  <p:clrMapOvr>
+    <a:masterClrMapping/>
+  </p:clrMapOvr>
+</p:notes>
+</file>
+
+<file path=ppt/notesSlides/notesSlide8.xml><?xml version="1.0" encoding="utf-8"?>
+<p:notes xmlns:a="http://schemas.openxmlformats.org/drawingml/2006/main" xmlns:r="http://schemas.openxmlformats.org/officeDocument/2006/relationships" xmlns:p="http://schemas.openxmlformats.org/presentationml/2006/main" showMasterSp="0" showMasterPhAnim="0">
+  <p:cSld>
+    <p:spTree>
+      <p:nvGrpSpPr>
+        <p:cNvPr id="1" name="Shape 353"/>
+        <p:cNvGrpSpPr/>
+        <p:nvPr/>
+      </p:nvGrpSpPr>
+      <p:grpSpPr>
+        <a:xfrm>
+          <a:off x="0" y="0"/>
+          <a:ext cx="0" cy="0"/>
+          <a:chOff x="0" y="0"/>
+          <a:chExt cx="0" cy="0"/>
+        </a:xfrm>
+      </p:grpSpPr>
+      <p:sp>
+        <p:nvSpPr>
+          <p:cNvPr id="354" name="Google Shape;354;g108dede5ebb_0_0:notes"/>
+          <p:cNvSpPr>
+            <a:spLocks noGrp="1" noRot="1" noChangeAspect="1"/>
+          </p:cNvSpPr>
+          <p:nvPr>
+            <p:ph type="sldImg" idx="2"/>
+          </p:nvPr>
+        </p:nvSpPr>
+        <p:spPr>
+          <a:xfrm>
+            <a:off x="381000" y="685800"/>
+            <a:ext cx="6096000" cy="3429000"/>
+          </a:xfrm>
+          <a:custGeom>
+            <a:avLst/>
+            <a:gdLst/>
+            <a:ahLst/>
+            <a:cxnLst/>
+            <a:rect l="l" t="t" r="r" b="b"/>
+            <a:pathLst>
+              <a:path w="120000" h="120000" extrusionOk="0">
+                <a:moveTo>
+                  <a:pt x="0" y="0"/>
+                </a:moveTo>
+                <a:lnTo>
+                  <a:pt x="120000" y="0"/>
+                </a:lnTo>
+                <a:lnTo>
+                  <a:pt x="120000" y="120000"/>
+                </a:lnTo>
+                <a:lnTo>
+                  <a:pt x="0" y="120000"/>
+                </a:lnTo>
+                <a:close/>
+              </a:path>
+            </a:pathLst>
+          </a:custGeom>
+        </p:spPr>
+      </p:sp>
+      <p:sp>
+        <p:nvSpPr>
+          <p:cNvPr id="355" name="Google Shape;355;g108dede5ebb_0_0:notes"/>
+          <p:cNvSpPr txBox="1">
+            <a:spLocks noGrp="1"/>
+          </p:cNvSpPr>
+          <p:nvPr>
+            <p:ph type="body" idx="1"/>
+          </p:nvPr>
+        </p:nvSpPr>
+        <p:spPr>
+          <a:xfrm>
+            <a:off x="685800" y="4343400"/>
+            <a:ext cx="5486400" cy="4114800"/>
+          </a:xfrm>
+          <a:prstGeom prst="rect">
+            <a:avLst/>
+          </a:prstGeom>
+        </p:spPr>
+        <p:txBody>
+          <a:bodyPr spcFirstLastPara="1" wrap="square" lIns="91425" tIns="91425" rIns="91425" bIns="91425" anchor="t" anchorCtr="0">
+            <a:noAutofit/>
+          </a:bodyPr>
+          <a:lstStyle/>
+          <a:p>
+            <a:pPr marL="0" lvl="0" indent="0" algn="l" rtl="0">
+              <a:spcBef>
+                <a:spcPts val="0"/>
+              </a:spcBef>
+              <a:spcAft>
+                <a:spcPts val="0"/>
+              </a:spcAft>
+              <a:buNone/>
+            </a:pPr>
+            <a:endParaRPr/>
+          </a:p>
+        </p:txBody>
+      </p:sp>
+    </p:spTree>
+    <p:extLst>
+      <p:ext uri="{BB962C8B-B14F-4D97-AF65-F5344CB8AC3E}">
+        <p14:creationId xmlns:p14="http://schemas.microsoft.com/office/powerpoint/2010/main" val="1026312815"/>
+      </p:ext>
+    </p:extLst>
+  </p:cSld>
+  <p:clrMapOvr>
+    <a:masterClrMapping/>
+  </p:clrMapOvr>
+</p:notes>
+</file>
+
+<file path=ppt/notesSlides/notesSlide9.xml><?xml version="1.0" encoding="utf-8"?>
+<p:notes xmlns:a="http://schemas.openxmlformats.org/drawingml/2006/main" xmlns:r="http://schemas.openxmlformats.org/officeDocument/2006/relationships" xmlns:p="http://schemas.openxmlformats.org/presentationml/2006/main" showMasterSp="0" showMasterPhAnim="0">
+  <p:cSld>
+    <p:spTree>
+      <p:nvGrpSpPr>
+        <p:cNvPr id="1" name="Shape 353"/>
+        <p:cNvGrpSpPr/>
+        <p:nvPr/>
+      </p:nvGrpSpPr>
+      <p:grpSpPr>
+        <a:xfrm>
+          <a:off x="0" y="0"/>
+          <a:ext cx="0" cy="0"/>
+          <a:chOff x="0" y="0"/>
+          <a:chExt cx="0" cy="0"/>
+        </a:xfrm>
+      </p:grpSpPr>
+      <p:sp>
+        <p:nvSpPr>
+          <p:cNvPr id="354" name="Google Shape;354;g108dede5ebb_0_0:notes"/>
+          <p:cNvSpPr>
+            <a:spLocks noGrp="1" noRot="1" noChangeAspect="1"/>
+          </p:cNvSpPr>
+          <p:nvPr>
+            <p:ph type="sldImg" idx="2"/>
+          </p:nvPr>
+        </p:nvSpPr>
+        <p:spPr>
+          <a:xfrm>
+            <a:off x="381000" y="685800"/>
+            <a:ext cx="6096000" cy="3429000"/>
+          </a:xfrm>
+          <a:custGeom>
+            <a:avLst/>
+            <a:gdLst/>
+            <a:ahLst/>
+            <a:cxnLst/>
+            <a:rect l="l" t="t" r="r" b="b"/>
+            <a:pathLst>
+              <a:path w="120000" h="120000" extrusionOk="0">
+                <a:moveTo>
+                  <a:pt x="0" y="0"/>
+                </a:moveTo>
+                <a:lnTo>
+                  <a:pt x="120000" y="0"/>
+                </a:lnTo>
+                <a:lnTo>
+                  <a:pt x="120000" y="120000"/>
+                </a:lnTo>
+                <a:lnTo>
+                  <a:pt x="0" y="120000"/>
+                </a:lnTo>
+                <a:close/>
+              </a:path>
+            </a:pathLst>
+          </a:custGeom>
+        </p:spPr>
+      </p:sp>
+      <p:sp>
+        <p:nvSpPr>
+          <p:cNvPr id="355" name="Google Shape;355;g108dede5ebb_0_0:notes"/>
+          <p:cNvSpPr txBox="1">
+            <a:spLocks noGrp="1"/>
+          </p:cNvSpPr>
+          <p:nvPr>
+            <p:ph type="body" idx="1"/>
+          </p:nvPr>
+        </p:nvSpPr>
+        <p:spPr>
+          <a:xfrm>
+            <a:off x="685800" y="4343400"/>
+            <a:ext cx="5486400" cy="4114800"/>
+          </a:xfrm>
+          <a:prstGeom prst="rect">
+            <a:avLst/>
+          </a:prstGeom>
+        </p:spPr>
+        <p:txBody>
+          <a:bodyPr spcFirstLastPara="1" wrap="square" lIns="91425" tIns="91425" rIns="91425" bIns="91425" anchor="t" anchorCtr="0">
+            <a:noAutofit/>
+          </a:bodyPr>
+          <a:lstStyle/>
+          <a:p>
+            <a:pPr marL="0" lvl="0" indent="0" algn="l" rtl="0">
+              <a:spcBef>
+                <a:spcPts val="0"/>
+              </a:spcBef>
+              <a:spcAft>
+                <a:spcPts val="0"/>
+              </a:spcAft>
+              <a:buNone/>
+            </a:pPr>
+            <a:endParaRPr/>
+          </a:p>
+        </p:txBody>
+      </p:sp>
+    </p:spTree>
+    <p:extLst>
+      <p:ext uri="{BB962C8B-B14F-4D97-AF65-F5344CB8AC3E}">
+        <p14:creationId xmlns:p14="http://schemas.microsoft.com/office/powerpoint/2010/main" val="1228955086"/>
       </p:ext>
     </p:extLst>
   </p:cSld>
@@ -801,7 +1808,7 @@
           <a:p>
             <a:fld id="{1217AA9C-DE87-4C30-AF51-48A84A13B5EA}" type="datetimeFigureOut">
               <a:rPr lang="en-US" smtClean="0"/>
-              <a:t>10/20/2022</a:t>
+              <a:t>12/10/2022</a:t>
             </a:fld>
             <a:endParaRPr lang="en-US"/>
           </a:p>
@@ -971,7 +1978,7 @@
           <a:p>
             <a:fld id="{1217AA9C-DE87-4C30-AF51-48A84A13B5EA}" type="datetimeFigureOut">
               <a:rPr lang="en-US" smtClean="0"/>
-              <a:t>10/20/2022</a:t>
+              <a:t>12/10/2022</a:t>
             </a:fld>
             <a:endParaRPr lang="en-US"/>
           </a:p>
@@ -1151,7 +2158,7 @@
           <a:p>
             <a:fld id="{1217AA9C-DE87-4C30-AF51-48A84A13B5EA}" type="datetimeFigureOut">
               <a:rPr lang="en-US" smtClean="0"/>
-              <a:t>10/20/2022</a:t>
+              <a:t>12/10/2022</a:t>
             </a:fld>
             <a:endParaRPr lang="en-US"/>
           </a:p>
@@ -1321,7 +2328,7 @@
           <a:p>
             <a:fld id="{1217AA9C-DE87-4C30-AF51-48A84A13B5EA}" type="datetimeFigureOut">
               <a:rPr lang="en-US" smtClean="0"/>
-              <a:t>10/20/2022</a:t>
+              <a:t>12/10/2022</a:t>
             </a:fld>
             <a:endParaRPr lang="en-US"/>
           </a:p>
@@ -1567,7 +2574,7 @@
           <a:p>
             <a:fld id="{1217AA9C-DE87-4C30-AF51-48A84A13B5EA}" type="datetimeFigureOut">
               <a:rPr lang="en-US" smtClean="0"/>
-              <a:t>10/20/2022</a:t>
+              <a:t>12/10/2022</a:t>
             </a:fld>
             <a:endParaRPr lang="en-US"/>
           </a:p>
@@ -1799,7 +2806,7 @@
           <a:p>
             <a:fld id="{1217AA9C-DE87-4C30-AF51-48A84A13B5EA}" type="datetimeFigureOut">
               <a:rPr lang="en-US" smtClean="0"/>
-              <a:t>10/20/2022</a:t>
+              <a:t>12/10/2022</a:t>
             </a:fld>
             <a:endParaRPr lang="en-US"/>
           </a:p>
@@ -2166,7 +3173,7 @@
           <a:p>
             <a:fld id="{1217AA9C-DE87-4C30-AF51-48A84A13B5EA}" type="datetimeFigureOut">
               <a:rPr lang="en-US" smtClean="0"/>
-              <a:t>10/20/2022</a:t>
+              <a:t>12/10/2022</a:t>
             </a:fld>
             <a:endParaRPr lang="en-US"/>
           </a:p>
@@ -2284,7 +3291,7 @@
           <a:p>
             <a:fld id="{1217AA9C-DE87-4C30-AF51-48A84A13B5EA}" type="datetimeFigureOut">
               <a:rPr lang="en-US" smtClean="0"/>
-              <a:t>10/20/2022</a:t>
+              <a:t>12/10/2022</a:t>
             </a:fld>
             <a:endParaRPr lang="en-US"/>
           </a:p>
@@ -2379,7 +3386,7 @@
           <a:p>
             <a:fld id="{1217AA9C-DE87-4C30-AF51-48A84A13B5EA}" type="datetimeFigureOut">
               <a:rPr lang="en-US" smtClean="0"/>
-              <a:t>10/20/2022</a:t>
+              <a:t>12/10/2022</a:t>
             </a:fld>
             <a:endParaRPr lang="en-US"/>
           </a:p>
@@ -2656,7 +3663,7 @@
           <a:p>
             <a:fld id="{1217AA9C-DE87-4C30-AF51-48A84A13B5EA}" type="datetimeFigureOut">
               <a:rPr lang="en-US" smtClean="0"/>
-              <a:t>10/20/2022</a:t>
+              <a:t>12/10/2022</a:t>
             </a:fld>
             <a:endParaRPr lang="en-US"/>
           </a:p>
@@ -2909,7 +3916,7 @@
           <a:p>
             <a:fld id="{1217AA9C-DE87-4C30-AF51-48A84A13B5EA}" type="datetimeFigureOut">
               <a:rPr lang="en-US" smtClean="0"/>
-              <a:t>10/20/2022</a:t>
+              <a:t>12/10/2022</a:t>
             </a:fld>
             <a:endParaRPr lang="en-US"/>
           </a:p>
@@ -3122,7 +4129,7 @@
           <a:p>
             <a:fld id="{1217AA9C-DE87-4C30-AF51-48A84A13B5EA}" type="datetimeFigureOut">
               <a:rPr lang="en-US" smtClean="0"/>
-              <a:t>10/20/2022</a:t>
+              <a:t>12/10/2022</a:t>
             </a:fld>
             <a:endParaRPr lang="en-US"/>
           </a:p>
@@ -3768,20 +4775,9 @@
 <file path=ppt/slides/slide10.xml><?xml version="1.0" encoding="utf-8"?>
 <p:sld xmlns:a="http://schemas.openxmlformats.org/drawingml/2006/main" xmlns:r="http://schemas.openxmlformats.org/officeDocument/2006/relationships" xmlns:p="http://schemas.openxmlformats.org/presentationml/2006/main">
   <p:cSld>
-    <p:bg>
-      <p:bgPr>
-        <a:blipFill>
-          <a:blip r:embed="rId2"/>
-          <a:stretch>
-            <a:fillRect/>
-          </a:stretch>
-        </a:blipFill>
-        <a:effectLst/>
-      </p:bgPr>
-    </p:bg>
     <p:spTree>
       <p:nvGrpSpPr>
-        <p:cNvPr id="1" name=""/>
+        <p:cNvPr id="1" name="Shape 356"/>
         <p:cNvGrpSpPr/>
         <p:nvPr/>
       </p:nvGrpSpPr>
@@ -3795,51 +4791,42 @@
       </p:grpSpPr>
       <p:sp>
         <p:nvSpPr>
-          <p:cNvPr id="10" name="Content Placeholder 2">
-            <a:extLst>
-              <a:ext uri="{FF2B5EF4-FFF2-40B4-BE49-F238E27FC236}">
-                <a16:creationId xmlns:a16="http://schemas.microsoft.com/office/drawing/2014/main" id="{FF5E9BDE-EEAA-43CE-A6F0-FC3D95100C18}"/>
-              </a:ext>
-            </a:extLst>
-          </p:cNvPr>
-          <p:cNvSpPr>
+          <p:cNvPr id="359" name="Google Shape;359;p37"/>
+          <p:cNvSpPr txBox="1">
             <a:spLocks noGrp="1"/>
           </p:cNvSpPr>
           <p:nvPr>
-            <p:ph idx="1"/>
-          </p:nvPr>
-        </p:nvSpPr>
-        <p:spPr>
-          <a:xfrm>
-            <a:off x="2927550" y="636724"/>
-            <a:ext cx="6468698" cy="783900"/>
-          </a:xfrm>
-          <a:ln w="38100">
-            <a:solidFill>
-              <a:schemeClr val="accent3">
-                <a:lumMod val="60000"/>
-                <a:lumOff val="40000"/>
-              </a:schemeClr>
-            </a:solidFill>
-          </a:ln>
-        </p:spPr>
-        <p:txBody>
-          <a:bodyPr lIns="109728" tIns="109728" rIns="109728" bIns="91440">
+            <p:ph type="subTitle" idx="1"/>
+          </p:nvPr>
+        </p:nvSpPr>
+        <p:spPr>
+          <a:xfrm>
+            <a:off x="307975" y="217275"/>
+            <a:ext cx="11474202" cy="546000"/>
+          </a:xfrm>
+          <a:prstGeom prst="rect">
+            <a:avLst/>
+          </a:prstGeom>
+        </p:spPr>
+        <p:txBody>
+          <a:bodyPr spcFirstLastPara="1" wrap="square" lIns="121900" tIns="121900" rIns="121900" bIns="121900" anchor="ctr" anchorCtr="0">
             <a:noAutofit/>
           </a:bodyPr>
           <a:lstStyle/>
           <a:p>
-            <a:pPr marL="0" indent="0" algn="ctr">
-              <a:buNone/>
+            <a:pPr>
+              <a:spcBef>
+                <a:spcPts val="0"/>
+              </a:spcBef>
             </a:pPr>
             <a:r>
-              <a:rPr lang="en-US" sz="3000" smtClean="0">
+              <a:rPr lang="en-US" b="1" smtClean="0">
                 <a:latin typeface="Times New Roman" panose="02020603050405020304" pitchFamily="18" charset="0"/>
                 <a:cs typeface="Times New Roman" panose="02020603050405020304" pitchFamily="18" charset="0"/>
               </a:rPr>
-              <a:t>Đăng ký và kiểm tra chức năng</a:t>
-            </a:r>
-            <a:endParaRPr lang="en-US" sz="3000" err="1">
+              <a:t>DEPLOY WEB </a:t>
+            </a:r>
+            <a:endParaRPr b="1" dirty="0">
               <a:latin typeface="Times New Roman" panose="02020603050405020304" pitchFamily="18" charset="0"/>
               <a:cs typeface="Times New Roman" panose="02020603050405020304" pitchFamily="18" charset="0"/>
             </a:endParaRPr>
@@ -3848,34 +4835,256 @@
       </p:sp>
       <p:sp>
         <p:nvSpPr>
-          <p:cNvPr id="5" name="TextBox 4"/>
-          <p:cNvSpPr txBox="1"/>
+          <p:cNvPr id="360" name="Google Shape;360;p37"/>
+          <p:cNvSpPr/>
           <p:nvPr/>
         </p:nvSpPr>
         <p:spPr>
           <a:xfrm>
-            <a:off x="6161899" y="1736905"/>
-            <a:ext cx="3857297" cy="1015663"/>
+            <a:off x="562562" y="5383521"/>
+            <a:ext cx="4921197" cy="518191"/>
+          </a:xfrm>
+          <a:custGeom>
+            <a:avLst/>
+            <a:gdLst/>
+            <a:ahLst/>
+            <a:cxnLst/>
+            <a:rect l="l" t="t" r="r" b="b"/>
+            <a:pathLst>
+              <a:path w="26664" h="24929" extrusionOk="0">
+                <a:moveTo>
+                  <a:pt x="14316" y="1"/>
+                </a:moveTo>
+                <a:cubicBezTo>
+                  <a:pt x="9286" y="1"/>
+                  <a:pt x="4073" y="3865"/>
+                  <a:pt x="2121" y="8257"/>
+                </a:cubicBezTo>
+                <a:cubicBezTo>
+                  <a:pt x="0" y="13029"/>
+                  <a:pt x="1193" y="18564"/>
+                  <a:pt x="5303" y="21845"/>
+                </a:cubicBezTo>
+                <a:cubicBezTo>
+                  <a:pt x="7965" y="23969"/>
+                  <a:pt x="10917" y="24928"/>
+                  <a:pt x="13705" y="24928"/>
+                </a:cubicBezTo>
+                <a:cubicBezTo>
+                  <a:pt x="20704" y="24928"/>
+                  <a:pt x="26663" y="18878"/>
+                  <a:pt x="24376" y="10013"/>
+                </a:cubicBezTo>
+                <a:cubicBezTo>
+                  <a:pt x="23316" y="5870"/>
+                  <a:pt x="21493" y="1844"/>
+                  <a:pt x="17118" y="435"/>
+                </a:cubicBezTo>
+                <a:cubicBezTo>
+                  <a:pt x="16206" y="138"/>
+                  <a:pt x="15264" y="1"/>
+                  <a:pt x="14316" y="1"/>
+                </a:cubicBezTo>
+                <a:close/>
+              </a:path>
+            </a:pathLst>
+          </a:custGeom>
+          <a:solidFill>
+            <a:srgbClr val="FFB088">
+              <a:alpha val="36610"/>
+            </a:srgbClr>
+          </a:solidFill>
+          <a:ln>
+            <a:noFill/>
+          </a:ln>
+        </p:spPr>
+        <p:txBody>
+          <a:bodyPr spcFirstLastPara="1" wrap="square" lIns="121900" tIns="121900" rIns="121900" bIns="121900" anchor="ctr" anchorCtr="0">
+            <a:noAutofit/>
+          </a:bodyPr>
+          <a:lstStyle/>
+          <a:p>
+            <a:endParaRPr sz="2400"/>
+          </a:p>
+        </p:txBody>
+      </p:sp>
+      <p:sp>
+        <p:nvSpPr>
+          <p:cNvPr id="2" name="AutoShape 2" descr="Use Case model on conceptual design | Download Scientific Diagram"/>
+          <p:cNvSpPr>
+            <a:spLocks noChangeAspect="1" noChangeArrowheads="1"/>
+          </p:cNvSpPr>
+          <p:nvPr/>
+        </p:nvSpPr>
+        <p:spPr bwMode="auto">
+          <a:xfrm>
+            <a:off x="155574" y="-144463"/>
+            <a:ext cx="4585819" cy="4585834"/>
           </a:xfrm>
           <a:prstGeom prst="rect">
             <a:avLst/>
           </a:prstGeom>
           <a:noFill/>
-        </p:spPr>
-        <p:txBody>
-          <a:bodyPr wrap="square" rtlCol="0">
-            <a:spAutoFit/>
+          <a:extLst>
+            <a:ext uri="{909E8E84-426E-40DD-AFC4-6F175D3DCCD1}">
+              <a14:hiddenFill xmlns:a14="http://schemas.microsoft.com/office/drawing/2010/main">
+                <a:solidFill>
+                  <a:srgbClr val="FFFFFF"/>
+                </a:solidFill>
+              </a14:hiddenFill>
+            </a:ext>
+          </a:extLst>
+        </p:spPr>
+        <p:txBody>
+          <a:bodyPr vert="horz" wrap="square" lIns="91440" tIns="45720" rIns="91440" bIns="45720" numCol="1" anchor="t" anchorCtr="0" compatLnSpc="1">
+            <a:prstTxWarp prst="textNoShape">
+              <a:avLst/>
+            </a:prstTxWarp>
           </a:bodyPr>
           <a:lstStyle/>
           <a:p>
-            <a:r>
-              <a:rPr lang="en-US" sz="3000" smtClean="0">
+            <a:endParaRPr lang="en-US"/>
+          </a:p>
+        </p:txBody>
+      </p:sp>
+      <p:sp>
+        <p:nvSpPr>
+          <p:cNvPr id="4" name="AutoShape 6" descr="Use Case model on conceptual design | Download Scientific Diagram"/>
+          <p:cNvSpPr>
+            <a:spLocks noChangeAspect="1" noChangeArrowheads="1"/>
+          </p:cNvSpPr>
+          <p:nvPr/>
+        </p:nvSpPr>
+        <p:spPr bwMode="auto">
+          <a:xfrm>
+            <a:off x="155575" y="-144463"/>
+            <a:ext cx="304800" cy="304801"/>
+          </a:xfrm>
+          <a:prstGeom prst="rect">
+            <a:avLst/>
+          </a:prstGeom>
+          <a:noFill/>
+          <a:extLst>
+            <a:ext uri="{909E8E84-426E-40DD-AFC4-6F175D3DCCD1}">
+              <a14:hiddenFill xmlns:a14="http://schemas.microsoft.com/office/drawing/2010/main">
+                <a:solidFill>
+                  <a:srgbClr val="FFFFFF"/>
+                </a:solidFill>
+              </a14:hiddenFill>
+            </a:ext>
+          </a:extLst>
+        </p:spPr>
+        <p:txBody>
+          <a:bodyPr vert="horz" wrap="square" lIns="91440" tIns="45720" rIns="91440" bIns="45720" numCol="1" anchor="t" anchorCtr="0" compatLnSpc="1">
+            <a:prstTxWarp prst="textNoShape">
+              <a:avLst/>
+            </a:prstTxWarp>
+          </a:bodyPr>
+          <a:lstStyle/>
+          <a:p>
+            <a:endParaRPr lang="en-US"/>
+          </a:p>
+        </p:txBody>
+      </p:sp>
+      <p:pic>
+        <p:nvPicPr>
+          <p:cNvPr id="5" name="Picture 4"/>
+          <p:cNvPicPr>
+            <a:picLocks noChangeAspect="1"/>
+          </p:cNvPicPr>
+          <p:nvPr/>
+        </p:nvPicPr>
+        <p:blipFill>
+          <a:blip r:embed="rId3"/>
+          <a:stretch>
+            <a:fillRect/>
+          </a:stretch>
+        </p:blipFill>
+        <p:spPr>
+          <a:xfrm>
+            <a:off x="1011064" y="1198919"/>
+            <a:ext cx="10329598" cy="5081500"/>
+          </a:xfrm>
+          <a:prstGeom prst="rect">
+            <a:avLst/>
+          </a:prstGeom>
+        </p:spPr>
+      </p:pic>
+    </p:spTree>
+    <p:extLst>
+      <p:ext uri="{BB962C8B-B14F-4D97-AF65-F5344CB8AC3E}">
+        <p14:creationId xmlns:p14="http://schemas.microsoft.com/office/powerpoint/2010/main" val="1028595856"/>
+      </p:ext>
+    </p:extLst>
+  </p:cSld>
+  <p:clrMapOvr>
+    <a:masterClrMapping/>
+  </p:clrMapOvr>
+  <p:timing>
+    <p:tnLst>
+      <p:par>
+        <p:cTn id="1" dur="indefinite" restart="never" nodeType="tmRoot"/>
+      </p:par>
+    </p:tnLst>
+  </p:timing>
+</p:sld>
+</file>
+
+<file path=ppt/slides/slide11.xml><?xml version="1.0" encoding="utf-8"?>
+<p:sld xmlns:a="http://schemas.openxmlformats.org/drawingml/2006/main" xmlns:r="http://schemas.openxmlformats.org/officeDocument/2006/relationships" xmlns:p="http://schemas.openxmlformats.org/presentationml/2006/main">
+  <p:cSld>
+    <p:spTree>
+      <p:nvGrpSpPr>
+        <p:cNvPr id="1" name="Shape 356"/>
+        <p:cNvGrpSpPr/>
+        <p:nvPr/>
+      </p:nvGrpSpPr>
+      <p:grpSpPr>
+        <a:xfrm>
+          <a:off x="0" y="0"/>
+          <a:ext cx="0" cy="0"/>
+          <a:chOff x="0" y="0"/>
+          <a:chExt cx="0" cy="0"/>
+        </a:xfrm>
+      </p:grpSpPr>
+      <p:sp>
+        <p:nvSpPr>
+          <p:cNvPr id="359" name="Google Shape;359;p37"/>
+          <p:cNvSpPr txBox="1">
+            <a:spLocks noGrp="1"/>
+          </p:cNvSpPr>
+          <p:nvPr>
+            <p:ph type="subTitle" idx="1"/>
+          </p:nvPr>
+        </p:nvSpPr>
+        <p:spPr>
+          <a:xfrm>
+            <a:off x="307975" y="217275"/>
+            <a:ext cx="11474202" cy="546000"/>
+          </a:xfrm>
+          <a:prstGeom prst="rect">
+            <a:avLst/>
+          </a:prstGeom>
+        </p:spPr>
+        <p:txBody>
+          <a:bodyPr spcFirstLastPara="1" wrap="square" lIns="121900" tIns="121900" rIns="121900" bIns="121900" anchor="ctr" anchorCtr="0">
+            <a:noAutofit/>
+          </a:bodyPr>
+          <a:lstStyle/>
+          <a:p>
+            <a:pPr>
+              <a:spcBef>
+                <a:spcPts val="0"/>
+              </a:spcBef>
+            </a:pPr>
+            <a:r>
+              <a:rPr lang="en-US" b="1" smtClean="0">
                 <a:latin typeface="Times New Roman" panose="02020603050405020304" pitchFamily="18" charset="0"/>
                 <a:cs typeface="Times New Roman" panose="02020603050405020304" pitchFamily="18" charset="0"/>
               </a:rPr>
-              <a:t>Thiết kế được giao diện đăng ký</a:t>
-            </a:r>
-            <a:endParaRPr lang="en-US" sz="3000">
+              <a:t>CÀI ĐẶT UBUNTU VÀ EC2</a:t>
+            </a:r>
+            <a:endParaRPr b="1" dirty="0">
               <a:latin typeface="Times New Roman" panose="02020603050405020304" pitchFamily="18" charset="0"/>
               <a:cs typeface="Times New Roman" panose="02020603050405020304" pitchFamily="18" charset="0"/>
             </a:endParaRPr>
@@ -3884,37 +5093,154 @@
       </p:sp>
       <p:sp>
         <p:nvSpPr>
-          <p:cNvPr id="6" name="TextBox 5"/>
-          <p:cNvSpPr txBox="1"/>
+          <p:cNvPr id="360" name="Google Shape;360;p37"/>
+          <p:cNvSpPr/>
           <p:nvPr/>
         </p:nvSpPr>
         <p:spPr>
           <a:xfrm>
-            <a:off x="6161899" y="3394841"/>
-            <a:ext cx="3857297" cy="1938992"/>
+            <a:off x="562562" y="5383521"/>
+            <a:ext cx="4921197" cy="518191"/>
+          </a:xfrm>
+          <a:custGeom>
+            <a:avLst/>
+            <a:gdLst/>
+            <a:ahLst/>
+            <a:cxnLst/>
+            <a:rect l="l" t="t" r="r" b="b"/>
+            <a:pathLst>
+              <a:path w="26664" h="24929" extrusionOk="0">
+                <a:moveTo>
+                  <a:pt x="14316" y="1"/>
+                </a:moveTo>
+                <a:cubicBezTo>
+                  <a:pt x="9286" y="1"/>
+                  <a:pt x="4073" y="3865"/>
+                  <a:pt x="2121" y="8257"/>
+                </a:cubicBezTo>
+                <a:cubicBezTo>
+                  <a:pt x="0" y="13029"/>
+                  <a:pt x="1193" y="18564"/>
+                  <a:pt x="5303" y="21845"/>
+                </a:cubicBezTo>
+                <a:cubicBezTo>
+                  <a:pt x="7965" y="23969"/>
+                  <a:pt x="10917" y="24928"/>
+                  <a:pt x="13705" y="24928"/>
+                </a:cubicBezTo>
+                <a:cubicBezTo>
+                  <a:pt x="20704" y="24928"/>
+                  <a:pt x="26663" y="18878"/>
+                  <a:pt x="24376" y="10013"/>
+                </a:cubicBezTo>
+                <a:cubicBezTo>
+                  <a:pt x="23316" y="5870"/>
+                  <a:pt x="21493" y="1844"/>
+                  <a:pt x="17118" y="435"/>
+                </a:cubicBezTo>
+                <a:cubicBezTo>
+                  <a:pt x="16206" y="138"/>
+                  <a:pt x="15264" y="1"/>
+                  <a:pt x="14316" y="1"/>
+                </a:cubicBezTo>
+                <a:close/>
+              </a:path>
+            </a:pathLst>
+          </a:custGeom>
+          <a:solidFill>
+            <a:srgbClr val="FFB088">
+              <a:alpha val="36610"/>
+            </a:srgbClr>
+          </a:solidFill>
+          <a:ln>
+            <a:noFill/>
+          </a:ln>
+        </p:spPr>
+        <p:txBody>
+          <a:bodyPr spcFirstLastPara="1" wrap="square" lIns="121900" tIns="121900" rIns="121900" bIns="121900" anchor="ctr" anchorCtr="0">
+            <a:noAutofit/>
+          </a:bodyPr>
+          <a:lstStyle/>
+          <a:p>
+            <a:endParaRPr sz="2400"/>
+          </a:p>
+        </p:txBody>
+      </p:sp>
+      <p:sp>
+        <p:nvSpPr>
+          <p:cNvPr id="2" name="AutoShape 2" descr="Use Case model on conceptual design | Download Scientific Diagram"/>
+          <p:cNvSpPr>
+            <a:spLocks noChangeAspect="1" noChangeArrowheads="1"/>
+          </p:cNvSpPr>
+          <p:nvPr/>
+        </p:nvSpPr>
+        <p:spPr bwMode="auto">
+          <a:xfrm>
+            <a:off x="155574" y="-144463"/>
+            <a:ext cx="4585819" cy="4585834"/>
           </a:xfrm>
           <a:prstGeom prst="rect">
             <a:avLst/>
           </a:prstGeom>
           <a:noFill/>
-        </p:spPr>
-        <p:txBody>
-          <a:bodyPr wrap="square" rtlCol="0">
-            <a:spAutoFit/>
+          <a:extLst>
+            <a:ext uri="{909E8E84-426E-40DD-AFC4-6F175D3DCCD1}">
+              <a14:hiddenFill xmlns:a14="http://schemas.microsoft.com/office/drawing/2010/main">
+                <a:solidFill>
+                  <a:srgbClr val="FFFFFF"/>
+                </a:solidFill>
+              </a14:hiddenFill>
+            </a:ext>
+          </a:extLst>
+        </p:spPr>
+        <p:txBody>
+          <a:bodyPr vert="horz" wrap="square" lIns="91440" tIns="45720" rIns="91440" bIns="45720" numCol="1" anchor="t" anchorCtr="0" compatLnSpc="1">
+            <a:prstTxWarp prst="textNoShape">
+              <a:avLst/>
+            </a:prstTxWarp>
           </a:bodyPr>
           <a:lstStyle/>
           <a:p>
-            <a:r>
-              <a:rPr lang="en-US" sz="3000" smtClean="0">
-                <a:latin typeface="Times New Roman" panose="02020603050405020304" pitchFamily="18" charset="0"/>
-                <a:cs typeface="Times New Roman" panose="02020603050405020304" pitchFamily="18" charset="0"/>
-              </a:rPr>
-              <a:t>Kiểm tra tính hợp lệ của username và mật khẩu, kiểm tra trong database</a:t>
-            </a:r>
-            <a:endParaRPr lang="en-US" sz="3000">
-              <a:latin typeface="Times New Roman" panose="02020603050405020304" pitchFamily="18" charset="0"/>
-              <a:cs typeface="Times New Roman" panose="02020603050405020304" pitchFamily="18" charset="0"/>
-            </a:endParaRPr>
+            <a:endParaRPr lang="en-US"/>
+          </a:p>
+        </p:txBody>
+      </p:sp>
+      <p:sp>
+        <p:nvSpPr>
+          <p:cNvPr id="4" name="AutoShape 6" descr="Use Case model on conceptual design | Download Scientific Diagram"/>
+          <p:cNvSpPr>
+            <a:spLocks noChangeAspect="1" noChangeArrowheads="1"/>
+          </p:cNvSpPr>
+          <p:nvPr/>
+        </p:nvSpPr>
+        <p:spPr bwMode="auto">
+          <a:xfrm>
+            <a:off x="155575" y="-144463"/>
+            <a:ext cx="304800" cy="304801"/>
+          </a:xfrm>
+          <a:prstGeom prst="rect">
+            <a:avLst/>
+          </a:prstGeom>
+          <a:noFill/>
+          <a:extLst>
+            <a:ext uri="{909E8E84-426E-40DD-AFC4-6F175D3DCCD1}">
+              <a14:hiddenFill xmlns:a14="http://schemas.microsoft.com/office/drawing/2010/main">
+                <a:solidFill>
+                  <a:srgbClr val="FFFFFF"/>
+                </a:solidFill>
+              </a14:hiddenFill>
+            </a:ext>
+          </a:extLst>
+        </p:spPr>
+        <p:txBody>
+          <a:bodyPr vert="horz" wrap="square" lIns="91440" tIns="45720" rIns="91440" bIns="45720" numCol="1" anchor="t" anchorCtr="0" compatLnSpc="1">
+            <a:prstTxWarp prst="textNoShape">
+              <a:avLst/>
+            </a:prstTxWarp>
+          </a:bodyPr>
+          <a:lstStyle/>
+          <a:p>
+            <a:endParaRPr lang="en-US"/>
           </a:p>
         </p:txBody>
       </p:sp>
@@ -3934,207 +5260,100 @@
         </p:blipFill>
         <p:spPr>
           <a:xfrm>
-            <a:off x="1727349" y="1501201"/>
-            <a:ext cx="3650296" cy="4633362"/>
+            <a:off x="462942" y="1780818"/>
+            <a:ext cx="11164267" cy="1646063"/>
           </a:xfrm>
           <a:prstGeom prst="rect">
             <a:avLst/>
           </a:prstGeom>
         </p:spPr>
       </p:pic>
+      <p:pic>
+        <p:nvPicPr>
+          <p:cNvPr id="6" name="Picture 5"/>
+          <p:cNvPicPr>
+            <a:picLocks noChangeAspect="1"/>
+          </p:cNvPicPr>
+          <p:nvPr/>
+        </p:nvPicPr>
+        <p:blipFill>
+          <a:blip r:embed="rId4"/>
+          <a:stretch>
+            <a:fillRect/>
+          </a:stretch>
+        </p:blipFill>
+        <p:spPr>
+          <a:xfrm>
+            <a:off x="584872" y="4039881"/>
+            <a:ext cx="11042337" cy="1745131"/>
+          </a:xfrm>
+          <a:prstGeom prst="rect">
+            <a:avLst/>
+          </a:prstGeom>
+        </p:spPr>
+      </p:pic>
+      <p:sp>
+        <p:nvSpPr>
+          <p:cNvPr id="7" name="TextBox 6"/>
+          <p:cNvSpPr txBox="1"/>
+          <p:nvPr/>
+        </p:nvSpPr>
+        <p:spPr>
+          <a:xfrm>
+            <a:off x="956441" y="820212"/>
+            <a:ext cx="9270125" cy="369332"/>
+          </a:xfrm>
+          <a:prstGeom prst="rect">
+            <a:avLst/>
+          </a:prstGeom>
+          <a:noFill/>
+        </p:spPr>
+        <p:txBody>
+          <a:bodyPr wrap="square" rtlCol="0">
+            <a:spAutoFit/>
+          </a:bodyPr>
+          <a:lstStyle/>
+          <a:p>
+            <a:r>
+              <a:rPr lang="en-US" smtClean="0">
+                <a:latin typeface="Times New Roman" panose="02020603050405020304" pitchFamily="18" charset="0"/>
+                <a:cs typeface="Times New Roman" panose="02020603050405020304" pitchFamily="18" charset="0"/>
+              </a:rPr>
+              <a:t>Cài 1 server và một máy khách (cloud9ubuntu) và gắn ElasticIP cho 2 máy</a:t>
+            </a:r>
+            <a:endParaRPr lang="en-US">
+              <a:latin typeface="Times New Roman" panose="02020603050405020304" pitchFamily="18" charset="0"/>
+              <a:cs typeface="Times New Roman" panose="02020603050405020304" pitchFamily="18" charset="0"/>
+            </a:endParaRPr>
+          </a:p>
+        </p:txBody>
+      </p:sp>
     </p:spTree>
     <p:extLst>
       <p:ext uri="{BB962C8B-B14F-4D97-AF65-F5344CB8AC3E}">
-        <p14:creationId xmlns:p14="http://schemas.microsoft.com/office/powerpoint/2010/main" val="3735710260"/>
+        <p14:creationId xmlns:p14="http://schemas.microsoft.com/office/powerpoint/2010/main" val="1828355739"/>
       </p:ext>
     </p:extLst>
   </p:cSld>
   <p:clrMapOvr>
     <a:masterClrMapping/>
   </p:clrMapOvr>
-  <mc:AlternateContent xmlns:mc="http://schemas.openxmlformats.org/markup-compatibility/2006" xmlns:p14="http://schemas.microsoft.com/office/powerpoint/2010/main">
-    <mc:Choice Requires="p14">
-      <p:transition spd="slow" p14:dur="1400">
-        <p14:ripple/>
-      </p:transition>
-    </mc:Choice>
-    <mc:Fallback xmlns="">
-      <p:transition spd="slow">
-        <p:fade/>
-      </p:transition>
-    </mc:Fallback>
-  </mc:AlternateContent>
   <p:timing>
     <p:tnLst>
       <p:par>
-        <p:cTn id="1" dur="indefinite" restart="never" nodeType="tmRoot">
-          <p:childTnLst>
-            <p:seq concurrent="1" nextAc="seek">
-              <p:cTn id="2" dur="indefinite" nodeType="mainSeq">
-                <p:childTnLst>
-                  <p:par>
-                    <p:cTn id="3" fill="hold">
-                      <p:stCondLst>
-                        <p:cond delay="indefinite"/>
-                      </p:stCondLst>
-                      <p:childTnLst>
-                        <p:par>
-                          <p:cTn id="4" fill="hold">
-                            <p:stCondLst>
-                              <p:cond delay="0"/>
-                            </p:stCondLst>
-                            <p:childTnLst>
-                              <p:par>
-                                <p:cTn id="5" presetID="10" presetClass="entr" presetSubtype="0" fill="hold" grpId="0" nodeType="clickEffect">
-                                  <p:stCondLst>
-                                    <p:cond delay="0"/>
-                                  </p:stCondLst>
-                                  <p:childTnLst>
-                                    <p:set>
-                                      <p:cBhvr>
-                                        <p:cTn id="6" dur="1" fill="hold">
-                                          <p:stCondLst>
-                                            <p:cond delay="0"/>
-                                          </p:stCondLst>
-                                        </p:cTn>
-                                        <p:tgtEl>
-                                          <p:spTgt spid="10">
-                                            <p:bg/>
-                                          </p:spTgt>
-                                        </p:tgtEl>
-                                        <p:attrNameLst>
-                                          <p:attrName>style.visibility</p:attrName>
-                                        </p:attrNameLst>
-                                      </p:cBhvr>
-                                      <p:to>
-                                        <p:strVal val="visible"/>
-                                      </p:to>
-                                    </p:set>
-                                    <p:animEffect transition="in" filter="fade">
-                                      <p:cBhvr>
-                                        <p:cTn id="7" dur="500"/>
-                                        <p:tgtEl>
-                                          <p:spTgt spid="10">
-                                            <p:bg/>
-                                          </p:spTgt>
-                                        </p:tgtEl>
-                                      </p:cBhvr>
-                                    </p:animEffect>
-                                  </p:childTnLst>
-                                </p:cTn>
-                              </p:par>
-                            </p:childTnLst>
-                          </p:cTn>
-                        </p:par>
-                      </p:childTnLst>
-                    </p:cTn>
-                  </p:par>
-                  <p:par>
-                    <p:cTn id="8" fill="hold">
-                      <p:stCondLst>
-                        <p:cond delay="indefinite"/>
-                      </p:stCondLst>
-                      <p:childTnLst>
-                        <p:par>
-                          <p:cTn id="9" fill="hold">
-                            <p:stCondLst>
-                              <p:cond delay="0"/>
-                            </p:stCondLst>
-                            <p:childTnLst>
-                              <p:par>
-                                <p:cTn id="10" presetID="10" presetClass="entr" presetSubtype="0" fill="hold" grpId="0" nodeType="clickEffect">
-                                  <p:stCondLst>
-                                    <p:cond delay="0"/>
-                                  </p:stCondLst>
-                                  <p:childTnLst>
-                                    <p:set>
-                                      <p:cBhvr>
-                                        <p:cTn id="11" dur="1" fill="hold">
-                                          <p:stCondLst>
-                                            <p:cond delay="0"/>
-                                          </p:stCondLst>
-                                        </p:cTn>
-                                        <p:tgtEl>
-                                          <p:spTgt spid="10">
-                                            <p:txEl>
-                                              <p:pRg st="0" end="0"/>
-                                            </p:txEl>
-                                          </p:spTgt>
-                                        </p:tgtEl>
-                                        <p:attrNameLst>
-                                          <p:attrName>style.visibility</p:attrName>
-                                        </p:attrNameLst>
-                                      </p:cBhvr>
-                                      <p:to>
-                                        <p:strVal val="visible"/>
-                                      </p:to>
-                                    </p:set>
-                                    <p:animEffect transition="in" filter="fade">
-                                      <p:cBhvr>
-                                        <p:cTn id="12" dur="500"/>
-                                        <p:tgtEl>
-                                          <p:spTgt spid="10">
-                                            <p:txEl>
-                                              <p:pRg st="0" end="0"/>
-                                            </p:txEl>
-                                          </p:spTgt>
-                                        </p:tgtEl>
-                                      </p:cBhvr>
-                                    </p:animEffect>
-                                  </p:childTnLst>
-                                </p:cTn>
-                              </p:par>
-                            </p:childTnLst>
-                          </p:cTn>
-                        </p:par>
-                      </p:childTnLst>
-                    </p:cTn>
-                  </p:par>
-                </p:childTnLst>
-              </p:cTn>
-              <p:prevCondLst>
-                <p:cond evt="onPrev" delay="0">
-                  <p:tgtEl>
-                    <p:sldTgt/>
-                  </p:tgtEl>
-                </p:cond>
-              </p:prevCondLst>
-              <p:nextCondLst>
-                <p:cond evt="onNext" delay="0">
-                  <p:tgtEl>
-                    <p:sldTgt/>
-                  </p:tgtEl>
-                </p:cond>
-              </p:nextCondLst>
-            </p:seq>
-          </p:childTnLst>
-        </p:cTn>
+        <p:cTn id="1" dur="indefinite" restart="never" nodeType="tmRoot"/>
       </p:par>
     </p:tnLst>
-    <p:bldLst>
-      <p:bldP spid="10" grpId="0" build="p" animBg="1"/>
-    </p:bldLst>
   </p:timing>
 </p:sld>
 </file>
 
-<file path=ppt/slides/slide11.xml><?xml version="1.0" encoding="utf-8"?>
+<file path=ppt/slides/slide12.xml><?xml version="1.0" encoding="utf-8"?>
 <p:sld xmlns:a="http://schemas.openxmlformats.org/drawingml/2006/main" xmlns:r="http://schemas.openxmlformats.org/officeDocument/2006/relationships" xmlns:p="http://schemas.openxmlformats.org/presentationml/2006/main">
   <p:cSld>
-    <p:bg>
-      <p:bgPr>
-        <a:blipFill>
-          <a:blip r:embed="rId3"/>
-          <a:stretch>
-            <a:fillRect/>
-          </a:stretch>
-        </a:blipFill>
-        <a:effectLst/>
-      </p:bgPr>
-    </p:bg>
     <p:spTree>
       <p:nvGrpSpPr>
-        <p:cNvPr id="1" name=""/>
+        <p:cNvPr id="1" name="Shape 356"/>
         <p:cNvGrpSpPr/>
         <p:nvPr/>
       </p:nvGrpSpPr>
@@ -4148,51 +5367,42 @@
       </p:grpSpPr>
       <p:sp>
         <p:nvSpPr>
-          <p:cNvPr id="10" name="Content Placeholder 2">
-            <a:extLst>
-              <a:ext uri="{FF2B5EF4-FFF2-40B4-BE49-F238E27FC236}">
-                <a16:creationId xmlns:a16="http://schemas.microsoft.com/office/drawing/2014/main" id="{FF5E9BDE-EEAA-43CE-A6F0-FC3D95100C18}"/>
-              </a:ext>
-            </a:extLst>
-          </p:cNvPr>
-          <p:cNvSpPr>
+          <p:cNvPr id="359" name="Google Shape;359;p37"/>
+          <p:cNvSpPr txBox="1">
             <a:spLocks noGrp="1"/>
           </p:cNvSpPr>
           <p:nvPr>
-            <p:ph idx="1"/>
-          </p:nvPr>
-        </p:nvSpPr>
-        <p:spPr>
-          <a:xfrm>
-            <a:off x="2717344" y="538182"/>
-            <a:ext cx="6468698" cy="783900"/>
-          </a:xfrm>
-          <a:ln w="38100">
-            <a:solidFill>
-              <a:schemeClr val="accent3">
-                <a:lumMod val="60000"/>
-                <a:lumOff val="40000"/>
-              </a:schemeClr>
-            </a:solidFill>
-          </a:ln>
-        </p:spPr>
-        <p:txBody>
-          <a:bodyPr lIns="109728" tIns="109728" rIns="109728" bIns="91440">
+            <p:ph type="subTitle" idx="1"/>
+          </p:nvPr>
+        </p:nvSpPr>
+        <p:spPr>
+          <a:xfrm>
+            <a:off x="307975" y="217275"/>
+            <a:ext cx="11474202" cy="546000"/>
+          </a:xfrm>
+          <a:prstGeom prst="rect">
+            <a:avLst/>
+          </a:prstGeom>
+        </p:spPr>
+        <p:txBody>
+          <a:bodyPr spcFirstLastPara="1" wrap="square" lIns="121900" tIns="121900" rIns="121900" bIns="121900" anchor="ctr" anchorCtr="0">
             <a:noAutofit/>
           </a:bodyPr>
           <a:lstStyle/>
           <a:p>
-            <a:pPr marL="0" indent="0">
-              <a:buNone/>
+            <a:pPr>
+              <a:spcBef>
+                <a:spcPts val="0"/>
+              </a:spcBef>
             </a:pPr>
             <a:r>
-              <a:rPr lang="en-US" sz="3000" smtClean="0">
+              <a:rPr lang="en-US" b="1" smtClean="0">
                 <a:latin typeface="Times New Roman" panose="02020603050405020304" pitchFamily="18" charset="0"/>
                 <a:cs typeface="Times New Roman" panose="02020603050405020304" pitchFamily="18" charset="0"/>
               </a:rPr>
-              <a:t>Tạo container và kiểm tra chức năng</a:t>
-            </a:r>
-            <a:endParaRPr lang="en-US" sz="3000" err="1">
+              <a:t>CÀI ĐẶT UBUNTU VÀ EC2</a:t>
+            </a:r>
+            <a:endParaRPr b="1" dirty="0">
               <a:latin typeface="Times New Roman" panose="02020603050405020304" pitchFamily="18" charset="0"/>
               <a:cs typeface="Times New Roman" panose="02020603050405020304" pitchFamily="18" charset="0"/>
             </a:endParaRPr>
@@ -4201,14 +5411,191 @@
       </p:sp>
       <p:sp>
         <p:nvSpPr>
-          <p:cNvPr id="5" name="TextBox 4"/>
+          <p:cNvPr id="360" name="Google Shape;360;p37"/>
+          <p:cNvSpPr/>
+          <p:nvPr/>
+        </p:nvSpPr>
+        <p:spPr>
+          <a:xfrm>
+            <a:off x="562562" y="5383521"/>
+            <a:ext cx="4921197" cy="518191"/>
+          </a:xfrm>
+          <a:custGeom>
+            <a:avLst/>
+            <a:gdLst/>
+            <a:ahLst/>
+            <a:cxnLst/>
+            <a:rect l="l" t="t" r="r" b="b"/>
+            <a:pathLst>
+              <a:path w="26664" h="24929" extrusionOk="0">
+                <a:moveTo>
+                  <a:pt x="14316" y="1"/>
+                </a:moveTo>
+                <a:cubicBezTo>
+                  <a:pt x="9286" y="1"/>
+                  <a:pt x="4073" y="3865"/>
+                  <a:pt x="2121" y="8257"/>
+                </a:cubicBezTo>
+                <a:cubicBezTo>
+                  <a:pt x="0" y="13029"/>
+                  <a:pt x="1193" y="18564"/>
+                  <a:pt x="5303" y="21845"/>
+                </a:cubicBezTo>
+                <a:cubicBezTo>
+                  <a:pt x="7965" y="23969"/>
+                  <a:pt x="10917" y="24928"/>
+                  <a:pt x="13705" y="24928"/>
+                </a:cubicBezTo>
+                <a:cubicBezTo>
+                  <a:pt x="20704" y="24928"/>
+                  <a:pt x="26663" y="18878"/>
+                  <a:pt x="24376" y="10013"/>
+                </a:cubicBezTo>
+                <a:cubicBezTo>
+                  <a:pt x="23316" y="5870"/>
+                  <a:pt x="21493" y="1844"/>
+                  <a:pt x="17118" y="435"/>
+                </a:cubicBezTo>
+                <a:cubicBezTo>
+                  <a:pt x="16206" y="138"/>
+                  <a:pt x="15264" y="1"/>
+                  <a:pt x="14316" y="1"/>
+                </a:cubicBezTo>
+                <a:close/>
+              </a:path>
+            </a:pathLst>
+          </a:custGeom>
+          <a:solidFill>
+            <a:srgbClr val="FFB088">
+              <a:alpha val="36610"/>
+            </a:srgbClr>
+          </a:solidFill>
+          <a:ln>
+            <a:noFill/>
+          </a:ln>
+        </p:spPr>
+        <p:txBody>
+          <a:bodyPr spcFirstLastPara="1" wrap="square" lIns="121900" tIns="121900" rIns="121900" bIns="121900" anchor="ctr" anchorCtr="0">
+            <a:noAutofit/>
+          </a:bodyPr>
+          <a:lstStyle/>
+          <a:p>
+            <a:endParaRPr sz="2400"/>
+          </a:p>
+        </p:txBody>
+      </p:sp>
+      <p:sp>
+        <p:nvSpPr>
+          <p:cNvPr id="2" name="AutoShape 2" descr="Use Case model on conceptual design | Download Scientific Diagram"/>
+          <p:cNvSpPr>
+            <a:spLocks noChangeAspect="1" noChangeArrowheads="1"/>
+          </p:cNvSpPr>
+          <p:nvPr/>
+        </p:nvSpPr>
+        <p:spPr bwMode="auto">
+          <a:xfrm>
+            <a:off x="155574" y="-144463"/>
+            <a:ext cx="4585819" cy="4585834"/>
+          </a:xfrm>
+          <a:prstGeom prst="rect">
+            <a:avLst/>
+          </a:prstGeom>
+          <a:noFill/>
+          <a:extLst>
+            <a:ext uri="{909E8E84-426E-40DD-AFC4-6F175D3DCCD1}">
+              <a14:hiddenFill xmlns:a14="http://schemas.microsoft.com/office/drawing/2010/main">
+                <a:solidFill>
+                  <a:srgbClr val="FFFFFF"/>
+                </a:solidFill>
+              </a14:hiddenFill>
+            </a:ext>
+          </a:extLst>
+        </p:spPr>
+        <p:txBody>
+          <a:bodyPr vert="horz" wrap="square" lIns="91440" tIns="45720" rIns="91440" bIns="45720" numCol="1" anchor="t" anchorCtr="0" compatLnSpc="1">
+            <a:prstTxWarp prst="textNoShape">
+              <a:avLst/>
+            </a:prstTxWarp>
+          </a:bodyPr>
+          <a:lstStyle/>
+          <a:p>
+            <a:endParaRPr lang="en-US"/>
+          </a:p>
+        </p:txBody>
+      </p:sp>
+      <p:sp>
+        <p:nvSpPr>
+          <p:cNvPr id="4" name="AutoShape 6" descr="Use Case model on conceptual design | Download Scientific Diagram"/>
+          <p:cNvSpPr>
+            <a:spLocks noChangeAspect="1" noChangeArrowheads="1"/>
+          </p:cNvSpPr>
+          <p:nvPr/>
+        </p:nvSpPr>
+        <p:spPr bwMode="auto">
+          <a:xfrm>
+            <a:off x="155575" y="-144463"/>
+            <a:ext cx="304800" cy="304801"/>
+          </a:xfrm>
+          <a:prstGeom prst="rect">
+            <a:avLst/>
+          </a:prstGeom>
+          <a:noFill/>
+          <a:extLst>
+            <a:ext uri="{909E8E84-426E-40DD-AFC4-6F175D3DCCD1}">
+              <a14:hiddenFill xmlns:a14="http://schemas.microsoft.com/office/drawing/2010/main">
+                <a:solidFill>
+                  <a:srgbClr val="FFFFFF"/>
+                </a:solidFill>
+              </a14:hiddenFill>
+            </a:ext>
+          </a:extLst>
+        </p:spPr>
+        <p:txBody>
+          <a:bodyPr vert="horz" wrap="square" lIns="91440" tIns="45720" rIns="91440" bIns="45720" numCol="1" anchor="t" anchorCtr="0" compatLnSpc="1">
+            <a:prstTxWarp prst="textNoShape">
+              <a:avLst/>
+            </a:prstTxWarp>
+          </a:bodyPr>
+          <a:lstStyle/>
+          <a:p>
+            <a:endParaRPr lang="en-US"/>
+          </a:p>
+        </p:txBody>
+      </p:sp>
+      <p:pic>
+        <p:nvPicPr>
+          <p:cNvPr id="5" name="Picture 4"/>
+          <p:cNvPicPr>
+            <a:picLocks noChangeAspect="1"/>
+          </p:cNvPicPr>
+          <p:nvPr/>
+        </p:nvPicPr>
+        <p:blipFill>
+          <a:blip r:embed="rId3"/>
+          <a:stretch>
+            <a:fillRect/>
+          </a:stretch>
+        </p:blipFill>
+        <p:spPr>
+          <a:xfrm>
+            <a:off x="460375" y="2670701"/>
+            <a:ext cx="11187129" cy="2789162"/>
+          </a:xfrm>
+          <a:prstGeom prst="rect">
+            <a:avLst/>
+          </a:prstGeom>
+        </p:spPr>
+      </p:pic>
+      <p:sp>
+        <p:nvSpPr>
+          <p:cNvPr id="7" name="TextBox 6"/>
           <p:cNvSpPr txBox="1"/>
           <p:nvPr/>
         </p:nvSpPr>
         <p:spPr>
           <a:xfrm>
-            <a:off x="6579476" y="1330784"/>
-            <a:ext cx="4225158" cy="1015663"/>
+            <a:off x="562562" y="763275"/>
+            <a:ext cx="10956776" cy="1200329"/>
           </a:xfrm>
           <a:prstGeom prst="rect">
             <a:avLst/>
@@ -4222,58 +5609,315 @@
           <a:lstStyle/>
           <a:p>
             <a:r>
-              <a:rPr lang="en-US" sz="3000" smtClean="0">
+              <a:rPr lang="en-US" smtClean="0">
                 <a:latin typeface="Times New Roman" panose="02020603050405020304" pitchFamily="18" charset="0"/>
                 <a:cs typeface="Times New Roman" panose="02020603050405020304" pitchFamily="18" charset="0"/>
               </a:rPr>
-              <a:t>Chọn được hệ điều hành mình muốn</a:t>
-            </a:r>
-            <a:endParaRPr lang="en-US" sz="3000">
+              <a:t>Cấu hình port cho server :</a:t>
+            </a:r>
+          </a:p>
+          <a:p>
+            <a:pPr marL="285750" indent="-285750">
+              <a:buFontTx/>
+              <a:buChar char="-"/>
+            </a:pPr>
+            <a:r>
+              <a:rPr lang="en-US" smtClean="0">
+                <a:latin typeface="Times New Roman" panose="02020603050405020304" pitchFamily="18" charset="0"/>
+                <a:cs typeface="Times New Roman" panose="02020603050405020304" pitchFamily="18" charset="0"/>
+              </a:rPr>
+              <a:t>Port 22: kết nối ssh</a:t>
+            </a:r>
+          </a:p>
+          <a:p>
+            <a:pPr marL="285750" indent="-285750">
+              <a:buFontTx/>
+              <a:buChar char="-"/>
+            </a:pPr>
+            <a:r>
+              <a:rPr lang="en-US" smtClean="0">
+                <a:latin typeface="Times New Roman" panose="02020603050405020304" pitchFamily="18" charset="0"/>
+                <a:cs typeface="Times New Roman" panose="02020603050405020304" pitchFamily="18" charset="0"/>
+              </a:rPr>
+              <a:t>Port 8080: kết nối web</a:t>
+            </a:r>
+          </a:p>
+          <a:p>
+            <a:r>
+              <a:rPr lang="en-US" smtClean="0">
+                <a:latin typeface="Times New Roman" panose="02020603050405020304" pitchFamily="18" charset="0"/>
+                <a:cs typeface="Times New Roman" panose="02020603050405020304" pitchFamily="18" charset="0"/>
+              </a:rPr>
+              <a:t>-    Port 1433: kết nối sql</a:t>
+            </a:r>
+            <a:endParaRPr lang="en-US">
               <a:latin typeface="Times New Roman" panose="02020603050405020304" pitchFamily="18" charset="0"/>
               <a:cs typeface="Times New Roman" panose="02020603050405020304" pitchFamily="18" charset="0"/>
             </a:endParaRPr>
           </a:p>
         </p:txBody>
       </p:sp>
-      <p:sp>
-        <p:nvSpPr>
-          <p:cNvPr id="6" name="TextBox 5"/>
-          <p:cNvSpPr txBox="1"/>
-          <p:nvPr/>
-        </p:nvSpPr>
-        <p:spPr>
-          <a:xfrm>
-            <a:off x="6579476" y="2661963"/>
-            <a:ext cx="3857297" cy="553998"/>
+    </p:spTree>
+    <p:extLst>
+      <p:ext uri="{BB962C8B-B14F-4D97-AF65-F5344CB8AC3E}">
+        <p14:creationId xmlns:p14="http://schemas.microsoft.com/office/powerpoint/2010/main" val="2952347857"/>
+      </p:ext>
+    </p:extLst>
+  </p:cSld>
+  <p:clrMapOvr>
+    <a:masterClrMapping/>
+  </p:clrMapOvr>
+  <p:timing>
+    <p:tnLst>
+      <p:par>
+        <p:cTn id="1" dur="indefinite" restart="never" nodeType="tmRoot"/>
+      </p:par>
+    </p:tnLst>
+  </p:timing>
+</p:sld>
+</file>
+
+<file path=ppt/slides/slide13.xml><?xml version="1.0" encoding="utf-8"?>
+<p:sld xmlns:a="http://schemas.openxmlformats.org/drawingml/2006/main" xmlns:r="http://schemas.openxmlformats.org/officeDocument/2006/relationships" xmlns:p="http://schemas.openxmlformats.org/presentationml/2006/main">
+  <p:cSld>
+    <p:spTree>
+      <p:nvGrpSpPr>
+        <p:cNvPr id="1" name="Shape 356"/>
+        <p:cNvGrpSpPr/>
+        <p:nvPr/>
+      </p:nvGrpSpPr>
+      <p:grpSpPr>
+        <a:xfrm>
+          <a:off x="0" y="0"/>
+          <a:ext cx="0" cy="0"/>
+          <a:chOff x="0" y="0"/>
+          <a:chExt cx="0" cy="0"/>
+        </a:xfrm>
+      </p:grpSpPr>
+      <p:sp>
+        <p:nvSpPr>
+          <p:cNvPr id="359" name="Google Shape;359;p37"/>
+          <p:cNvSpPr txBox="1">
+            <a:spLocks noGrp="1"/>
+          </p:cNvSpPr>
+          <p:nvPr>
+            <p:ph type="subTitle" idx="1"/>
+          </p:nvPr>
+        </p:nvSpPr>
+        <p:spPr>
+          <a:xfrm>
+            <a:off x="307975" y="217275"/>
+            <a:ext cx="11474202" cy="546000"/>
           </a:xfrm>
           <a:prstGeom prst="rect">
             <a:avLst/>
           </a:prstGeom>
-          <a:noFill/>
-        </p:spPr>
-        <p:txBody>
-          <a:bodyPr wrap="square" rtlCol="0">
-            <a:spAutoFit/>
+        </p:spPr>
+        <p:txBody>
+          <a:bodyPr spcFirstLastPara="1" wrap="square" lIns="121900" tIns="121900" rIns="121900" bIns="121900" anchor="ctr" anchorCtr="0">
+            <a:noAutofit/>
           </a:bodyPr>
           <a:lstStyle/>
           <a:p>
-            <a:r>
-              <a:rPr lang="en-US" sz="3000" smtClean="0">
+            <a:pPr>
+              <a:spcBef>
+                <a:spcPts val="0"/>
+              </a:spcBef>
+            </a:pPr>
+            <a:r>
+              <a:rPr lang="en-US" b="1" smtClean="0">
                 <a:latin typeface="Times New Roman" panose="02020603050405020304" pitchFamily="18" charset="0"/>
                 <a:cs typeface="Times New Roman" panose="02020603050405020304" pitchFamily="18" charset="0"/>
               </a:rPr>
-              <a:t>Chọn dung lượng RAM</a:t>
-            </a:r>
-            <a:endParaRPr lang="en-US" sz="3000">
+              <a:t>CÀI ĐẶT UBUNTU VÀ EC2</a:t>
+            </a:r>
+            <a:endParaRPr b="1" dirty="0">
               <a:latin typeface="Times New Roman" panose="02020603050405020304" pitchFamily="18" charset="0"/>
               <a:cs typeface="Times New Roman" panose="02020603050405020304" pitchFamily="18" charset="0"/>
             </a:endParaRPr>
           </a:p>
         </p:txBody>
       </p:sp>
+      <p:sp>
+        <p:nvSpPr>
+          <p:cNvPr id="360" name="Google Shape;360;p37"/>
+          <p:cNvSpPr/>
+          <p:nvPr/>
+        </p:nvSpPr>
+        <p:spPr>
+          <a:xfrm>
+            <a:off x="562562" y="5383521"/>
+            <a:ext cx="4921197" cy="518191"/>
+          </a:xfrm>
+          <a:custGeom>
+            <a:avLst/>
+            <a:gdLst/>
+            <a:ahLst/>
+            <a:cxnLst/>
+            <a:rect l="l" t="t" r="r" b="b"/>
+            <a:pathLst>
+              <a:path w="26664" h="24929" extrusionOk="0">
+                <a:moveTo>
+                  <a:pt x="14316" y="1"/>
+                </a:moveTo>
+                <a:cubicBezTo>
+                  <a:pt x="9286" y="1"/>
+                  <a:pt x="4073" y="3865"/>
+                  <a:pt x="2121" y="8257"/>
+                </a:cubicBezTo>
+                <a:cubicBezTo>
+                  <a:pt x="0" y="13029"/>
+                  <a:pt x="1193" y="18564"/>
+                  <a:pt x="5303" y="21845"/>
+                </a:cubicBezTo>
+                <a:cubicBezTo>
+                  <a:pt x="7965" y="23969"/>
+                  <a:pt x="10917" y="24928"/>
+                  <a:pt x="13705" y="24928"/>
+                </a:cubicBezTo>
+                <a:cubicBezTo>
+                  <a:pt x="20704" y="24928"/>
+                  <a:pt x="26663" y="18878"/>
+                  <a:pt x="24376" y="10013"/>
+                </a:cubicBezTo>
+                <a:cubicBezTo>
+                  <a:pt x="23316" y="5870"/>
+                  <a:pt x="21493" y="1844"/>
+                  <a:pt x="17118" y="435"/>
+                </a:cubicBezTo>
+                <a:cubicBezTo>
+                  <a:pt x="16206" y="138"/>
+                  <a:pt x="15264" y="1"/>
+                  <a:pt x="14316" y="1"/>
+                </a:cubicBezTo>
+                <a:close/>
+              </a:path>
+            </a:pathLst>
+          </a:custGeom>
+          <a:solidFill>
+            <a:srgbClr val="FFB088">
+              <a:alpha val="36610"/>
+            </a:srgbClr>
+          </a:solidFill>
+          <a:ln>
+            <a:noFill/>
+          </a:ln>
+        </p:spPr>
+        <p:txBody>
+          <a:bodyPr spcFirstLastPara="1" wrap="square" lIns="121900" tIns="121900" rIns="121900" bIns="121900" anchor="ctr" anchorCtr="0">
+            <a:noAutofit/>
+          </a:bodyPr>
+          <a:lstStyle/>
+          <a:p>
+            <a:endParaRPr sz="2400"/>
+          </a:p>
+        </p:txBody>
+      </p:sp>
+      <p:sp>
+        <p:nvSpPr>
+          <p:cNvPr id="2" name="AutoShape 2" descr="Use Case model on conceptual design | Download Scientific Diagram"/>
+          <p:cNvSpPr>
+            <a:spLocks noChangeAspect="1" noChangeArrowheads="1"/>
+          </p:cNvSpPr>
+          <p:nvPr/>
+        </p:nvSpPr>
+        <p:spPr bwMode="auto">
+          <a:xfrm>
+            <a:off x="155574" y="-144463"/>
+            <a:ext cx="4585819" cy="4585834"/>
+          </a:xfrm>
+          <a:prstGeom prst="rect">
+            <a:avLst/>
+          </a:prstGeom>
+          <a:noFill/>
+          <a:extLst>
+            <a:ext uri="{909E8E84-426E-40DD-AFC4-6F175D3DCCD1}">
+              <a14:hiddenFill xmlns:a14="http://schemas.microsoft.com/office/drawing/2010/main">
+                <a:solidFill>
+                  <a:srgbClr val="FFFFFF"/>
+                </a:solidFill>
+              </a14:hiddenFill>
+            </a:ext>
+          </a:extLst>
+        </p:spPr>
+        <p:txBody>
+          <a:bodyPr vert="horz" wrap="square" lIns="91440" tIns="45720" rIns="91440" bIns="45720" numCol="1" anchor="t" anchorCtr="0" compatLnSpc="1">
+            <a:prstTxWarp prst="textNoShape">
+              <a:avLst/>
+            </a:prstTxWarp>
+          </a:bodyPr>
+          <a:lstStyle/>
+          <a:p>
+            <a:endParaRPr lang="en-US"/>
+          </a:p>
+        </p:txBody>
+      </p:sp>
+      <p:sp>
+        <p:nvSpPr>
+          <p:cNvPr id="4" name="AutoShape 6" descr="Use Case model on conceptual design | Download Scientific Diagram"/>
+          <p:cNvSpPr>
+            <a:spLocks noChangeAspect="1" noChangeArrowheads="1"/>
+          </p:cNvSpPr>
+          <p:nvPr/>
+        </p:nvSpPr>
+        <p:spPr bwMode="auto">
+          <a:xfrm>
+            <a:off x="155575" y="-144463"/>
+            <a:ext cx="304800" cy="304801"/>
+          </a:xfrm>
+          <a:prstGeom prst="rect">
+            <a:avLst/>
+          </a:prstGeom>
+          <a:noFill/>
+          <a:extLst>
+            <a:ext uri="{909E8E84-426E-40DD-AFC4-6F175D3DCCD1}">
+              <a14:hiddenFill xmlns:a14="http://schemas.microsoft.com/office/drawing/2010/main">
+                <a:solidFill>
+                  <a:srgbClr val="FFFFFF"/>
+                </a:solidFill>
+              </a14:hiddenFill>
+            </a:ext>
+          </a:extLst>
+        </p:spPr>
+        <p:txBody>
+          <a:bodyPr vert="horz" wrap="square" lIns="91440" tIns="45720" rIns="91440" bIns="45720" numCol="1" anchor="t" anchorCtr="0" compatLnSpc="1">
+            <a:prstTxWarp prst="textNoShape">
+              <a:avLst/>
+            </a:prstTxWarp>
+          </a:bodyPr>
+          <a:lstStyle/>
+          <a:p>
+            <a:endParaRPr lang="en-US"/>
+          </a:p>
+        </p:txBody>
+      </p:sp>
       <p:pic>
         <p:nvPicPr>
-          <p:cNvPr id="4" name="Picture 3"/>
+          <p:cNvPr id="7" name="Picture 6"/>
+          <p:cNvPicPr>
+            <a:picLocks noChangeAspect="1"/>
+          </p:cNvPicPr>
+          <p:nvPr/>
+        </p:nvPicPr>
+        <p:blipFill>
+          <a:blip r:embed="rId3"/>
+          <a:stretch>
+            <a:fillRect/>
+          </a:stretch>
+        </p:blipFill>
+        <p:spPr>
+          <a:xfrm>
+            <a:off x="2033575" y="1656375"/>
+            <a:ext cx="7094835" cy="792549"/>
+          </a:xfrm>
+          <a:prstGeom prst="rect">
+            <a:avLst/>
+          </a:prstGeom>
+        </p:spPr>
+      </p:pic>
+      <p:pic>
+        <p:nvPicPr>
+          <p:cNvPr id="8" name="Picture 7"/>
           <p:cNvPicPr>
             <a:picLocks noChangeAspect="1"/>
           </p:cNvPicPr>
@@ -4287,8 +5931,8 @@
         </p:blipFill>
         <p:spPr>
           <a:xfrm>
-            <a:off x="881251" y="1711339"/>
-            <a:ext cx="4831210" cy="4123750"/>
+            <a:off x="3677662" y="2712602"/>
+            <a:ext cx="3612193" cy="1104996"/>
           </a:xfrm>
           <a:prstGeom prst="rect">
             <a:avLst/>
@@ -4297,14 +5941,14 @@
       </p:pic>
       <p:sp>
         <p:nvSpPr>
-          <p:cNvPr id="7" name="TextBox 6"/>
+          <p:cNvPr id="9" name="TextBox 8"/>
           <p:cNvSpPr txBox="1"/>
           <p:nvPr/>
         </p:nvSpPr>
         <p:spPr>
           <a:xfrm>
-            <a:off x="6579476" y="3908861"/>
-            <a:ext cx="3951889" cy="553998"/>
+            <a:off x="1629103" y="956441"/>
+            <a:ext cx="7903780" cy="369332"/>
           </a:xfrm>
           <a:prstGeom prst="rect">
             <a:avLst/>
@@ -4318,25 +5962,77 @@
           <a:lstStyle/>
           <a:p>
             <a:r>
-              <a:rPr lang="en-US" sz="3000" smtClean="0">
+              <a:rPr lang="en-US" smtClean="0">
                 <a:latin typeface="Times New Roman" panose="02020603050405020304" pitchFamily="18" charset="0"/>
                 <a:cs typeface="Times New Roman" panose="02020603050405020304" pitchFamily="18" charset="0"/>
               </a:rPr>
-              <a:t>Chọn số CPUs</a:t>
-            </a:r>
-          </a:p>
-        </p:txBody>
-      </p:sp>
-      <p:sp>
-        <p:nvSpPr>
-          <p:cNvPr id="8" name="TextBox 7"/>
+              <a:t>Cài đặt Image, network, sql cho server</a:t>
+            </a:r>
+            <a:endParaRPr lang="en-US">
+              <a:latin typeface="Times New Roman" panose="02020603050405020304" pitchFamily="18" charset="0"/>
+              <a:cs typeface="Times New Roman" panose="02020603050405020304" pitchFamily="18" charset="0"/>
+            </a:endParaRPr>
+          </a:p>
+        </p:txBody>
+      </p:sp>
+      <p:pic>
+        <p:nvPicPr>
+          <p:cNvPr id="10" name="Picture 9"/>
+          <p:cNvPicPr>
+            <a:picLocks noChangeAspect="1"/>
+          </p:cNvPicPr>
+          <p:nvPr/>
+        </p:nvPicPr>
+        <p:blipFill>
+          <a:blip r:embed="rId5"/>
+          <a:stretch>
+            <a:fillRect/>
+          </a:stretch>
+        </p:blipFill>
+        <p:spPr>
+          <a:xfrm>
+            <a:off x="227619" y="4123030"/>
+            <a:ext cx="11517541" cy="876376"/>
+          </a:xfrm>
+          <a:prstGeom prst="rect">
+            <a:avLst/>
+          </a:prstGeom>
+        </p:spPr>
+      </p:pic>
+      <p:pic>
+        <p:nvPicPr>
+          <p:cNvPr id="12" name="Picture 11"/>
+          <p:cNvPicPr>
+            <a:picLocks noChangeAspect="1"/>
+          </p:cNvPicPr>
+          <p:nvPr/>
+        </p:nvPicPr>
+        <p:blipFill>
+          <a:blip r:embed="rId6"/>
+          <a:stretch>
+            <a:fillRect/>
+          </a:stretch>
+        </p:blipFill>
+        <p:spPr>
+          <a:xfrm>
+            <a:off x="2874456" y="5935277"/>
+            <a:ext cx="5875529" cy="350550"/>
+          </a:xfrm>
+          <a:prstGeom prst="rect">
+            <a:avLst/>
+          </a:prstGeom>
+        </p:spPr>
+      </p:pic>
+      <p:sp>
+        <p:nvSpPr>
+          <p:cNvPr id="13" name="TextBox 12"/>
           <p:cNvSpPr txBox="1"/>
           <p:nvPr/>
         </p:nvSpPr>
         <p:spPr>
           <a:xfrm>
-            <a:off x="6579476" y="4918919"/>
-            <a:ext cx="3541986" cy="553998"/>
+            <a:off x="1744717" y="5246181"/>
+            <a:ext cx="5391807" cy="369332"/>
           </a:xfrm>
           <a:prstGeom prst="rect">
             <a:avLst/>
@@ -4350,13 +6046,13 @@
           <a:lstStyle/>
           <a:p>
             <a:r>
-              <a:rPr lang="en-US" sz="3000" smtClean="0">
+              <a:rPr lang="en-US" smtClean="0">
                 <a:latin typeface="Times New Roman" panose="02020603050405020304" pitchFamily="18" charset="0"/>
                 <a:cs typeface="Times New Roman" panose="02020603050405020304" pitchFamily="18" charset="0"/>
               </a:rPr>
-              <a:t>Chọn Server</a:t>
-            </a:r>
-            <a:endParaRPr lang="en-US" sz="3000">
+              <a:t>Image của máy khách</a:t>
+            </a:r>
+            <a:endParaRPr lang="en-US">
               <a:latin typeface="Times New Roman" panose="02020603050405020304" pitchFamily="18" charset="0"/>
               <a:cs typeface="Times New Roman" panose="02020603050405020304" pitchFamily="18" charset="0"/>
             </a:endParaRPr>
@@ -4366,485 +6062,24 @@
     </p:spTree>
     <p:extLst>
       <p:ext uri="{BB962C8B-B14F-4D97-AF65-F5344CB8AC3E}">
-        <p14:creationId xmlns:p14="http://schemas.microsoft.com/office/powerpoint/2010/main" val="1875933618"/>
+        <p14:creationId xmlns:p14="http://schemas.microsoft.com/office/powerpoint/2010/main" val="287393525"/>
       </p:ext>
     </p:extLst>
   </p:cSld>
   <p:clrMapOvr>
     <a:masterClrMapping/>
   </p:clrMapOvr>
-  <mc:AlternateContent xmlns:mc="http://schemas.openxmlformats.org/markup-compatibility/2006" xmlns:p14="http://schemas.microsoft.com/office/powerpoint/2010/main">
-    <mc:Choice Requires="p14">
-      <p:transition spd="slow" p14:dur="1400">
-        <p14:ripple/>
-      </p:transition>
-    </mc:Choice>
-    <mc:Fallback xmlns="">
-      <p:transition spd="slow">
-        <p:fade/>
-      </p:transition>
-    </mc:Fallback>
-  </mc:AlternateContent>
   <p:timing>
     <p:tnLst>
       <p:par>
-        <p:cTn id="1" dur="indefinite" restart="never" nodeType="tmRoot">
-          <p:childTnLst>
-            <p:seq concurrent="1" nextAc="seek">
-              <p:cTn id="2" dur="indefinite" nodeType="mainSeq">
-                <p:childTnLst>
-                  <p:par>
-                    <p:cTn id="3" fill="hold">
-                      <p:stCondLst>
-                        <p:cond delay="indefinite"/>
-                      </p:stCondLst>
-                      <p:childTnLst>
-                        <p:par>
-                          <p:cTn id="4" fill="hold">
-                            <p:stCondLst>
-                              <p:cond delay="0"/>
-                            </p:stCondLst>
-                            <p:childTnLst>
-                              <p:par>
-                                <p:cTn id="5" presetID="10" presetClass="entr" presetSubtype="0" fill="hold" grpId="0" nodeType="clickEffect">
-                                  <p:stCondLst>
-                                    <p:cond delay="0"/>
-                                  </p:stCondLst>
-                                  <p:childTnLst>
-                                    <p:set>
-                                      <p:cBhvr>
-                                        <p:cTn id="6" dur="1" fill="hold">
-                                          <p:stCondLst>
-                                            <p:cond delay="0"/>
-                                          </p:stCondLst>
-                                        </p:cTn>
-                                        <p:tgtEl>
-                                          <p:spTgt spid="10">
-                                            <p:bg/>
-                                          </p:spTgt>
-                                        </p:tgtEl>
-                                        <p:attrNameLst>
-                                          <p:attrName>style.visibility</p:attrName>
-                                        </p:attrNameLst>
-                                      </p:cBhvr>
-                                      <p:to>
-                                        <p:strVal val="visible"/>
-                                      </p:to>
-                                    </p:set>
-                                    <p:animEffect transition="in" filter="fade">
-                                      <p:cBhvr>
-                                        <p:cTn id="7" dur="500"/>
-                                        <p:tgtEl>
-                                          <p:spTgt spid="10">
-                                            <p:bg/>
-                                          </p:spTgt>
-                                        </p:tgtEl>
-                                      </p:cBhvr>
-                                    </p:animEffect>
-                                  </p:childTnLst>
-                                </p:cTn>
-                              </p:par>
-                            </p:childTnLst>
-                          </p:cTn>
-                        </p:par>
-                      </p:childTnLst>
-                    </p:cTn>
-                  </p:par>
-                  <p:par>
-                    <p:cTn id="8" fill="hold">
-                      <p:stCondLst>
-                        <p:cond delay="indefinite"/>
-                      </p:stCondLst>
-                      <p:childTnLst>
-                        <p:par>
-                          <p:cTn id="9" fill="hold">
-                            <p:stCondLst>
-                              <p:cond delay="0"/>
-                            </p:stCondLst>
-                            <p:childTnLst>
-                              <p:par>
-                                <p:cTn id="10" presetID="10" presetClass="entr" presetSubtype="0" fill="hold" grpId="0" nodeType="clickEffect">
-                                  <p:stCondLst>
-                                    <p:cond delay="0"/>
-                                  </p:stCondLst>
-                                  <p:childTnLst>
-                                    <p:set>
-                                      <p:cBhvr>
-                                        <p:cTn id="11" dur="1" fill="hold">
-                                          <p:stCondLst>
-                                            <p:cond delay="0"/>
-                                          </p:stCondLst>
-                                        </p:cTn>
-                                        <p:tgtEl>
-                                          <p:spTgt spid="10">
-                                            <p:txEl>
-                                              <p:pRg st="0" end="0"/>
-                                            </p:txEl>
-                                          </p:spTgt>
-                                        </p:tgtEl>
-                                        <p:attrNameLst>
-                                          <p:attrName>style.visibility</p:attrName>
-                                        </p:attrNameLst>
-                                      </p:cBhvr>
-                                      <p:to>
-                                        <p:strVal val="visible"/>
-                                      </p:to>
-                                    </p:set>
-                                    <p:animEffect transition="in" filter="fade">
-                                      <p:cBhvr>
-                                        <p:cTn id="12" dur="500"/>
-                                        <p:tgtEl>
-                                          <p:spTgt spid="10">
-                                            <p:txEl>
-                                              <p:pRg st="0" end="0"/>
-                                            </p:txEl>
-                                          </p:spTgt>
-                                        </p:tgtEl>
-                                      </p:cBhvr>
-                                    </p:animEffect>
-                                  </p:childTnLst>
-                                </p:cTn>
-                              </p:par>
-                            </p:childTnLst>
-                          </p:cTn>
-                        </p:par>
-                      </p:childTnLst>
-                    </p:cTn>
-                  </p:par>
-                </p:childTnLst>
-              </p:cTn>
-              <p:prevCondLst>
-                <p:cond evt="onPrev" delay="0">
-                  <p:tgtEl>
-                    <p:sldTgt/>
-                  </p:tgtEl>
-                </p:cond>
-              </p:prevCondLst>
-              <p:nextCondLst>
-                <p:cond evt="onNext" delay="0">
-                  <p:tgtEl>
-                    <p:sldTgt/>
-                  </p:tgtEl>
-                </p:cond>
-              </p:nextCondLst>
-            </p:seq>
-          </p:childTnLst>
-        </p:cTn>
+        <p:cTn id="1" dur="indefinite" restart="never" nodeType="tmRoot"/>
       </p:par>
     </p:tnLst>
-    <p:bldLst>
-      <p:bldP spid="10" grpId="0" build="p" animBg="1"/>
-    </p:bldLst>
   </p:timing>
 </p:sld>
 </file>
 
-<file path=ppt/slides/slide12.xml><?xml version="1.0" encoding="utf-8"?>
-<p:sld xmlns:a="http://schemas.openxmlformats.org/drawingml/2006/main" xmlns:r="http://schemas.openxmlformats.org/officeDocument/2006/relationships" xmlns:p="http://schemas.openxmlformats.org/presentationml/2006/main">
-  <p:cSld>
-    <p:bg>
-      <p:bgPr>
-        <a:blipFill>
-          <a:blip r:embed="rId2"/>
-          <a:stretch>
-            <a:fillRect/>
-          </a:stretch>
-        </a:blipFill>
-        <a:effectLst/>
-      </p:bgPr>
-    </p:bg>
-    <p:spTree>
-      <p:nvGrpSpPr>
-        <p:cNvPr id="1" name=""/>
-        <p:cNvGrpSpPr/>
-        <p:nvPr/>
-      </p:nvGrpSpPr>
-      <p:grpSpPr>
-        <a:xfrm>
-          <a:off x="0" y="0"/>
-          <a:ext cx="0" cy="0"/>
-          <a:chOff x="0" y="0"/>
-          <a:chExt cx="0" cy="0"/>
-        </a:xfrm>
-      </p:grpSpPr>
-      <p:sp>
-        <p:nvSpPr>
-          <p:cNvPr id="10" name="Content Placeholder 2">
-            <a:extLst>
-              <a:ext uri="{FF2B5EF4-FFF2-40B4-BE49-F238E27FC236}">
-                <a16:creationId xmlns:a16="http://schemas.microsoft.com/office/drawing/2014/main" id="{FF5E9BDE-EEAA-43CE-A6F0-FC3D95100C18}"/>
-              </a:ext>
-            </a:extLst>
-          </p:cNvPr>
-          <p:cNvSpPr>
-            <a:spLocks noGrp="1"/>
-          </p:cNvSpPr>
-          <p:nvPr>
-            <p:ph idx="1"/>
-          </p:nvPr>
-        </p:nvSpPr>
-        <p:spPr>
-          <a:xfrm>
-            <a:off x="3053675" y="559203"/>
-            <a:ext cx="6468698" cy="783900"/>
-          </a:xfrm>
-          <a:ln w="38100">
-            <a:solidFill>
-              <a:schemeClr val="accent3">
-                <a:lumMod val="60000"/>
-                <a:lumOff val="40000"/>
-              </a:schemeClr>
-            </a:solidFill>
-          </a:ln>
-        </p:spPr>
-        <p:txBody>
-          <a:bodyPr lIns="109728" tIns="109728" rIns="109728" bIns="91440">
-            <a:noAutofit/>
-          </a:bodyPr>
-          <a:lstStyle/>
-          <a:p>
-            <a:pPr marL="0" indent="0" algn="ctr">
-              <a:buNone/>
-            </a:pPr>
-            <a:r>
-              <a:rPr lang="en-US" sz="3000" smtClean="0">
-                <a:latin typeface="Times New Roman" panose="02020603050405020304" pitchFamily="18" charset="0"/>
-                <a:cs typeface="Times New Roman" panose="02020603050405020304" pitchFamily="18" charset="0"/>
-              </a:rPr>
-              <a:t>Thêm Server và Xoá Server</a:t>
-            </a:r>
-            <a:endParaRPr lang="en-US" sz="3000" err="1">
-              <a:latin typeface="Times New Roman" panose="02020603050405020304" pitchFamily="18" charset="0"/>
-              <a:cs typeface="Times New Roman" panose="02020603050405020304" pitchFamily="18" charset="0"/>
-            </a:endParaRPr>
-          </a:p>
-        </p:txBody>
-      </p:sp>
-      <p:pic>
-        <p:nvPicPr>
-          <p:cNvPr id="2" name="Picture 1"/>
-          <p:cNvPicPr>
-            <a:picLocks noChangeAspect="1"/>
-          </p:cNvPicPr>
-          <p:nvPr/>
-        </p:nvPicPr>
-        <p:blipFill>
-          <a:blip r:embed="rId3"/>
-          <a:stretch>
-            <a:fillRect/>
-          </a:stretch>
-        </p:blipFill>
-        <p:spPr>
-          <a:xfrm>
-            <a:off x="259061" y="1730385"/>
-            <a:ext cx="5469078" cy="3987243"/>
-          </a:xfrm>
-          <a:prstGeom prst="rect">
-            <a:avLst/>
-          </a:prstGeom>
-        </p:spPr>
-      </p:pic>
-      <p:pic>
-        <p:nvPicPr>
-          <p:cNvPr id="3" name="Picture 2"/>
-          <p:cNvPicPr>
-            <a:picLocks noChangeAspect="1"/>
-          </p:cNvPicPr>
-          <p:nvPr/>
-        </p:nvPicPr>
-        <p:blipFill>
-          <a:blip r:embed="rId4"/>
-          <a:stretch>
-            <a:fillRect/>
-          </a:stretch>
-        </p:blipFill>
-        <p:spPr>
-          <a:xfrm>
-            <a:off x="6067196" y="1730385"/>
-            <a:ext cx="5767452" cy="3913670"/>
-          </a:xfrm>
-          <a:prstGeom prst="rect">
-            <a:avLst/>
-          </a:prstGeom>
-        </p:spPr>
-      </p:pic>
-    </p:spTree>
-    <p:extLst>
-      <p:ext uri="{BB962C8B-B14F-4D97-AF65-F5344CB8AC3E}">
-        <p14:creationId xmlns:p14="http://schemas.microsoft.com/office/powerpoint/2010/main" val="3171480111"/>
-      </p:ext>
-    </p:extLst>
-  </p:cSld>
-  <p:clrMapOvr>
-    <a:masterClrMapping/>
-  </p:clrMapOvr>
-  <mc:AlternateContent xmlns:mc="http://schemas.openxmlformats.org/markup-compatibility/2006" xmlns:p14="http://schemas.microsoft.com/office/powerpoint/2010/main">
-    <mc:Choice Requires="p14">
-      <p:transition spd="slow" p14:dur="1400">
-        <p14:ripple/>
-      </p:transition>
-    </mc:Choice>
-    <mc:Fallback xmlns="">
-      <p:transition spd="slow">
-        <p:fade/>
-      </p:transition>
-    </mc:Fallback>
-  </mc:AlternateContent>
-  <p:timing>
-    <p:tnLst>
-      <p:par>
-        <p:cTn id="1" dur="indefinite" restart="never" nodeType="tmRoot">
-          <p:childTnLst>
-            <p:seq concurrent="1" nextAc="seek">
-              <p:cTn id="2" dur="indefinite" nodeType="mainSeq">
-                <p:childTnLst>
-                  <p:par>
-                    <p:cTn id="3" fill="hold">
-                      <p:stCondLst>
-                        <p:cond delay="indefinite"/>
-                      </p:stCondLst>
-                      <p:childTnLst>
-                        <p:par>
-                          <p:cTn id="4" fill="hold">
-                            <p:stCondLst>
-                              <p:cond delay="0"/>
-                            </p:stCondLst>
-                            <p:childTnLst>
-                              <p:par>
-                                <p:cTn id="5" presetID="10" presetClass="entr" presetSubtype="0" fill="hold" grpId="0" nodeType="clickEffect">
-                                  <p:stCondLst>
-                                    <p:cond delay="0"/>
-                                  </p:stCondLst>
-                                  <p:childTnLst>
-                                    <p:set>
-                                      <p:cBhvr>
-                                        <p:cTn id="6" dur="1" fill="hold">
-                                          <p:stCondLst>
-                                            <p:cond delay="0"/>
-                                          </p:stCondLst>
-                                        </p:cTn>
-                                        <p:tgtEl>
-                                          <p:spTgt spid="10">
-                                            <p:bg/>
-                                          </p:spTgt>
-                                        </p:tgtEl>
-                                        <p:attrNameLst>
-                                          <p:attrName>style.visibility</p:attrName>
-                                        </p:attrNameLst>
-                                      </p:cBhvr>
-                                      <p:to>
-                                        <p:strVal val="visible"/>
-                                      </p:to>
-                                    </p:set>
-                                    <p:animEffect transition="in" filter="fade">
-                                      <p:cBhvr>
-                                        <p:cTn id="7" dur="500"/>
-                                        <p:tgtEl>
-                                          <p:spTgt spid="10">
-                                            <p:bg/>
-                                          </p:spTgt>
-                                        </p:tgtEl>
-                                      </p:cBhvr>
-                                    </p:animEffect>
-                                  </p:childTnLst>
-                                </p:cTn>
-                              </p:par>
-                            </p:childTnLst>
-                          </p:cTn>
-                        </p:par>
-                      </p:childTnLst>
-                    </p:cTn>
-                  </p:par>
-                  <p:par>
-                    <p:cTn id="8" fill="hold">
-                      <p:stCondLst>
-                        <p:cond delay="indefinite"/>
-                      </p:stCondLst>
-                      <p:childTnLst>
-                        <p:par>
-                          <p:cTn id="9" fill="hold">
-                            <p:stCondLst>
-                              <p:cond delay="0"/>
-                            </p:stCondLst>
-                            <p:childTnLst>
-                              <p:par>
-                                <p:cTn id="10" presetID="10" presetClass="entr" presetSubtype="0" fill="hold" grpId="0" nodeType="clickEffect">
-                                  <p:stCondLst>
-                                    <p:cond delay="0"/>
-                                  </p:stCondLst>
-                                  <p:childTnLst>
-                                    <p:set>
-                                      <p:cBhvr>
-                                        <p:cTn id="11" dur="1" fill="hold">
-                                          <p:stCondLst>
-                                            <p:cond delay="0"/>
-                                          </p:stCondLst>
-                                        </p:cTn>
-                                        <p:tgtEl>
-                                          <p:spTgt spid="10">
-                                            <p:txEl>
-                                              <p:pRg st="0" end="0"/>
-                                            </p:txEl>
-                                          </p:spTgt>
-                                        </p:tgtEl>
-                                        <p:attrNameLst>
-                                          <p:attrName>style.visibility</p:attrName>
-                                        </p:attrNameLst>
-                                      </p:cBhvr>
-                                      <p:to>
-                                        <p:strVal val="visible"/>
-                                      </p:to>
-                                    </p:set>
-                                    <p:animEffect transition="in" filter="fade">
-                                      <p:cBhvr>
-                                        <p:cTn id="12" dur="500"/>
-                                        <p:tgtEl>
-                                          <p:spTgt spid="10">
-                                            <p:txEl>
-                                              <p:pRg st="0" end="0"/>
-                                            </p:txEl>
-                                          </p:spTgt>
-                                        </p:tgtEl>
-                                      </p:cBhvr>
-                                    </p:animEffect>
-                                  </p:childTnLst>
-                                </p:cTn>
-                              </p:par>
-                            </p:childTnLst>
-                          </p:cTn>
-                        </p:par>
-                      </p:childTnLst>
-                    </p:cTn>
-                  </p:par>
-                </p:childTnLst>
-              </p:cTn>
-              <p:prevCondLst>
-                <p:cond evt="onPrev" delay="0">
-                  <p:tgtEl>
-                    <p:sldTgt/>
-                  </p:tgtEl>
-                </p:cond>
-              </p:prevCondLst>
-              <p:nextCondLst>
-                <p:cond evt="onNext" delay="0">
-                  <p:tgtEl>
-                    <p:sldTgt/>
-                  </p:tgtEl>
-                </p:cond>
-              </p:nextCondLst>
-            </p:seq>
-          </p:childTnLst>
-        </p:cTn>
-      </p:par>
-    </p:tnLst>
-    <p:bldLst>
-      <p:bldP spid="10" grpId="0" build="p" animBg="1"/>
-    </p:bldLst>
-  </p:timing>
-</p:sld>
-</file>
-
-<file path=ppt/slides/slide13.xml><?xml version="1.0" encoding="utf-8"?>
+<file path=ppt/slides/slide14.xml><?xml version="1.0" encoding="utf-8"?>
 <p:sld xmlns:a="http://schemas.openxmlformats.org/drawingml/2006/main" xmlns:r="http://schemas.openxmlformats.org/officeDocument/2006/relationships" xmlns:p="http://schemas.openxmlformats.org/presentationml/2006/main">
   <p:cSld>
     <p:spTree>
@@ -5626,20 +6861,7 @@
                 <a:latin typeface="Times New Roman" panose="02020603050405020304" pitchFamily="18" charset="0"/>
                 <a:cs typeface="Times New Roman" panose="02020603050405020304" pitchFamily="18" charset="0"/>
               </a:rPr>
-              <a:t>TÌM HIỂU NỘI DUNG VÀ CÁCH THỰC THI CỦA PROJECT</a:t>
-            </a:r>
-            <a:br>
-              <a:rPr lang="en-US" b="1" smtClean="0">
-                <a:latin typeface="Times New Roman" panose="02020603050405020304" pitchFamily="18" charset="0"/>
-                <a:cs typeface="Times New Roman" panose="02020603050405020304" pitchFamily="18" charset="0"/>
-              </a:rPr>
-            </a:br>
-            <a:r>
-              <a:rPr lang="en-US" b="1" smtClean="0">
-                <a:latin typeface="Times New Roman" panose="02020603050405020304" pitchFamily="18" charset="0"/>
-                <a:cs typeface="Times New Roman" panose="02020603050405020304" pitchFamily="18" charset="0"/>
-              </a:rPr>
-              <a:t>SỬ DỤNG DOCKER ĐỂ ẢO HOÁ SERVER UBUNTU</a:t>
+              <a:t>DEPLOY WEB </a:t>
             </a:r>
             <a:endParaRPr b="1" dirty="0">
               <a:latin typeface="Times New Roman" panose="02020603050405020304" pitchFamily="18" charset="0"/>
@@ -5803,7 +7025,7 @@
       </p:sp>
       <p:pic>
         <p:nvPicPr>
-          <p:cNvPr id="6" name="Picture 5"/>
+          <p:cNvPr id="3" name="Picture 2"/>
           <p:cNvPicPr>
             <a:picLocks noChangeAspect="1"/>
           </p:cNvPicPr>
@@ -5817,55 +7039,50 @@
         </p:blipFill>
         <p:spPr>
           <a:xfrm>
-            <a:off x="1033027" y="999301"/>
-            <a:ext cx="9830652" cy="5281118"/>
+            <a:off x="1472461" y="1408386"/>
+            <a:ext cx="8596449" cy="5043802"/>
           </a:xfrm>
           <a:prstGeom prst="rect">
             <a:avLst/>
           </a:prstGeom>
         </p:spPr>
       </p:pic>
-      <p:pic>
-        <p:nvPicPr>
-          <p:cNvPr id="10" name="Picture 2" descr="Docker là gì? | AWS"/>
-          <p:cNvPicPr>
-            <a:picLocks noChangeAspect="1" noChangeArrowheads="1"/>
-          </p:cNvPicPr>
+      <p:sp>
+        <p:nvSpPr>
+          <p:cNvPr id="5" name="TextBox 4"/>
+          <p:cNvSpPr txBox="1"/>
           <p:nvPr/>
-        </p:nvPicPr>
-        <p:blipFill>
-          <a:blip r:embed="rId4">
-            <a:extLst>
-              <a:ext uri="{28A0092B-C50C-407E-A947-70E740481C1C}">
-                <a14:useLocalDpi xmlns:a14="http://schemas.microsoft.com/office/drawing/2010/main" val="0"/>
-              </a:ext>
-            </a:extLst>
-          </a:blip>
-          <a:srcRect/>
-          <a:stretch>
-            <a:fillRect/>
-          </a:stretch>
-        </p:blipFill>
-        <p:spPr bwMode="auto">
-          <a:xfrm>
-            <a:off x="8571842" y="1978435"/>
-            <a:ext cx="2657475" cy="1247775"/>
+        </p:nvSpPr>
+        <p:spPr>
+          <a:xfrm>
+            <a:off x="1292772" y="651641"/>
+            <a:ext cx="9270125" cy="369332"/>
           </a:xfrm>
           <a:prstGeom prst="rect">
             <a:avLst/>
           </a:prstGeom>
           <a:noFill/>
-          <a:extLst>
-            <a:ext uri="{909E8E84-426E-40DD-AFC4-6F175D3DCCD1}">
-              <a14:hiddenFill xmlns:a14="http://schemas.microsoft.com/office/drawing/2010/main">
-                <a:solidFill>
-                  <a:srgbClr val="FFFFFF"/>
-                </a:solidFill>
-              </a14:hiddenFill>
-            </a:ext>
-          </a:extLst>
-        </p:spPr>
-      </p:pic>
+        </p:spPr>
+        <p:txBody>
+          <a:bodyPr wrap="square" rtlCol="0">
+            <a:spAutoFit/>
+          </a:bodyPr>
+          <a:lstStyle/>
+          <a:p>
+            <a:r>
+              <a:rPr lang="en-US" smtClean="0">
+                <a:latin typeface="Times New Roman" panose="02020603050405020304" pitchFamily="18" charset="0"/>
+                <a:cs typeface="Times New Roman" panose="02020603050405020304" pitchFamily="18" charset="0"/>
+              </a:rPr>
+              <a:t>Lấy mã connect với cmd trong máy</a:t>
+            </a:r>
+            <a:endParaRPr lang="en-US">
+              <a:latin typeface="Times New Roman" panose="02020603050405020304" pitchFamily="18" charset="0"/>
+              <a:cs typeface="Times New Roman" panose="02020603050405020304" pitchFamily="18" charset="0"/>
+            </a:endParaRPr>
+          </a:p>
+        </p:txBody>
+      </p:sp>
     </p:spTree>
     <p:extLst>
       <p:ext uri="{BB962C8B-B14F-4D97-AF65-F5344CB8AC3E}">
@@ -5889,23 +7106,9 @@
 <file path=ppt/slides/slide4.xml><?xml version="1.0" encoding="utf-8"?>
 <p:sld xmlns:a="http://schemas.openxmlformats.org/drawingml/2006/main" xmlns:r="http://schemas.openxmlformats.org/officeDocument/2006/relationships" xmlns:p="http://schemas.openxmlformats.org/presentationml/2006/main">
   <p:cSld>
-    <p:bg>
-      <p:bgPr>
-        <a:blipFill dpi="0" rotWithShape="1">
-          <a:blip r:embed="rId2">
-            <a:lum/>
-          </a:blip>
-          <a:srcRect/>
-          <a:stretch>
-            <a:fillRect t="-9000" b="-9000"/>
-          </a:stretch>
-        </a:blipFill>
-        <a:effectLst/>
-      </p:bgPr>
-    </p:bg>
     <p:spTree>
       <p:nvGrpSpPr>
-        <p:cNvPr id="1" name=""/>
+        <p:cNvPr id="1" name="Shape 356"/>
         <p:cNvGrpSpPr/>
         <p:nvPr/>
       </p:nvGrpSpPr>
@@ -5917,601 +7120,279 @@
           <a:chExt cx="0" cy="0"/>
         </a:xfrm>
       </p:grpSpPr>
-      <p:grpSp>
-        <p:nvGrpSpPr>
-          <p:cNvPr id="2" name="Group 1">
-            <a:extLst>
-              <a:ext uri="{FF2B5EF4-FFF2-40B4-BE49-F238E27FC236}">
-                <a16:creationId xmlns:a16="http://schemas.microsoft.com/office/drawing/2014/main" id="{277FBEE1-287A-4357-AEBF-855AFFBEC5D9}"/>
-              </a:ext>
-            </a:extLst>
-          </p:cNvPr>
-          <p:cNvGrpSpPr/>
-          <p:nvPr/>
-        </p:nvGrpSpPr>
-        <p:grpSpPr>
-          <a:xfrm>
-            <a:off x="619125" y="1628775"/>
-            <a:ext cx="4524375" cy="3718799"/>
-            <a:chOff x="0" y="1089890"/>
-            <a:chExt cx="5726545" cy="4476759"/>
-          </a:xfrm>
-        </p:grpSpPr>
-        <p:sp>
-          <p:nvSpPr>
-            <p:cNvPr id="6" name="Flowchart: Connector 5">
-              <a:extLst>
-                <a:ext uri="{FF2B5EF4-FFF2-40B4-BE49-F238E27FC236}">
-                  <a16:creationId xmlns:a16="http://schemas.microsoft.com/office/drawing/2014/main" id="{1E5B72DA-B5CD-4CCB-B80D-AFC22A3BF371}"/>
-                </a:ext>
-              </a:extLst>
-            </p:cNvPr>
-            <p:cNvSpPr/>
-            <p:nvPr/>
-          </p:nvSpPr>
-          <p:spPr>
-            <a:xfrm>
-              <a:off x="0" y="1089890"/>
-              <a:ext cx="5726545" cy="4476759"/>
-            </a:xfrm>
-            <a:prstGeom prst="flowChartConnector">
-              <a:avLst/>
-            </a:prstGeom>
-            <a:solidFill>
-              <a:schemeClr val="bg1"/>
-            </a:solidFill>
-            <a:ln w="38100">
-              <a:solidFill>
-                <a:schemeClr val="tx1"/>
-              </a:solidFill>
-              <a:prstDash val="lgDash"/>
-            </a:ln>
-          </p:spPr>
-          <p:style>
-            <a:lnRef idx="2">
-              <a:schemeClr val="accent1">
-                <a:shade val="50000"/>
-              </a:schemeClr>
-            </a:lnRef>
-            <a:fillRef idx="1">
-              <a:schemeClr val="accent1"/>
-            </a:fillRef>
-            <a:effectRef idx="0">
-              <a:schemeClr val="accent1"/>
-            </a:effectRef>
-            <a:fontRef idx="minor">
-              <a:schemeClr val="lt1"/>
-            </a:fontRef>
-          </p:style>
-          <p:txBody>
-            <a:bodyPr rtlCol="0" anchor="ctr"/>
-            <a:lstStyle/>
-            <a:p>
-              <a:pPr algn="ctr"/>
-              <a:endParaRPr lang="en-US" sz="2800">
+      <p:sp>
+        <p:nvSpPr>
+          <p:cNvPr id="359" name="Google Shape;359;p37"/>
+          <p:cNvSpPr txBox="1">
+            <a:spLocks noGrp="1"/>
+          </p:cNvSpPr>
+          <p:nvPr>
+            <p:ph type="subTitle" idx="1"/>
+          </p:nvPr>
+        </p:nvSpPr>
+        <p:spPr>
+          <a:xfrm>
+            <a:off x="307975" y="217275"/>
+            <a:ext cx="11474202" cy="546000"/>
+          </a:xfrm>
+          <a:prstGeom prst="rect">
+            <a:avLst/>
+          </a:prstGeom>
+        </p:spPr>
+        <p:txBody>
+          <a:bodyPr spcFirstLastPara="1" wrap="square" lIns="121900" tIns="121900" rIns="121900" bIns="121900" anchor="ctr" anchorCtr="0">
+            <a:noAutofit/>
+          </a:bodyPr>
+          <a:lstStyle/>
+          <a:p>
+            <a:pPr>
+              <a:spcBef>
+                <a:spcPts val="0"/>
+              </a:spcBef>
+            </a:pPr>
+            <a:r>
+              <a:rPr lang="en-US" b="1" smtClean="0">
                 <a:latin typeface="Times New Roman" panose="02020603050405020304" pitchFamily="18" charset="0"/>
                 <a:cs typeface="Times New Roman" panose="02020603050405020304" pitchFamily="18" charset="0"/>
-              </a:endParaRPr>
-            </a:p>
-          </p:txBody>
-        </p:sp>
-        <p:sp>
-          <p:nvSpPr>
-            <p:cNvPr id="5" name="Flowchart: Connector 4">
-              <a:extLst>
-                <a:ext uri="{FF2B5EF4-FFF2-40B4-BE49-F238E27FC236}">
-                  <a16:creationId xmlns:a16="http://schemas.microsoft.com/office/drawing/2014/main" id="{8B6AA2F4-563D-4EBA-8181-7A38AD177D66}"/>
-                </a:ext>
-              </a:extLst>
-            </p:cNvPr>
-            <p:cNvSpPr/>
-            <p:nvPr/>
-          </p:nvSpPr>
-          <p:spPr>
-            <a:xfrm>
-              <a:off x="244763" y="1255378"/>
-              <a:ext cx="5237018" cy="4145782"/>
-            </a:xfrm>
-            <a:prstGeom prst="flowChartConnector">
-              <a:avLst/>
-            </a:prstGeom>
-            <a:solidFill>
-              <a:schemeClr val="accent3">
-                <a:lumMod val="50000"/>
-              </a:schemeClr>
-            </a:solidFill>
-            <a:ln>
-              <a:noFill/>
-            </a:ln>
-          </p:spPr>
-          <p:style>
-            <a:lnRef idx="2">
-              <a:schemeClr val="accent1">
-                <a:shade val="50000"/>
-              </a:schemeClr>
-            </a:lnRef>
-            <a:fillRef idx="1">
-              <a:schemeClr val="accent1"/>
-            </a:fillRef>
-            <a:effectRef idx="0">
-              <a:schemeClr val="accent1"/>
-            </a:effectRef>
-            <a:fontRef idx="minor">
-              <a:schemeClr val="lt1"/>
-            </a:fontRef>
-          </p:style>
-          <p:txBody>
-            <a:bodyPr rtlCol="0" anchor="ctr"/>
-            <a:lstStyle/>
-            <a:p>
-              <a:pPr algn="ctr">
-                <a:spcBef>
-                  <a:spcPts val="0"/>
-                </a:spcBef>
-              </a:pPr>
-              <a:r>
-                <a:rPr lang="en-US" sz="2800" b="1" smtClean="0">
-                  <a:latin typeface="Times New Roman" panose="02020603050405020304" pitchFamily="18" charset="0"/>
-                  <a:cs typeface="Times New Roman" panose="02020603050405020304" pitchFamily="18" charset="0"/>
-                </a:rPr>
-                <a:t>TÌM HIỂU</a:t>
-              </a:r>
-              <a:endParaRPr lang="en-US" sz="2800" b="1" dirty="0">
-                <a:latin typeface="Times New Roman" panose="02020603050405020304" pitchFamily="18" charset="0"/>
-                <a:cs typeface="Times New Roman" panose="02020603050405020304" pitchFamily="18" charset="0"/>
-              </a:endParaRPr>
-            </a:p>
-          </p:txBody>
-        </p:sp>
-      </p:grpSp>
-      <p:sp>
-        <p:nvSpPr>
-          <p:cNvPr id="7" name="Rectangle: Rounded Corners 6">
-            <a:extLst>
-              <a:ext uri="{FF2B5EF4-FFF2-40B4-BE49-F238E27FC236}">
-                <a16:creationId xmlns:a16="http://schemas.microsoft.com/office/drawing/2014/main" id="{DAB63510-6582-4095-B4ED-18FAD1A56254}"/>
-              </a:ext>
-            </a:extLst>
-          </p:cNvPr>
+              </a:rPr>
+              <a:t>DEPLOY WEB </a:t>
+            </a:r>
+            <a:endParaRPr b="1" dirty="0">
+              <a:latin typeface="Times New Roman" panose="02020603050405020304" pitchFamily="18" charset="0"/>
+              <a:cs typeface="Times New Roman" panose="02020603050405020304" pitchFamily="18" charset="0"/>
+            </a:endParaRPr>
+          </a:p>
+        </p:txBody>
+      </p:sp>
+      <p:sp>
+        <p:nvSpPr>
+          <p:cNvPr id="360" name="Google Shape;360;p37"/>
           <p:cNvSpPr/>
           <p:nvPr/>
         </p:nvSpPr>
         <p:spPr>
           <a:xfrm>
-            <a:off x="5143499" y="1007730"/>
-            <a:ext cx="6477000" cy="1361873"/>
-          </a:xfrm>
-          <a:prstGeom prst="roundRect">
-            <a:avLst>
-              <a:gd name="adj" fmla="val 50000"/>
-            </a:avLst>
-          </a:prstGeom>
+            <a:off x="562562" y="5383521"/>
+            <a:ext cx="4921197" cy="518191"/>
+          </a:xfrm>
+          <a:custGeom>
+            <a:avLst/>
+            <a:gdLst/>
+            <a:ahLst/>
+            <a:cxnLst/>
+            <a:rect l="l" t="t" r="r" b="b"/>
+            <a:pathLst>
+              <a:path w="26664" h="24929" extrusionOk="0">
+                <a:moveTo>
+                  <a:pt x="14316" y="1"/>
+                </a:moveTo>
+                <a:cubicBezTo>
+                  <a:pt x="9286" y="1"/>
+                  <a:pt x="4073" y="3865"/>
+                  <a:pt x="2121" y="8257"/>
+                </a:cubicBezTo>
+                <a:cubicBezTo>
+                  <a:pt x="0" y="13029"/>
+                  <a:pt x="1193" y="18564"/>
+                  <a:pt x="5303" y="21845"/>
+                </a:cubicBezTo>
+                <a:cubicBezTo>
+                  <a:pt x="7965" y="23969"/>
+                  <a:pt x="10917" y="24928"/>
+                  <a:pt x="13705" y="24928"/>
+                </a:cubicBezTo>
+                <a:cubicBezTo>
+                  <a:pt x="20704" y="24928"/>
+                  <a:pt x="26663" y="18878"/>
+                  <a:pt x="24376" y="10013"/>
+                </a:cubicBezTo>
+                <a:cubicBezTo>
+                  <a:pt x="23316" y="5870"/>
+                  <a:pt x="21493" y="1844"/>
+                  <a:pt x="17118" y="435"/>
+                </a:cubicBezTo>
+                <a:cubicBezTo>
+                  <a:pt x="16206" y="138"/>
+                  <a:pt x="15264" y="1"/>
+                  <a:pt x="14316" y="1"/>
+                </a:cubicBezTo>
+                <a:close/>
+              </a:path>
+            </a:pathLst>
+          </a:custGeom>
           <a:solidFill>
-            <a:schemeClr val="accent3">
-              <a:lumMod val="50000"/>
-            </a:schemeClr>
+            <a:srgbClr val="FFB088">
+              <a:alpha val="36610"/>
+            </a:srgbClr>
           </a:solidFill>
           <a:ln>
             <a:noFill/>
           </a:ln>
         </p:spPr>
-        <p:style>
-          <a:lnRef idx="2">
-            <a:schemeClr val="accent1">
-              <a:shade val="50000"/>
-            </a:schemeClr>
-          </a:lnRef>
-          <a:fillRef idx="1">
-            <a:schemeClr val="accent1"/>
-          </a:fillRef>
-          <a:effectRef idx="0">
-            <a:schemeClr val="accent1"/>
-          </a:effectRef>
-          <a:fontRef idx="minor">
-            <a:schemeClr val="lt1"/>
-          </a:fontRef>
-        </p:style>
-        <p:txBody>
-          <a:bodyPr rtlCol="0" anchor="ctr"/>
-          <a:lstStyle/>
-          <a:p>
-            <a:pPr algn="ctr"/>
-            <a:r>
-              <a:rPr lang="en-US" sz="2800" smtClean="0">
+        <p:txBody>
+          <a:bodyPr spcFirstLastPara="1" wrap="square" lIns="121900" tIns="121900" rIns="121900" bIns="121900" anchor="ctr" anchorCtr="0">
+            <a:noAutofit/>
+          </a:bodyPr>
+          <a:lstStyle/>
+          <a:p>
+            <a:endParaRPr sz="2400"/>
+          </a:p>
+        </p:txBody>
+      </p:sp>
+      <p:sp>
+        <p:nvSpPr>
+          <p:cNvPr id="2" name="AutoShape 2" descr="Use Case model on conceptual design | Download Scientific Diagram"/>
+          <p:cNvSpPr>
+            <a:spLocks noChangeAspect="1" noChangeArrowheads="1"/>
+          </p:cNvSpPr>
+          <p:nvPr/>
+        </p:nvSpPr>
+        <p:spPr bwMode="auto">
+          <a:xfrm>
+            <a:off x="155574" y="-144463"/>
+            <a:ext cx="4585819" cy="4585834"/>
+          </a:xfrm>
+          <a:prstGeom prst="rect">
+            <a:avLst/>
+          </a:prstGeom>
+          <a:noFill/>
+          <a:extLst>
+            <a:ext uri="{909E8E84-426E-40DD-AFC4-6F175D3DCCD1}">
+              <a14:hiddenFill xmlns:a14="http://schemas.microsoft.com/office/drawing/2010/main">
+                <a:solidFill>
+                  <a:srgbClr val="FFFFFF"/>
+                </a:solidFill>
+              </a14:hiddenFill>
+            </a:ext>
+          </a:extLst>
+        </p:spPr>
+        <p:txBody>
+          <a:bodyPr vert="horz" wrap="square" lIns="91440" tIns="45720" rIns="91440" bIns="45720" numCol="1" anchor="t" anchorCtr="0" compatLnSpc="1">
+            <a:prstTxWarp prst="textNoShape">
+              <a:avLst/>
+            </a:prstTxWarp>
+          </a:bodyPr>
+          <a:lstStyle/>
+          <a:p>
+            <a:endParaRPr lang="en-US"/>
+          </a:p>
+        </p:txBody>
+      </p:sp>
+      <p:sp>
+        <p:nvSpPr>
+          <p:cNvPr id="4" name="AutoShape 6" descr="Use Case model on conceptual design | Download Scientific Diagram"/>
+          <p:cNvSpPr>
+            <a:spLocks noChangeAspect="1" noChangeArrowheads="1"/>
+          </p:cNvSpPr>
+          <p:nvPr/>
+        </p:nvSpPr>
+        <p:spPr bwMode="auto">
+          <a:xfrm>
+            <a:off x="155575" y="-144463"/>
+            <a:ext cx="304800" cy="304801"/>
+          </a:xfrm>
+          <a:prstGeom prst="rect">
+            <a:avLst/>
+          </a:prstGeom>
+          <a:noFill/>
+          <a:extLst>
+            <a:ext uri="{909E8E84-426E-40DD-AFC4-6F175D3DCCD1}">
+              <a14:hiddenFill xmlns:a14="http://schemas.microsoft.com/office/drawing/2010/main">
+                <a:solidFill>
+                  <a:srgbClr val="FFFFFF"/>
+                </a:solidFill>
+              </a14:hiddenFill>
+            </a:ext>
+          </a:extLst>
+        </p:spPr>
+        <p:txBody>
+          <a:bodyPr vert="horz" wrap="square" lIns="91440" tIns="45720" rIns="91440" bIns="45720" numCol="1" anchor="t" anchorCtr="0" compatLnSpc="1">
+            <a:prstTxWarp prst="textNoShape">
+              <a:avLst/>
+            </a:prstTxWarp>
+          </a:bodyPr>
+          <a:lstStyle/>
+          <a:p>
+            <a:endParaRPr lang="en-US"/>
+          </a:p>
+        </p:txBody>
+      </p:sp>
+      <p:pic>
+        <p:nvPicPr>
+          <p:cNvPr id="5" name="Picture 4"/>
+          <p:cNvPicPr>
+            <a:picLocks noChangeAspect="1"/>
+          </p:cNvPicPr>
+          <p:nvPr/>
+        </p:nvPicPr>
+        <p:blipFill>
+          <a:blip r:embed="rId3"/>
+          <a:stretch>
+            <a:fillRect/>
+          </a:stretch>
+        </p:blipFill>
+        <p:spPr>
+          <a:xfrm>
+            <a:off x="1008993" y="1533618"/>
+            <a:ext cx="9478007" cy="4284012"/>
+          </a:xfrm>
+          <a:prstGeom prst="rect">
+            <a:avLst/>
+          </a:prstGeom>
+        </p:spPr>
+      </p:pic>
+      <p:sp>
+        <p:nvSpPr>
+          <p:cNvPr id="6" name="TextBox 5"/>
+          <p:cNvSpPr txBox="1"/>
+          <p:nvPr/>
+        </p:nvSpPr>
+        <p:spPr>
+          <a:xfrm>
+            <a:off x="1008993" y="763275"/>
+            <a:ext cx="7304690" cy="369332"/>
+          </a:xfrm>
+          <a:prstGeom prst="rect">
+            <a:avLst/>
+          </a:prstGeom>
+          <a:noFill/>
+        </p:spPr>
+        <p:txBody>
+          <a:bodyPr wrap="square" rtlCol="0">
+            <a:spAutoFit/>
+          </a:bodyPr>
+          <a:lstStyle/>
+          <a:p>
+            <a:r>
+              <a:rPr lang="en-US" smtClean="0">
                 <a:latin typeface="Times New Roman" panose="02020603050405020304" pitchFamily="18" charset="0"/>
                 <a:cs typeface="Times New Roman" panose="02020603050405020304" pitchFamily="18" charset="0"/>
               </a:rPr>
-              <a:t>Chapter 1: Tìm hiểu nội dung</a:t>
-            </a:r>
-            <a:br>
-              <a:rPr lang="en-US" sz="2800" smtClean="0">
-                <a:latin typeface="Times New Roman" panose="02020603050405020304" pitchFamily="18" charset="0"/>
-                <a:cs typeface="Times New Roman" panose="02020603050405020304" pitchFamily="18" charset="0"/>
-              </a:rPr>
-            </a:br>
-            <a:r>
-              <a:rPr lang="en-US" sz="2800" smtClean="0">
-                <a:latin typeface="Times New Roman" panose="02020603050405020304" pitchFamily="18" charset="0"/>
-                <a:cs typeface="Times New Roman" panose="02020603050405020304" pitchFamily="18" charset="0"/>
-              </a:rPr>
-              <a:t>của các Project liên quan</a:t>
-            </a:r>
-            <a:endParaRPr lang="en-US" sz="2800">
+              <a:t>Tiến hành kết nối ssh với cmd trong máy</a:t>
+            </a:r>
+            <a:endParaRPr lang="en-US">
               <a:latin typeface="Times New Roman" panose="02020603050405020304" pitchFamily="18" charset="0"/>
               <a:cs typeface="Times New Roman" panose="02020603050405020304" pitchFamily="18" charset="0"/>
             </a:endParaRPr>
           </a:p>
         </p:txBody>
       </p:sp>
-      <p:sp>
-        <p:nvSpPr>
-          <p:cNvPr id="11" name="Rectangle: Rounded Corners 10">
-            <a:extLst>
-              <a:ext uri="{FF2B5EF4-FFF2-40B4-BE49-F238E27FC236}">
-                <a16:creationId xmlns:a16="http://schemas.microsoft.com/office/drawing/2014/main" id="{B734BF05-426F-4DC5-8702-BB34E31396EA}"/>
-              </a:ext>
-            </a:extLst>
-          </p:cNvPr>
-          <p:cNvSpPr/>
-          <p:nvPr/>
-        </p:nvSpPr>
-        <p:spPr>
-          <a:xfrm>
-            <a:off x="5143499" y="4472303"/>
-            <a:ext cx="6477001" cy="1475601"/>
-          </a:xfrm>
-          <a:prstGeom prst="roundRect">
-            <a:avLst>
-              <a:gd name="adj" fmla="val 50000"/>
-            </a:avLst>
-          </a:prstGeom>
-          <a:solidFill>
-            <a:schemeClr val="accent3">
-              <a:lumMod val="50000"/>
-            </a:schemeClr>
-          </a:solidFill>
-          <a:ln>
-            <a:noFill/>
-          </a:ln>
-        </p:spPr>
-        <p:style>
-          <a:lnRef idx="2">
-            <a:schemeClr val="accent1">
-              <a:shade val="50000"/>
-            </a:schemeClr>
-          </a:lnRef>
-          <a:fillRef idx="1">
-            <a:schemeClr val="accent1"/>
-          </a:fillRef>
-          <a:effectRef idx="0">
-            <a:schemeClr val="accent1"/>
-          </a:effectRef>
-          <a:fontRef idx="minor">
-            <a:schemeClr val="lt1"/>
-          </a:fontRef>
-        </p:style>
-        <p:txBody>
-          <a:bodyPr rtlCol="0" anchor="ctr"/>
-          <a:lstStyle/>
-          <a:p>
-            <a:pPr algn="ctr"/>
-            <a:r>
-              <a:rPr lang="en-US" sz="2800" smtClean="0">
-                <a:latin typeface="Times New Roman" panose="02020603050405020304" pitchFamily="18" charset="0"/>
-                <a:cs typeface="Times New Roman" panose="02020603050405020304" pitchFamily="18" charset="0"/>
-              </a:rPr>
-              <a:t>Chapter 2: Tìm hiểu cách thực thi</a:t>
-            </a:r>
-            <a:br>
-              <a:rPr lang="en-US" sz="2800" smtClean="0">
-                <a:latin typeface="Times New Roman" panose="02020603050405020304" pitchFamily="18" charset="0"/>
-                <a:cs typeface="Times New Roman" panose="02020603050405020304" pitchFamily="18" charset="0"/>
-              </a:rPr>
-            </a:br>
-            <a:r>
-              <a:rPr lang="en-US" sz="2800" smtClean="0">
-                <a:latin typeface="Times New Roman" panose="02020603050405020304" pitchFamily="18" charset="0"/>
-                <a:cs typeface="Times New Roman" panose="02020603050405020304" pitchFamily="18" charset="0"/>
-              </a:rPr>
-              <a:t>của Project liên quan</a:t>
-            </a:r>
-            <a:endParaRPr lang="en-US" sz="2800">
-              <a:latin typeface="Times New Roman" panose="02020603050405020304" pitchFamily="18" charset="0"/>
-              <a:cs typeface="Times New Roman" panose="02020603050405020304" pitchFamily="18" charset="0"/>
-            </a:endParaRPr>
-          </a:p>
-        </p:txBody>
-      </p:sp>
     </p:spTree>
     <p:extLst>
       <p:ext uri="{BB962C8B-B14F-4D97-AF65-F5344CB8AC3E}">
-        <p14:creationId xmlns:p14="http://schemas.microsoft.com/office/powerpoint/2010/main" val="3981589702"/>
+        <p14:creationId xmlns:p14="http://schemas.microsoft.com/office/powerpoint/2010/main" val="3390734417"/>
       </p:ext>
     </p:extLst>
   </p:cSld>
   <p:clrMapOvr>
     <a:masterClrMapping/>
   </p:clrMapOvr>
-  <mc:AlternateContent xmlns:mc="http://schemas.openxmlformats.org/markup-compatibility/2006" xmlns:p14="http://schemas.microsoft.com/office/powerpoint/2010/main">
-    <mc:Choice Requires="p14">
-      <p:transition spd="med" p14:dur="700">
-        <p:fade/>
-      </p:transition>
-    </mc:Choice>
-    <mc:Fallback xmlns="">
-      <p:transition spd="med">
-        <p:fade/>
-      </p:transition>
-    </mc:Fallback>
-  </mc:AlternateContent>
   <p:timing>
     <p:tnLst>
       <p:par>
-        <p:cTn id="1" dur="indefinite" restart="never" nodeType="tmRoot">
-          <p:childTnLst>
-            <p:seq concurrent="1" nextAc="seek">
-              <p:cTn id="2" dur="indefinite" nodeType="mainSeq">
-                <p:childTnLst>
-                  <p:par>
-                    <p:cTn id="3" fill="hold">
-                      <p:stCondLst>
-                        <p:cond delay="indefinite"/>
-                      </p:stCondLst>
-                      <p:childTnLst>
-                        <p:par>
-                          <p:cTn id="4" fill="hold">
-                            <p:stCondLst>
-                              <p:cond delay="0"/>
-                            </p:stCondLst>
-                            <p:childTnLst>
-                              <p:par>
-                                <p:cTn id="5" presetID="6" presetClass="entr" presetSubtype="16" fill="hold" nodeType="clickEffect">
-                                  <p:stCondLst>
-                                    <p:cond delay="0"/>
-                                  </p:stCondLst>
-                                  <p:childTnLst>
-                                    <p:set>
-                                      <p:cBhvr>
-                                        <p:cTn id="6" dur="1" fill="hold">
-                                          <p:stCondLst>
-                                            <p:cond delay="0"/>
-                                          </p:stCondLst>
-                                        </p:cTn>
-                                        <p:tgtEl>
-                                          <p:spTgt spid="2"/>
-                                        </p:tgtEl>
-                                        <p:attrNameLst>
-                                          <p:attrName>style.visibility</p:attrName>
-                                        </p:attrNameLst>
-                                      </p:cBhvr>
-                                      <p:to>
-                                        <p:strVal val="visible"/>
-                                      </p:to>
-                                    </p:set>
-                                    <p:animEffect transition="in" filter="circle(in)">
-                                      <p:cBhvr>
-                                        <p:cTn id="7" dur="2000"/>
-                                        <p:tgtEl>
-                                          <p:spTgt spid="2"/>
-                                        </p:tgtEl>
-                                      </p:cBhvr>
-                                    </p:animEffect>
-                                  </p:childTnLst>
-                                </p:cTn>
-                              </p:par>
-                            </p:childTnLst>
-                          </p:cTn>
-                        </p:par>
-                      </p:childTnLst>
-                    </p:cTn>
-                  </p:par>
-                  <p:par>
-                    <p:cTn id="8" fill="hold">
-                      <p:stCondLst>
-                        <p:cond delay="indefinite"/>
-                      </p:stCondLst>
-                      <p:childTnLst>
-                        <p:par>
-                          <p:cTn id="9" fill="hold">
-                            <p:stCondLst>
-                              <p:cond delay="0"/>
-                            </p:stCondLst>
-                            <p:childTnLst>
-                              <p:par>
-                                <p:cTn id="10" presetID="2" presetClass="entr" presetSubtype="4" fill="hold" grpId="0" nodeType="clickEffect">
-                                  <p:stCondLst>
-                                    <p:cond delay="0"/>
-                                  </p:stCondLst>
-                                  <p:childTnLst>
-                                    <p:set>
-                                      <p:cBhvr>
-                                        <p:cTn id="11" dur="1" fill="hold">
-                                          <p:stCondLst>
-                                            <p:cond delay="0"/>
-                                          </p:stCondLst>
-                                        </p:cTn>
-                                        <p:tgtEl>
-                                          <p:spTgt spid="7"/>
-                                        </p:tgtEl>
-                                        <p:attrNameLst>
-                                          <p:attrName>style.visibility</p:attrName>
-                                        </p:attrNameLst>
-                                      </p:cBhvr>
-                                      <p:to>
-                                        <p:strVal val="visible"/>
-                                      </p:to>
-                                    </p:set>
-                                    <p:anim calcmode="lin" valueType="num">
-                                      <p:cBhvr additive="base">
-                                        <p:cTn id="12" dur="500" fill="hold"/>
-                                        <p:tgtEl>
-                                          <p:spTgt spid="7"/>
-                                        </p:tgtEl>
-                                        <p:attrNameLst>
-                                          <p:attrName>ppt_x</p:attrName>
-                                        </p:attrNameLst>
-                                      </p:cBhvr>
-                                      <p:tavLst>
-                                        <p:tav tm="0">
-                                          <p:val>
-                                            <p:strVal val="#ppt_x"/>
-                                          </p:val>
-                                        </p:tav>
-                                        <p:tav tm="100000">
-                                          <p:val>
-                                            <p:strVal val="#ppt_x"/>
-                                          </p:val>
-                                        </p:tav>
-                                      </p:tavLst>
-                                    </p:anim>
-                                    <p:anim calcmode="lin" valueType="num">
-                                      <p:cBhvr additive="base">
-                                        <p:cTn id="13" dur="500" fill="hold"/>
-                                        <p:tgtEl>
-                                          <p:spTgt spid="7"/>
-                                        </p:tgtEl>
-                                        <p:attrNameLst>
-                                          <p:attrName>ppt_y</p:attrName>
-                                        </p:attrNameLst>
-                                      </p:cBhvr>
-                                      <p:tavLst>
-                                        <p:tav tm="0">
-                                          <p:val>
-                                            <p:strVal val="1+#ppt_h/2"/>
-                                          </p:val>
-                                        </p:tav>
-                                        <p:tav tm="100000">
-                                          <p:val>
-                                            <p:strVal val="#ppt_y"/>
-                                          </p:val>
-                                        </p:tav>
-                                      </p:tavLst>
-                                    </p:anim>
-                                  </p:childTnLst>
-                                </p:cTn>
-                              </p:par>
-                            </p:childTnLst>
-                          </p:cTn>
-                        </p:par>
-                      </p:childTnLst>
-                    </p:cTn>
-                  </p:par>
-                  <p:par>
-                    <p:cTn id="14" fill="hold">
-                      <p:stCondLst>
-                        <p:cond delay="indefinite"/>
-                      </p:stCondLst>
-                      <p:childTnLst>
-                        <p:par>
-                          <p:cTn id="15" fill="hold">
-                            <p:stCondLst>
-                              <p:cond delay="0"/>
-                            </p:stCondLst>
-                            <p:childTnLst>
-                              <p:par>
-                                <p:cTn id="16" presetID="2" presetClass="entr" presetSubtype="4" fill="hold" grpId="0" nodeType="clickEffect">
-                                  <p:stCondLst>
-                                    <p:cond delay="0"/>
-                                  </p:stCondLst>
-                                  <p:childTnLst>
-                                    <p:set>
-                                      <p:cBhvr>
-                                        <p:cTn id="17" dur="1" fill="hold">
-                                          <p:stCondLst>
-                                            <p:cond delay="0"/>
-                                          </p:stCondLst>
-                                        </p:cTn>
-                                        <p:tgtEl>
-                                          <p:spTgt spid="11"/>
-                                        </p:tgtEl>
-                                        <p:attrNameLst>
-                                          <p:attrName>style.visibility</p:attrName>
-                                        </p:attrNameLst>
-                                      </p:cBhvr>
-                                      <p:to>
-                                        <p:strVal val="visible"/>
-                                      </p:to>
-                                    </p:set>
-                                    <p:anim calcmode="lin" valueType="num">
-                                      <p:cBhvr additive="base">
-                                        <p:cTn id="18" dur="500" fill="hold"/>
-                                        <p:tgtEl>
-                                          <p:spTgt spid="11"/>
-                                        </p:tgtEl>
-                                        <p:attrNameLst>
-                                          <p:attrName>ppt_x</p:attrName>
-                                        </p:attrNameLst>
-                                      </p:cBhvr>
-                                      <p:tavLst>
-                                        <p:tav tm="0">
-                                          <p:val>
-                                            <p:strVal val="#ppt_x"/>
-                                          </p:val>
-                                        </p:tav>
-                                        <p:tav tm="100000">
-                                          <p:val>
-                                            <p:strVal val="#ppt_x"/>
-                                          </p:val>
-                                        </p:tav>
-                                      </p:tavLst>
-                                    </p:anim>
-                                    <p:anim calcmode="lin" valueType="num">
-                                      <p:cBhvr additive="base">
-                                        <p:cTn id="19" dur="500" fill="hold"/>
-                                        <p:tgtEl>
-                                          <p:spTgt spid="11"/>
-                                        </p:tgtEl>
-                                        <p:attrNameLst>
-                                          <p:attrName>ppt_y</p:attrName>
-                                        </p:attrNameLst>
-                                      </p:cBhvr>
-                                      <p:tavLst>
-                                        <p:tav tm="0">
-                                          <p:val>
-                                            <p:strVal val="1+#ppt_h/2"/>
-                                          </p:val>
-                                        </p:tav>
-                                        <p:tav tm="100000">
-                                          <p:val>
-                                            <p:strVal val="#ppt_y"/>
-                                          </p:val>
-                                        </p:tav>
-                                      </p:tavLst>
-                                    </p:anim>
-                                  </p:childTnLst>
-                                </p:cTn>
-                              </p:par>
-                            </p:childTnLst>
-                          </p:cTn>
-                        </p:par>
-                      </p:childTnLst>
-                    </p:cTn>
-                  </p:par>
-                </p:childTnLst>
-              </p:cTn>
-              <p:prevCondLst>
-                <p:cond evt="onPrev" delay="0">
-                  <p:tgtEl>
-                    <p:sldTgt/>
-                  </p:tgtEl>
-                </p:cond>
-              </p:prevCondLst>
-              <p:nextCondLst>
-                <p:cond evt="onNext" delay="0">
-                  <p:tgtEl>
-                    <p:sldTgt/>
-                  </p:tgtEl>
-                </p:cond>
-              </p:nextCondLst>
-            </p:seq>
-          </p:childTnLst>
-        </p:cTn>
+        <p:cTn id="1" dur="indefinite" restart="never" nodeType="tmRoot"/>
       </p:par>
     </p:tnLst>
-    <p:bldLst>
-      <p:bldP spid="7" grpId="0" animBg="1"/>
-      <p:bldP spid="11" grpId="0" animBg="1"/>
-    </p:bldLst>
   </p:timing>
 </p:sld>
 </file>
@@ -6519,23 +7400,9 @@
 <file path=ppt/slides/slide5.xml><?xml version="1.0" encoding="utf-8"?>
 <p:sld xmlns:a="http://schemas.openxmlformats.org/drawingml/2006/main" xmlns:r="http://schemas.openxmlformats.org/officeDocument/2006/relationships" xmlns:p="http://schemas.openxmlformats.org/presentationml/2006/main">
   <p:cSld>
-    <p:bg>
-      <p:bgPr>
-        <a:blipFill dpi="0" rotWithShape="1">
-          <a:blip r:embed="rId2">
-            <a:lum/>
-          </a:blip>
-          <a:srcRect/>
-          <a:stretch>
-            <a:fillRect t="-9000" b="-9000"/>
-          </a:stretch>
-        </a:blipFill>
-        <a:effectLst/>
-      </p:bgPr>
-    </p:bg>
     <p:spTree>
       <p:nvGrpSpPr>
-        <p:cNvPr id="1" name=""/>
+        <p:cNvPr id="1" name="Shape 356"/>
         <p:cNvGrpSpPr/>
         <p:nvPr/>
       </p:nvGrpSpPr>
@@ -6549,53 +7416,42 @@
       </p:grpSpPr>
       <p:sp>
         <p:nvSpPr>
-          <p:cNvPr id="2" name="Title 1">
-            <a:extLst>
-              <a:ext uri="{FF2B5EF4-FFF2-40B4-BE49-F238E27FC236}">
-                <a16:creationId xmlns:a16="http://schemas.microsoft.com/office/drawing/2014/main" id="{AE4974F2-69C3-4C3A-A42E-F07C6DE127E7}"/>
-              </a:ext>
-            </a:extLst>
-          </p:cNvPr>
-          <p:cNvSpPr>
+          <p:cNvPr id="359" name="Google Shape;359;p37"/>
+          <p:cNvSpPr txBox="1">
             <a:spLocks noGrp="1"/>
           </p:cNvSpPr>
           <p:nvPr>
-            <p:ph type="title"/>
-          </p:nvPr>
-        </p:nvSpPr>
-        <p:spPr>
-          <a:xfrm>
-            <a:off x="1193720" y="136635"/>
-            <a:ext cx="9936735" cy="840828"/>
-          </a:xfrm>
-          <a:ln w="38100">
-            <a:solidFill>
-              <a:schemeClr val="accent3">
-                <a:lumMod val="60000"/>
-                <a:lumOff val="40000"/>
-              </a:schemeClr>
-            </a:solidFill>
-          </a:ln>
-        </p:spPr>
-        <p:txBody>
-          <a:bodyPr>
-            <a:normAutofit/>
+            <p:ph type="subTitle" idx="1"/>
+          </p:nvPr>
+        </p:nvSpPr>
+        <p:spPr>
+          <a:xfrm>
+            <a:off x="307975" y="217275"/>
+            <a:ext cx="11474202" cy="546000"/>
+          </a:xfrm>
+          <a:prstGeom prst="rect">
+            <a:avLst/>
+          </a:prstGeom>
+        </p:spPr>
+        <p:txBody>
+          <a:bodyPr spcFirstLastPara="1" wrap="square" lIns="121900" tIns="121900" rIns="121900" bIns="121900" anchor="ctr" anchorCtr="0">
+            <a:noAutofit/>
           </a:bodyPr>
           <a:lstStyle/>
           <a:p>
-            <a:pPr algn="ctr">
-              <a:lnSpc>
-                <a:spcPct val="104000"/>
-              </a:lnSpc>
+            <a:pPr>
+              <a:spcBef>
+                <a:spcPts val="0"/>
+              </a:spcBef>
             </a:pPr>
             <a:r>
-              <a:rPr lang="en-US" sz="3000" smtClean="0">
+              <a:rPr lang="en-US" b="1" smtClean="0">
                 <a:latin typeface="Times New Roman" panose="02020603050405020304" pitchFamily="18" charset="0"/>
                 <a:cs typeface="Times New Roman" panose="02020603050405020304" pitchFamily="18" charset="0"/>
               </a:rPr>
-              <a:t>Chapter 1: Tìm hiểu về nội dung của project liên quan</a:t>
-            </a:r>
-            <a:endParaRPr lang="en-US" sz="3000" dirty="0">
+              <a:t>DEPLOY WEB </a:t>
+            </a:r>
+            <a:endParaRPr b="1" dirty="0">
               <a:latin typeface="Times New Roman" panose="02020603050405020304" pitchFamily="18" charset="0"/>
               <a:cs typeface="Times New Roman" panose="02020603050405020304" pitchFamily="18" charset="0"/>
             </a:endParaRPr>
@@ -6604,29 +7460,200 @@
       </p:sp>
       <p:sp>
         <p:nvSpPr>
-          <p:cNvPr id="3" name="Content Placeholder 2">
-            <a:extLst>
-              <a:ext uri="{FF2B5EF4-FFF2-40B4-BE49-F238E27FC236}">
-                <a16:creationId xmlns:a16="http://schemas.microsoft.com/office/drawing/2014/main" id="{FF5E9BDE-EEAA-43CE-A6F0-FC3D95100C18}"/>
-              </a:ext>
-            </a:extLst>
-          </p:cNvPr>
-          <p:cNvSpPr>
-            <a:spLocks noGrp="1"/>
-          </p:cNvSpPr>
-          <p:nvPr>
-            <p:ph idx="1"/>
-          </p:nvPr>
-        </p:nvSpPr>
-        <p:spPr>
-          <a:xfrm>
-            <a:off x="5727761" y="1965864"/>
-            <a:ext cx="5903270" cy="5450084"/>
-          </a:xfrm>
-        </p:spPr>
-        <p:txBody>
-          <a:bodyPr lIns="109728" tIns="109728" rIns="109728" bIns="91440">
-            <a:normAutofit/>
+          <p:cNvPr id="360" name="Google Shape;360;p37"/>
+          <p:cNvSpPr/>
+          <p:nvPr/>
+        </p:nvSpPr>
+        <p:spPr>
+          <a:xfrm>
+            <a:off x="562562" y="5383521"/>
+            <a:ext cx="4921197" cy="518191"/>
+          </a:xfrm>
+          <a:custGeom>
+            <a:avLst/>
+            <a:gdLst/>
+            <a:ahLst/>
+            <a:cxnLst/>
+            <a:rect l="l" t="t" r="r" b="b"/>
+            <a:pathLst>
+              <a:path w="26664" h="24929" extrusionOk="0">
+                <a:moveTo>
+                  <a:pt x="14316" y="1"/>
+                </a:moveTo>
+                <a:cubicBezTo>
+                  <a:pt x="9286" y="1"/>
+                  <a:pt x="4073" y="3865"/>
+                  <a:pt x="2121" y="8257"/>
+                </a:cubicBezTo>
+                <a:cubicBezTo>
+                  <a:pt x="0" y="13029"/>
+                  <a:pt x="1193" y="18564"/>
+                  <a:pt x="5303" y="21845"/>
+                </a:cubicBezTo>
+                <a:cubicBezTo>
+                  <a:pt x="7965" y="23969"/>
+                  <a:pt x="10917" y="24928"/>
+                  <a:pt x="13705" y="24928"/>
+                </a:cubicBezTo>
+                <a:cubicBezTo>
+                  <a:pt x="20704" y="24928"/>
+                  <a:pt x="26663" y="18878"/>
+                  <a:pt x="24376" y="10013"/>
+                </a:cubicBezTo>
+                <a:cubicBezTo>
+                  <a:pt x="23316" y="5870"/>
+                  <a:pt x="21493" y="1844"/>
+                  <a:pt x="17118" y="435"/>
+                </a:cubicBezTo>
+                <a:cubicBezTo>
+                  <a:pt x="16206" y="138"/>
+                  <a:pt x="15264" y="1"/>
+                  <a:pt x="14316" y="1"/>
+                </a:cubicBezTo>
+                <a:close/>
+              </a:path>
+            </a:pathLst>
+          </a:custGeom>
+          <a:solidFill>
+            <a:srgbClr val="FFB088">
+              <a:alpha val="36610"/>
+            </a:srgbClr>
+          </a:solidFill>
+          <a:ln>
+            <a:noFill/>
+          </a:ln>
+        </p:spPr>
+        <p:txBody>
+          <a:bodyPr spcFirstLastPara="1" wrap="square" lIns="121900" tIns="121900" rIns="121900" bIns="121900" anchor="ctr" anchorCtr="0">
+            <a:noAutofit/>
+          </a:bodyPr>
+          <a:lstStyle/>
+          <a:p>
+            <a:endParaRPr sz="2400"/>
+          </a:p>
+        </p:txBody>
+      </p:sp>
+      <p:sp>
+        <p:nvSpPr>
+          <p:cNvPr id="2" name="AutoShape 2" descr="Use Case model on conceptual design | Download Scientific Diagram"/>
+          <p:cNvSpPr>
+            <a:spLocks noChangeAspect="1" noChangeArrowheads="1"/>
+          </p:cNvSpPr>
+          <p:nvPr/>
+        </p:nvSpPr>
+        <p:spPr bwMode="auto">
+          <a:xfrm>
+            <a:off x="155574" y="-144463"/>
+            <a:ext cx="4585819" cy="4585834"/>
+          </a:xfrm>
+          <a:prstGeom prst="rect">
+            <a:avLst/>
+          </a:prstGeom>
+          <a:noFill/>
+          <a:extLst>
+            <a:ext uri="{909E8E84-426E-40DD-AFC4-6F175D3DCCD1}">
+              <a14:hiddenFill xmlns:a14="http://schemas.microsoft.com/office/drawing/2010/main">
+                <a:solidFill>
+                  <a:srgbClr val="FFFFFF"/>
+                </a:solidFill>
+              </a14:hiddenFill>
+            </a:ext>
+          </a:extLst>
+        </p:spPr>
+        <p:txBody>
+          <a:bodyPr vert="horz" wrap="square" lIns="91440" tIns="45720" rIns="91440" bIns="45720" numCol="1" anchor="t" anchorCtr="0" compatLnSpc="1">
+            <a:prstTxWarp prst="textNoShape">
+              <a:avLst/>
+            </a:prstTxWarp>
+          </a:bodyPr>
+          <a:lstStyle/>
+          <a:p>
+            <a:endParaRPr lang="en-US"/>
+          </a:p>
+        </p:txBody>
+      </p:sp>
+      <p:sp>
+        <p:nvSpPr>
+          <p:cNvPr id="4" name="AutoShape 6" descr="Use Case model on conceptual design | Download Scientific Diagram"/>
+          <p:cNvSpPr>
+            <a:spLocks noChangeAspect="1" noChangeArrowheads="1"/>
+          </p:cNvSpPr>
+          <p:nvPr/>
+        </p:nvSpPr>
+        <p:spPr bwMode="auto">
+          <a:xfrm>
+            <a:off x="155575" y="-144463"/>
+            <a:ext cx="304800" cy="304801"/>
+          </a:xfrm>
+          <a:prstGeom prst="rect">
+            <a:avLst/>
+          </a:prstGeom>
+          <a:noFill/>
+          <a:extLst>
+            <a:ext uri="{909E8E84-426E-40DD-AFC4-6F175D3DCCD1}">
+              <a14:hiddenFill xmlns:a14="http://schemas.microsoft.com/office/drawing/2010/main">
+                <a:solidFill>
+                  <a:srgbClr val="FFFFFF"/>
+                </a:solidFill>
+              </a14:hiddenFill>
+            </a:ext>
+          </a:extLst>
+        </p:spPr>
+        <p:txBody>
+          <a:bodyPr vert="horz" wrap="square" lIns="91440" tIns="45720" rIns="91440" bIns="45720" numCol="1" anchor="t" anchorCtr="0" compatLnSpc="1">
+            <a:prstTxWarp prst="textNoShape">
+              <a:avLst/>
+            </a:prstTxWarp>
+          </a:bodyPr>
+          <a:lstStyle/>
+          <a:p>
+            <a:endParaRPr lang="en-US"/>
+          </a:p>
+        </p:txBody>
+      </p:sp>
+      <p:pic>
+        <p:nvPicPr>
+          <p:cNvPr id="5" name="Picture 4"/>
+          <p:cNvPicPr>
+            <a:picLocks noChangeAspect="1"/>
+          </p:cNvPicPr>
+          <p:nvPr/>
+        </p:nvPicPr>
+        <p:blipFill>
+          <a:blip r:embed="rId3"/>
+          <a:stretch>
+            <a:fillRect/>
+          </a:stretch>
+        </p:blipFill>
+        <p:spPr>
+          <a:xfrm>
+            <a:off x="307975" y="1359798"/>
+            <a:ext cx="11623028" cy="4541914"/>
+          </a:xfrm>
+          <a:prstGeom prst="rect">
+            <a:avLst/>
+          </a:prstGeom>
+        </p:spPr>
+      </p:pic>
+      <p:sp>
+        <p:nvSpPr>
+          <p:cNvPr id="7" name="TextBox 6"/>
+          <p:cNvSpPr txBox="1"/>
+          <p:nvPr/>
+        </p:nvSpPr>
+        <p:spPr>
+          <a:xfrm>
+            <a:off x="562562" y="630621"/>
+            <a:ext cx="10073907" cy="369332"/>
+          </a:xfrm>
+          <a:prstGeom prst="rect">
+            <a:avLst/>
+          </a:prstGeom>
+          <a:noFill/>
+        </p:spPr>
+        <p:txBody>
+          <a:bodyPr wrap="square" rtlCol="0">
+            <a:spAutoFit/>
           </a:bodyPr>
           <a:lstStyle/>
           <a:p>
@@ -6635,428 +7662,31 @@
                 <a:latin typeface="Times New Roman" panose="02020603050405020304" pitchFamily="18" charset="0"/>
                 <a:cs typeface="Times New Roman" panose="02020603050405020304" pitchFamily="18" charset="0"/>
               </a:rPr>
-              <a:t>1 EC2 instance</a:t>
-            </a:r>
-            <a:r>
-              <a:rPr lang="en-US">
-                <a:latin typeface="Times New Roman" panose="02020603050405020304" pitchFamily="18" charset="0"/>
-                <a:cs typeface="Times New Roman" panose="02020603050405020304" pitchFamily="18" charset="0"/>
-              </a:rPr>
-              <a:t/>
-            </a:r>
-            <a:br>
-              <a:rPr lang="en-US">
-                <a:latin typeface="Times New Roman" panose="02020603050405020304" pitchFamily="18" charset="0"/>
-                <a:cs typeface="Times New Roman" panose="02020603050405020304" pitchFamily="18" charset="0"/>
-              </a:rPr>
-            </a:br>
-            <a:endParaRPr lang="en-US" dirty="0">
+              <a:t>Tạo bucket S3 để load file war và file pem</a:t>
+            </a:r>
+            <a:endParaRPr lang="en-US">
               <a:latin typeface="Times New Roman" panose="02020603050405020304" pitchFamily="18" charset="0"/>
               <a:cs typeface="Times New Roman" panose="02020603050405020304" pitchFamily="18" charset="0"/>
             </a:endParaRPr>
           </a:p>
-          <a:p>
-            <a:r>
-              <a:rPr lang="en-US" smtClean="0">
-                <a:latin typeface="Times New Roman" panose="02020603050405020304" pitchFamily="18" charset="0"/>
-                <a:cs typeface="Times New Roman" panose="02020603050405020304" pitchFamily="18" charset="0"/>
-              </a:rPr>
-              <a:t>2 Ubuntu </a:t>
-            </a:r>
-            <a:r>
-              <a:rPr lang="en-US" smtClean="0">
-                <a:latin typeface="Times New Roman" panose="02020603050405020304" pitchFamily="18" charset="0"/>
-                <a:cs typeface="Times New Roman" panose="02020603050405020304" pitchFamily="18" charset="0"/>
-              </a:rPr>
-              <a:t>cloud9 trên AWS</a:t>
-            </a:r>
-            <a:endParaRPr lang="en-US" smtClean="0">
-              <a:latin typeface="Times New Roman" panose="02020603050405020304" pitchFamily="18" charset="0"/>
-              <a:cs typeface="Times New Roman" panose="02020603050405020304" pitchFamily="18" charset="0"/>
-            </a:endParaRPr>
-          </a:p>
-          <a:p>
-            <a:pPr marL="0" indent="0">
-              <a:buNone/>
-            </a:pPr>
-            <a:endParaRPr lang="en-US" err="1">
-              <a:latin typeface="Times New Roman" panose="02020603050405020304" pitchFamily="18" charset="0"/>
-              <a:cs typeface="Times New Roman" panose="02020603050405020304" pitchFamily="18" charset="0"/>
-            </a:endParaRPr>
-          </a:p>
-          <a:p>
-            <a:r>
-              <a:rPr lang="en-US" smtClean="0">
-                <a:latin typeface="Times New Roman" panose="02020603050405020304" pitchFamily="18" charset="0"/>
-                <a:cs typeface="Times New Roman" panose="02020603050405020304" pitchFamily="18" charset="0"/>
-              </a:rPr>
-              <a:t>3 Docker </a:t>
-            </a:r>
-            <a:r>
-              <a:rPr lang="en-US" smtClean="0">
-                <a:latin typeface="Times New Roman" panose="02020603050405020304" pitchFamily="18" charset="0"/>
-                <a:cs typeface="Times New Roman" panose="02020603050405020304" pitchFamily="18" charset="0"/>
-              </a:rPr>
-              <a:t>đối với mỗi máy Ubuntu	</a:t>
-            </a:r>
-            <a:endParaRPr lang="en-US">
-              <a:cs typeface="Segoe UI Semilight"/>
-            </a:endParaRPr>
-          </a:p>
-        </p:txBody>
-      </p:sp>
-      <p:sp>
-        <p:nvSpPr>
-          <p:cNvPr id="6" name="Oval 5"/>
-          <p:cNvSpPr/>
-          <p:nvPr/>
-        </p:nvSpPr>
-        <p:spPr>
-          <a:xfrm>
-            <a:off x="1828800" y="2382983"/>
-            <a:ext cx="2613891" cy="1633670"/>
-          </a:xfrm>
-          <a:prstGeom prst="ellipse">
-            <a:avLst/>
-          </a:prstGeom>
-          <a:solidFill>
-            <a:schemeClr val="accent3">
-              <a:lumMod val="60000"/>
-              <a:lumOff val="40000"/>
-            </a:schemeClr>
-          </a:solidFill>
-          <a:ln>
-            <a:solidFill>
-              <a:srgbClr val="92D050"/>
-            </a:solidFill>
-          </a:ln>
-        </p:spPr>
-        <p:style>
-          <a:lnRef idx="2">
-            <a:schemeClr val="accent1">
-              <a:shade val="50000"/>
-            </a:schemeClr>
-          </a:lnRef>
-          <a:fillRef idx="1">
-            <a:schemeClr val="accent1"/>
-          </a:fillRef>
-          <a:effectRef idx="0">
-            <a:schemeClr val="accent1"/>
-          </a:effectRef>
-          <a:fontRef idx="minor">
-            <a:schemeClr val="lt1"/>
-          </a:fontRef>
-        </p:style>
-        <p:txBody>
-          <a:bodyPr rtlCol="0" anchor="ctr"/>
-          <a:lstStyle/>
-          <a:p>
-            <a:pPr algn="ctr"/>
-            <a:r>
-              <a:rPr lang="en-US" sz="3000" smtClean="0">
-                <a:latin typeface="Times New Roman" panose="02020603050405020304" pitchFamily="18" charset="0"/>
-                <a:cs typeface="Times New Roman" panose="02020603050405020304" pitchFamily="18" charset="0"/>
-              </a:rPr>
-              <a:t>Dịch vụ:</a:t>
-            </a:r>
-            <a:endParaRPr lang="en-US" sz="3000">
-              <a:latin typeface="Times New Roman" panose="02020603050405020304" pitchFamily="18" charset="0"/>
-              <a:cs typeface="Times New Roman" panose="02020603050405020304" pitchFamily="18" charset="0"/>
-            </a:endParaRPr>
-          </a:p>
         </p:txBody>
       </p:sp>
     </p:spTree>
     <p:extLst>
       <p:ext uri="{BB962C8B-B14F-4D97-AF65-F5344CB8AC3E}">
-        <p14:creationId xmlns:p14="http://schemas.microsoft.com/office/powerpoint/2010/main" val="3150032963"/>
+        <p14:creationId xmlns:p14="http://schemas.microsoft.com/office/powerpoint/2010/main" val="3322040895"/>
       </p:ext>
     </p:extLst>
   </p:cSld>
   <p:clrMapOvr>
     <a:masterClrMapping/>
   </p:clrMapOvr>
-  <mc:AlternateContent xmlns:mc="http://schemas.openxmlformats.org/markup-compatibility/2006" xmlns:p15="http://schemas.microsoft.com/office/powerpoint/2012/main">
-    <mc:Choice Requires="p15">
-      <p:transition xmlns:p14="http://schemas.microsoft.com/office/powerpoint/2010/main" spd="slow" p14:dur="2000">
-        <p15:prstTrans prst="fallOver"/>
-      </p:transition>
-    </mc:Choice>
-    <mc:Fallback xmlns="">
-      <p:transition spd="slow">
-        <p:fade/>
-      </p:transition>
-    </mc:Fallback>
-  </mc:AlternateContent>
   <p:timing>
     <p:tnLst>
       <p:par>
-        <p:cTn id="1" dur="indefinite" restart="never" nodeType="tmRoot">
-          <p:childTnLst>
-            <p:seq concurrent="1" nextAc="seek">
-              <p:cTn id="2" dur="indefinite" nodeType="mainSeq">
-                <p:childTnLst>
-                  <p:par>
-                    <p:cTn id="3" fill="hold">
-                      <p:stCondLst>
-                        <p:cond delay="indefinite"/>
-                      </p:stCondLst>
-                      <p:childTnLst>
-                        <p:par>
-                          <p:cTn id="4" fill="hold">
-                            <p:stCondLst>
-                              <p:cond delay="0"/>
-                            </p:stCondLst>
-                            <p:childTnLst>
-                              <p:par>
-                                <p:cTn id="5" presetID="10" presetClass="entr" presetSubtype="0" fill="hold" grpId="0" nodeType="clickEffect">
-                                  <p:stCondLst>
-                                    <p:cond delay="0"/>
-                                  </p:stCondLst>
-                                  <p:childTnLst>
-                                    <p:set>
-                                      <p:cBhvr>
-                                        <p:cTn id="6" dur="1" fill="hold">
-                                          <p:stCondLst>
-                                            <p:cond delay="0"/>
-                                          </p:stCondLst>
-                                        </p:cTn>
-                                        <p:tgtEl>
-                                          <p:spTgt spid="2"/>
-                                        </p:tgtEl>
-                                        <p:attrNameLst>
-                                          <p:attrName>style.visibility</p:attrName>
-                                        </p:attrNameLst>
-                                      </p:cBhvr>
-                                      <p:to>
-                                        <p:strVal val="visible"/>
-                                      </p:to>
-                                    </p:set>
-                                    <p:animEffect transition="in" filter="fade">
-                                      <p:cBhvr>
-                                        <p:cTn id="7" dur="500"/>
-                                        <p:tgtEl>
-                                          <p:spTgt spid="2"/>
-                                        </p:tgtEl>
-                                      </p:cBhvr>
-                                    </p:animEffect>
-                                  </p:childTnLst>
-                                </p:cTn>
-                              </p:par>
-                            </p:childTnLst>
-                          </p:cTn>
-                        </p:par>
-                      </p:childTnLst>
-                    </p:cTn>
-                  </p:par>
-                  <p:par>
-                    <p:cTn id="8" fill="hold">
-                      <p:stCondLst>
-                        <p:cond delay="indefinite"/>
-                      </p:stCondLst>
-                      <p:childTnLst>
-                        <p:par>
-                          <p:cTn id="9" fill="hold">
-                            <p:stCondLst>
-                              <p:cond delay="0"/>
-                            </p:stCondLst>
-                            <p:childTnLst>
-                              <p:par>
-                                <p:cTn id="10" presetID="10" presetClass="entr" presetSubtype="0" fill="hold" grpId="0" nodeType="clickEffect">
-                                  <p:stCondLst>
-                                    <p:cond delay="0"/>
-                                  </p:stCondLst>
-                                  <p:childTnLst>
-                                    <p:set>
-                                      <p:cBhvr>
-                                        <p:cTn id="11" dur="1" fill="hold">
-                                          <p:stCondLst>
-                                            <p:cond delay="0"/>
-                                          </p:stCondLst>
-                                        </p:cTn>
-                                        <p:tgtEl>
-                                          <p:spTgt spid="3">
-                                            <p:txEl>
-                                              <p:pRg st="0" end="0"/>
-                                            </p:txEl>
-                                          </p:spTgt>
-                                        </p:tgtEl>
-                                        <p:attrNameLst>
-                                          <p:attrName>style.visibility</p:attrName>
-                                        </p:attrNameLst>
-                                      </p:cBhvr>
-                                      <p:to>
-                                        <p:strVal val="visible"/>
-                                      </p:to>
-                                    </p:set>
-                                    <p:animEffect transition="in" filter="fade">
-                                      <p:cBhvr>
-                                        <p:cTn id="12" dur="500"/>
-                                        <p:tgtEl>
-                                          <p:spTgt spid="3">
-                                            <p:txEl>
-                                              <p:pRg st="0" end="0"/>
-                                            </p:txEl>
-                                          </p:spTgt>
-                                        </p:tgtEl>
-                                      </p:cBhvr>
-                                    </p:animEffect>
-                                  </p:childTnLst>
-                                </p:cTn>
-                              </p:par>
-                            </p:childTnLst>
-                          </p:cTn>
-                        </p:par>
-                      </p:childTnLst>
-                    </p:cTn>
-                  </p:par>
-                  <p:par>
-                    <p:cTn id="13" fill="hold">
-                      <p:stCondLst>
-                        <p:cond delay="indefinite"/>
-                      </p:stCondLst>
-                      <p:childTnLst>
-                        <p:par>
-                          <p:cTn id="14" fill="hold">
-                            <p:stCondLst>
-                              <p:cond delay="0"/>
-                            </p:stCondLst>
-                            <p:childTnLst>
-                              <p:par>
-                                <p:cTn id="15" presetID="10" presetClass="entr" presetSubtype="0" fill="hold" grpId="0" nodeType="clickEffect">
-                                  <p:stCondLst>
-                                    <p:cond delay="0"/>
-                                  </p:stCondLst>
-                                  <p:childTnLst>
-                                    <p:set>
-                                      <p:cBhvr>
-                                        <p:cTn id="16" dur="1" fill="hold">
-                                          <p:stCondLst>
-                                            <p:cond delay="0"/>
-                                          </p:stCondLst>
-                                        </p:cTn>
-                                        <p:tgtEl>
-                                          <p:spTgt spid="3">
-                                            <p:txEl>
-                                              <p:pRg st="1" end="1"/>
-                                            </p:txEl>
-                                          </p:spTgt>
-                                        </p:tgtEl>
-                                        <p:attrNameLst>
-                                          <p:attrName>style.visibility</p:attrName>
-                                        </p:attrNameLst>
-                                      </p:cBhvr>
-                                      <p:to>
-                                        <p:strVal val="visible"/>
-                                      </p:to>
-                                    </p:set>
-                                    <p:animEffect transition="in" filter="fade">
-                                      <p:cBhvr>
-                                        <p:cTn id="17" dur="500"/>
-                                        <p:tgtEl>
-                                          <p:spTgt spid="3">
-                                            <p:txEl>
-                                              <p:pRg st="1" end="1"/>
-                                            </p:txEl>
-                                          </p:spTgt>
-                                        </p:tgtEl>
-                                      </p:cBhvr>
-                                    </p:animEffect>
-                                  </p:childTnLst>
-                                </p:cTn>
-                              </p:par>
-                            </p:childTnLst>
-                          </p:cTn>
-                        </p:par>
-                      </p:childTnLst>
-                    </p:cTn>
-                  </p:par>
-                  <p:par>
-                    <p:cTn id="18" fill="hold">
-                      <p:stCondLst>
-                        <p:cond delay="indefinite"/>
-                      </p:stCondLst>
-                      <p:childTnLst>
-                        <p:par>
-                          <p:cTn id="19" fill="hold">
-                            <p:stCondLst>
-                              <p:cond delay="0"/>
-                            </p:stCondLst>
-                            <p:childTnLst>
-                              <p:par>
-                                <p:cTn id="20" presetID="10" presetClass="entr" presetSubtype="0" fill="hold" grpId="0" nodeType="clickEffect">
-                                  <p:stCondLst>
-                                    <p:cond delay="0"/>
-                                  </p:stCondLst>
-                                  <p:childTnLst>
-                                    <p:set>
-                                      <p:cBhvr>
-                                        <p:cTn id="21" dur="1" fill="hold">
-                                          <p:stCondLst>
-                                            <p:cond delay="0"/>
-                                          </p:stCondLst>
-                                        </p:cTn>
-                                        <p:tgtEl>
-                                          <p:spTgt spid="3">
-                                            <p:txEl>
-                                              <p:pRg st="3" end="3"/>
-                                            </p:txEl>
-                                          </p:spTgt>
-                                        </p:tgtEl>
-                                        <p:attrNameLst>
-                                          <p:attrName>style.visibility</p:attrName>
-                                        </p:attrNameLst>
-                                      </p:cBhvr>
-                                      <p:to>
-                                        <p:strVal val="visible"/>
-                                      </p:to>
-                                    </p:set>
-                                    <p:animEffect transition="in" filter="fade">
-                                      <p:cBhvr>
-                                        <p:cTn id="22" dur="500"/>
-                                        <p:tgtEl>
-                                          <p:spTgt spid="3">
-                                            <p:txEl>
-                                              <p:pRg st="3" end="3"/>
-                                            </p:txEl>
-                                          </p:spTgt>
-                                        </p:tgtEl>
-                                      </p:cBhvr>
-                                    </p:animEffect>
-                                  </p:childTnLst>
-                                </p:cTn>
-                              </p:par>
-                            </p:childTnLst>
-                          </p:cTn>
-                        </p:par>
-                      </p:childTnLst>
-                    </p:cTn>
-                  </p:par>
-                </p:childTnLst>
-              </p:cTn>
-              <p:prevCondLst>
-                <p:cond evt="onPrev" delay="0">
-                  <p:tgtEl>
-                    <p:sldTgt/>
-                  </p:tgtEl>
-                </p:cond>
-              </p:prevCondLst>
-              <p:nextCondLst>
-                <p:cond evt="onNext" delay="0">
-                  <p:tgtEl>
-                    <p:sldTgt/>
-                  </p:tgtEl>
-                </p:cond>
-              </p:nextCondLst>
-            </p:seq>
-          </p:childTnLst>
-        </p:cTn>
+        <p:cTn id="1" dur="indefinite" restart="never" nodeType="tmRoot"/>
       </p:par>
     </p:tnLst>
-    <p:bldLst>
-      <p:bldP spid="2" grpId="0" animBg="1"/>
-      <p:bldP spid="3" grpId="0" build="p"/>
-    </p:bldLst>
   </p:timing>
 </p:sld>
 </file>
@@ -7064,23 +7694,9 @@
 <file path=ppt/slides/slide6.xml><?xml version="1.0" encoding="utf-8"?>
 <p:sld xmlns:a="http://schemas.openxmlformats.org/drawingml/2006/main" xmlns:r="http://schemas.openxmlformats.org/officeDocument/2006/relationships" xmlns:p="http://schemas.openxmlformats.org/presentationml/2006/main">
   <p:cSld>
-    <p:bg>
-      <p:bgPr>
-        <a:blipFill dpi="0" rotWithShape="1">
-          <a:blip r:embed="rId2">
-            <a:lum/>
-          </a:blip>
-          <a:srcRect/>
-          <a:stretch>
-            <a:fillRect t="-9000" b="-9000"/>
-          </a:stretch>
-        </a:blipFill>
-        <a:effectLst/>
-      </p:bgPr>
-    </p:bg>
     <p:spTree>
       <p:nvGrpSpPr>
-        <p:cNvPr id="1" name=""/>
+        <p:cNvPr id="1" name="Shape 356"/>
         <p:cNvGrpSpPr/>
         <p:nvPr/>
       </p:nvGrpSpPr>
@@ -7094,68 +7710,204 @@
       </p:grpSpPr>
       <p:sp>
         <p:nvSpPr>
-          <p:cNvPr id="10" name="Content Placeholder 2">
-            <a:extLst>
-              <a:ext uri="{FF2B5EF4-FFF2-40B4-BE49-F238E27FC236}">
-                <a16:creationId xmlns:a16="http://schemas.microsoft.com/office/drawing/2014/main" id="{FF5E9BDE-EEAA-43CE-A6F0-FC3D95100C18}"/>
-              </a:ext>
-            </a:extLst>
-          </p:cNvPr>
-          <p:cNvSpPr>
+          <p:cNvPr id="359" name="Google Shape;359;p37"/>
+          <p:cNvSpPr txBox="1">
             <a:spLocks noGrp="1"/>
           </p:cNvSpPr>
           <p:nvPr>
-            <p:ph idx="1"/>
-          </p:nvPr>
-        </p:nvSpPr>
-        <p:spPr>
-          <a:xfrm>
-            <a:off x="1568395" y="280076"/>
-            <a:ext cx="9274025" cy="1060253"/>
-          </a:xfrm>
-          <a:ln w="38100">
-            <a:solidFill>
-              <a:schemeClr val="accent3">
-                <a:lumMod val="60000"/>
-                <a:lumOff val="40000"/>
-              </a:schemeClr>
-            </a:solidFill>
-          </a:ln>
-        </p:spPr>
-        <p:txBody>
-          <a:bodyPr lIns="109728" tIns="109728" rIns="109728" bIns="91440">
+            <p:ph type="subTitle" idx="1"/>
+          </p:nvPr>
+        </p:nvSpPr>
+        <p:spPr>
+          <a:xfrm>
+            <a:off x="307975" y="217275"/>
+            <a:ext cx="11474202" cy="546000"/>
+          </a:xfrm>
+          <a:prstGeom prst="rect">
+            <a:avLst/>
+          </a:prstGeom>
+        </p:spPr>
+        <p:txBody>
+          <a:bodyPr spcFirstLastPara="1" wrap="square" lIns="121900" tIns="121900" rIns="121900" bIns="121900" anchor="ctr" anchorCtr="0">
             <a:noAutofit/>
           </a:bodyPr>
           <a:lstStyle/>
           <a:p>
-            <a:pPr marL="0" indent="0">
-              <a:buNone/>
+            <a:pPr>
+              <a:spcBef>
+                <a:spcPts val="0"/>
+              </a:spcBef>
             </a:pPr>
             <a:r>
-              <a:rPr lang="en-US" sz="3000" smtClean="0">
+              <a:rPr lang="en-US" b="1" smtClean="0">
                 <a:latin typeface="Times New Roman" panose="02020603050405020304" pitchFamily="18" charset="0"/>
                 <a:cs typeface="Times New Roman" panose="02020603050405020304" pitchFamily="18" charset="0"/>
               </a:rPr>
-              <a:t>Tạo các máy Ubuntu cloud9 trên AWS, một máy lưu database và làm server, các máy còn lại làm server.</a:t>
-            </a:r>
-            <a:endParaRPr lang="en-US" sz="3000" dirty="0">
+              <a:t>DEPLOY WEB </a:t>
+            </a:r>
+            <a:endParaRPr b="1" dirty="0">
               <a:latin typeface="Times New Roman" panose="02020603050405020304" pitchFamily="18" charset="0"/>
               <a:cs typeface="Times New Roman" panose="02020603050405020304" pitchFamily="18" charset="0"/>
             </a:endParaRPr>
           </a:p>
-          <a:p>
-            <a:pPr marL="0" indent="0">
-              <a:buNone/>
-            </a:pPr>
-            <a:endParaRPr lang="en-US" sz="3000">
-              <a:cs typeface="Segoe UI Semilight"/>
-            </a:endParaRPr>
+        </p:txBody>
+      </p:sp>
+      <p:sp>
+        <p:nvSpPr>
+          <p:cNvPr id="360" name="Google Shape;360;p37"/>
+          <p:cNvSpPr/>
+          <p:nvPr/>
+        </p:nvSpPr>
+        <p:spPr>
+          <a:xfrm>
+            <a:off x="562562" y="5383521"/>
+            <a:ext cx="4921197" cy="518191"/>
+          </a:xfrm>
+          <a:custGeom>
+            <a:avLst/>
+            <a:gdLst/>
+            <a:ahLst/>
+            <a:cxnLst/>
+            <a:rect l="l" t="t" r="r" b="b"/>
+            <a:pathLst>
+              <a:path w="26664" h="24929" extrusionOk="0">
+                <a:moveTo>
+                  <a:pt x="14316" y="1"/>
+                </a:moveTo>
+                <a:cubicBezTo>
+                  <a:pt x="9286" y="1"/>
+                  <a:pt x="4073" y="3865"/>
+                  <a:pt x="2121" y="8257"/>
+                </a:cubicBezTo>
+                <a:cubicBezTo>
+                  <a:pt x="0" y="13029"/>
+                  <a:pt x="1193" y="18564"/>
+                  <a:pt x="5303" y="21845"/>
+                </a:cubicBezTo>
+                <a:cubicBezTo>
+                  <a:pt x="7965" y="23969"/>
+                  <a:pt x="10917" y="24928"/>
+                  <a:pt x="13705" y="24928"/>
+                </a:cubicBezTo>
+                <a:cubicBezTo>
+                  <a:pt x="20704" y="24928"/>
+                  <a:pt x="26663" y="18878"/>
+                  <a:pt x="24376" y="10013"/>
+                </a:cubicBezTo>
+                <a:cubicBezTo>
+                  <a:pt x="23316" y="5870"/>
+                  <a:pt x="21493" y="1844"/>
+                  <a:pt x="17118" y="435"/>
+                </a:cubicBezTo>
+                <a:cubicBezTo>
+                  <a:pt x="16206" y="138"/>
+                  <a:pt x="15264" y="1"/>
+                  <a:pt x="14316" y="1"/>
+                </a:cubicBezTo>
+                <a:close/>
+              </a:path>
+            </a:pathLst>
+          </a:custGeom>
+          <a:solidFill>
+            <a:srgbClr val="FFB088">
+              <a:alpha val="36610"/>
+            </a:srgbClr>
+          </a:solidFill>
+          <a:ln>
+            <a:noFill/>
+          </a:ln>
+        </p:spPr>
+        <p:txBody>
+          <a:bodyPr spcFirstLastPara="1" wrap="square" lIns="121900" tIns="121900" rIns="121900" bIns="121900" anchor="ctr" anchorCtr="0">
+            <a:noAutofit/>
+          </a:bodyPr>
+          <a:lstStyle/>
+          <a:p>
+            <a:endParaRPr sz="2400"/>
+          </a:p>
+        </p:txBody>
+      </p:sp>
+      <p:sp>
+        <p:nvSpPr>
+          <p:cNvPr id="2" name="AutoShape 2" descr="Use Case model on conceptual design | Download Scientific Diagram"/>
+          <p:cNvSpPr>
+            <a:spLocks noChangeAspect="1" noChangeArrowheads="1"/>
+          </p:cNvSpPr>
+          <p:nvPr/>
+        </p:nvSpPr>
+        <p:spPr bwMode="auto">
+          <a:xfrm>
+            <a:off x="155574" y="-144463"/>
+            <a:ext cx="4585819" cy="4585834"/>
+          </a:xfrm>
+          <a:prstGeom prst="rect">
+            <a:avLst/>
+          </a:prstGeom>
+          <a:noFill/>
+          <a:extLst>
+            <a:ext uri="{909E8E84-426E-40DD-AFC4-6F175D3DCCD1}">
+              <a14:hiddenFill xmlns:a14="http://schemas.microsoft.com/office/drawing/2010/main">
+                <a:solidFill>
+                  <a:srgbClr val="FFFFFF"/>
+                </a:solidFill>
+              </a14:hiddenFill>
+            </a:ext>
+          </a:extLst>
+        </p:spPr>
+        <p:txBody>
+          <a:bodyPr vert="horz" wrap="square" lIns="91440" tIns="45720" rIns="91440" bIns="45720" numCol="1" anchor="t" anchorCtr="0" compatLnSpc="1">
+            <a:prstTxWarp prst="textNoShape">
+              <a:avLst/>
+            </a:prstTxWarp>
+          </a:bodyPr>
+          <a:lstStyle/>
+          <a:p>
+            <a:endParaRPr lang="en-US"/>
+          </a:p>
+        </p:txBody>
+      </p:sp>
+      <p:sp>
+        <p:nvSpPr>
+          <p:cNvPr id="4" name="AutoShape 6" descr="Use Case model on conceptual design | Download Scientific Diagram"/>
+          <p:cNvSpPr>
+            <a:spLocks noChangeAspect="1" noChangeArrowheads="1"/>
+          </p:cNvSpPr>
+          <p:nvPr/>
+        </p:nvSpPr>
+        <p:spPr bwMode="auto">
+          <a:xfrm>
+            <a:off x="155575" y="-144463"/>
+            <a:ext cx="304800" cy="304801"/>
+          </a:xfrm>
+          <a:prstGeom prst="rect">
+            <a:avLst/>
+          </a:prstGeom>
+          <a:noFill/>
+          <a:extLst>
+            <a:ext uri="{909E8E84-426E-40DD-AFC4-6F175D3DCCD1}">
+              <a14:hiddenFill xmlns:a14="http://schemas.microsoft.com/office/drawing/2010/main">
+                <a:solidFill>
+                  <a:srgbClr val="FFFFFF"/>
+                </a:solidFill>
+              </a14:hiddenFill>
+            </a:ext>
+          </a:extLst>
+        </p:spPr>
+        <p:txBody>
+          <a:bodyPr vert="horz" wrap="square" lIns="91440" tIns="45720" rIns="91440" bIns="45720" numCol="1" anchor="t" anchorCtr="0" compatLnSpc="1">
+            <a:prstTxWarp prst="textNoShape">
+              <a:avLst/>
+            </a:prstTxWarp>
+          </a:bodyPr>
+          <a:lstStyle/>
+          <a:p>
+            <a:endParaRPr lang="en-US"/>
           </a:p>
         </p:txBody>
       </p:sp>
       <p:pic>
         <p:nvPicPr>
-          <p:cNvPr id="2" name="Picture 1"/>
+          <p:cNvPr id="3" name="Picture 2"/>
           <p:cNvPicPr>
             <a:picLocks noChangeAspect="1"/>
           </p:cNvPicPr>
@@ -7169,210 +7921,66 @@
         </p:blipFill>
         <p:spPr>
           <a:xfrm>
-            <a:off x="3517050" y="1626846"/>
-            <a:ext cx="4585386" cy="1042782"/>
+            <a:off x="665682" y="1324709"/>
+            <a:ext cx="10758787" cy="4231988"/>
           </a:xfrm>
           <a:prstGeom prst="rect">
             <a:avLst/>
           </a:prstGeom>
         </p:spPr>
       </p:pic>
-      <p:pic>
-        <p:nvPicPr>
-          <p:cNvPr id="3" name="Picture 2"/>
-          <p:cNvPicPr>
-            <a:picLocks noChangeAspect="1"/>
-          </p:cNvPicPr>
+      <p:sp>
+        <p:nvSpPr>
+          <p:cNvPr id="6" name="TextBox 5"/>
+          <p:cNvSpPr txBox="1"/>
           <p:nvPr/>
-        </p:nvPicPr>
-        <p:blipFill>
-          <a:blip r:embed="rId4"/>
-          <a:stretch>
-            <a:fillRect/>
-          </a:stretch>
-        </p:blipFill>
-        <p:spPr>
-          <a:xfrm>
-            <a:off x="1146818" y="2956145"/>
-            <a:ext cx="10349466" cy="2887607"/>
+        </p:nvSpPr>
+        <p:spPr>
+          <a:xfrm>
+            <a:off x="562562" y="683172"/>
+            <a:ext cx="10263093" cy="369332"/>
           </a:xfrm>
           <a:prstGeom prst="rect">
             <a:avLst/>
           </a:prstGeom>
-        </p:spPr>
-      </p:pic>
+          <a:noFill/>
+        </p:spPr>
+        <p:txBody>
+          <a:bodyPr wrap="square" rtlCol="0">
+            <a:spAutoFit/>
+          </a:bodyPr>
+          <a:lstStyle/>
+          <a:p>
+            <a:r>
+              <a:rPr lang="en-US" smtClean="0">
+                <a:latin typeface="Times New Roman" panose="02020603050405020304" pitchFamily="18" charset="0"/>
+                <a:cs typeface="Times New Roman" panose="02020603050405020304" pitchFamily="18" charset="0"/>
+              </a:rPr>
+              <a:t>Gán IP của máy server cloud9Ubuntu, tài khoản, mật khẩu của sql trong máy server, địa chỉ của file pem</a:t>
+            </a:r>
+            <a:endParaRPr lang="en-US">
+              <a:latin typeface="Times New Roman" panose="02020603050405020304" pitchFamily="18" charset="0"/>
+              <a:cs typeface="Times New Roman" panose="02020603050405020304" pitchFamily="18" charset="0"/>
+            </a:endParaRPr>
+          </a:p>
+        </p:txBody>
+      </p:sp>
     </p:spTree>
     <p:extLst>
       <p:ext uri="{BB962C8B-B14F-4D97-AF65-F5344CB8AC3E}">
-        <p14:creationId xmlns:p14="http://schemas.microsoft.com/office/powerpoint/2010/main" val="1656359030"/>
+        <p14:creationId xmlns:p14="http://schemas.microsoft.com/office/powerpoint/2010/main" val="1341933752"/>
       </p:ext>
     </p:extLst>
   </p:cSld>
   <p:clrMapOvr>
     <a:masterClrMapping/>
   </p:clrMapOvr>
-  <mc:AlternateContent xmlns:mc="http://schemas.openxmlformats.org/markup-compatibility/2006" xmlns:p14="http://schemas.microsoft.com/office/powerpoint/2010/main">
-    <mc:Choice Requires="p14">
-      <p:transition spd="slow" p14:dur="1400">
-        <p14:ripple/>
-      </p:transition>
-    </mc:Choice>
-    <mc:Fallback xmlns="">
-      <p:transition spd="slow">
-        <p:fade/>
-      </p:transition>
-    </mc:Fallback>
-  </mc:AlternateContent>
   <p:timing>
     <p:tnLst>
       <p:par>
-        <p:cTn id="1" dur="indefinite" restart="never" nodeType="tmRoot">
-          <p:childTnLst>
-            <p:seq concurrent="1" nextAc="seek">
-              <p:cTn id="2" dur="indefinite" nodeType="mainSeq">
-                <p:childTnLst>
-                  <p:par>
-                    <p:cTn id="3" fill="hold">
-                      <p:stCondLst>
-                        <p:cond delay="indefinite"/>
-                      </p:stCondLst>
-                      <p:childTnLst>
-                        <p:par>
-                          <p:cTn id="4" fill="hold">
-                            <p:stCondLst>
-                              <p:cond delay="0"/>
-                            </p:stCondLst>
-                            <p:childTnLst>
-                              <p:par>
-                                <p:cTn id="5" presetID="10" presetClass="entr" presetSubtype="0" fill="hold" grpId="0" nodeType="clickEffect">
-                                  <p:stCondLst>
-                                    <p:cond delay="0"/>
-                                  </p:stCondLst>
-                                  <p:childTnLst>
-                                    <p:set>
-                                      <p:cBhvr>
-                                        <p:cTn id="6" dur="1" fill="hold">
-                                          <p:stCondLst>
-                                            <p:cond delay="0"/>
-                                          </p:stCondLst>
-                                        </p:cTn>
-                                        <p:tgtEl>
-                                          <p:spTgt spid="10">
-                                            <p:bg/>
-                                          </p:spTgt>
-                                        </p:tgtEl>
-                                        <p:attrNameLst>
-                                          <p:attrName>style.visibility</p:attrName>
-                                        </p:attrNameLst>
-                                      </p:cBhvr>
-                                      <p:to>
-                                        <p:strVal val="visible"/>
-                                      </p:to>
-                                    </p:set>
-                                    <p:animEffect transition="in" filter="fade">
-                                      <p:cBhvr>
-                                        <p:cTn id="7" dur="500"/>
-                                        <p:tgtEl>
-                                          <p:spTgt spid="10">
-                                            <p:bg/>
-                                          </p:spTgt>
-                                        </p:tgtEl>
-                                      </p:cBhvr>
-                                    </p:animEffect>
-                                  </p:childTnLst>
-                                </p:cTn>
-                              </p:par>
-                            </p:childTnLst>
-                          </p:cTn>
-                        </p:par>
-                      </p:childTnLst>
-                    </p:cTn>
-                  </p:par>
-                  <p:par>
-                    <p:cTn id="8" fill="hold">
-                      <p:stCondLst>
-                        <p:cond delay="indefinite"/>
-                      </p:stCondLst>
-                      <p:childTnLst>
-                        <p:par>
-                          <p:cTn id="9" fill="hold">
-                            <p:stCondLst>
-                              <p:cond delay="0"/>
-                            </p:stCondLst>
-                            <p:childTnLst>
-                              <p:par>
-                                <p:cTn id="10" presetID="10" presetClass="entr" presetSubtype="0" fill="hold" grpId="0" nodeType="clickEffect">
-                                  <p:stCondLst>
-                                    <p:cond delay="0"/>
-                                  </p:stCondLst>
-                                  <p:childTnLst>
-                                    <p:set>
-                                      <p:cBhvr>
-                                        <p:cTn id="11" dur="1" fill="hold">
-                                          <p:stCondLst>
-                                            <p:cond delay="0"/>
-                                          </p:stCondLst>
-                                        </p:cTn>
-                                        <p:tgtEl>
-                                          <p:spTgt spid="10">
-                                            <p:txEl>
-                                              <p:pRg st="0" end="0"/>
-                                            </p:txEl>
-                                          </p:spTgt>
-                                        </p:tgtEl>
-                                        <p:attrNameLst>
-                                          <p:attrName>style.visibility</p:attrName>
-                                        </p:attrNameLst>
-                                      </p:cBhvr>
-                                      <p:to>
-                                        <p:strVal val="visible"/>
-                                      </p:to>
-                                    </p:set>
-                                    <p:animEffect transition="in" filter="fade">
-                                      <p:cBhvr>
-                                        <p:cTn id="12" dur="500"/>
-                                        <p:tgtEl>
-                                          <p:spTgt spid="10">
-                                            <p:txEl>
-                                              <p:pRg st="0" end="0"/>
-                                            </p:txEl>
-                                          </p:spTgt>
-                                        </p:tgtEl>
-                                      </p:cBhvr>
-                                    </p:animEffect>
-                                  </p:childTnLst>
-                                </p:cTn>
-                              </p:par>
-                            </p:childTnLst>
-                          </p:cTn>
-                        </p:par>
-                      </p:childTnLst>
-                    </p:cTn>
-                  </p:par>
-                </p:childTnLst>
-              </p:cTn>
-              <p:prevCondLst>
-                <p:cond evt="onPrev" delay="0">
-                  <p:tgtEl>
-                    <p:sldTgt/>
-                  </p:tgtEl>
-                </p:cond>
-              </p:prevCondLst>
-              <p:nextCondLst>
-                <p:cond evt="onNext" delay="0">
-                  <p:tgtEl>
-                    <p:sldTgt/>
-                  </p:tgtEl>
-                </p:cond>
-              </p:nextCondLst>
-            </p:seq>
-          </p:childTnLst>
-        </p:cTn>
+        <p:cTn id="1" dur="indefinite" restart="never" nodeType="tmRoot"/>
       </p:par>
     </p:tnLst>
-    <p:bldLst>
-      <p:bldP spid="10" grpId="0" build="p" animBg="1"/>
-    </p:bldLst>
   </p:timing>
 </p:sld>
 </file>
@@ -7380,23 +7988,9 @@
 <file path=ppt/slides/slide7.xml><?xml version="1.0" encoding="utf-8"?>
 <p:sld xmlns:a="http://schemas.openxmlformats.org/drawingml/2006/main" xmlns:r="http://schemas.openxmlformats.org/officeDocument/2006/relationships" xmlns:p="http://schemas.openxmlformats.org/presentationml/2006/main">
   <p:cSld>
-    <p:bg>
-      <p:bgPr>
-        <a:blipFill dpi="0" rotWithShape="1">
-          <a:blip r:embed="rId2">
-            <a:lum/>
-          </a:blip>
-          <a:srcRect/>
-          <a:stretch>
-            <a:fillRect t="-9000" b="-9000"/>
-          </a:stretch>
-        </a:blipFill>
-        <a:effectLst/>
-      </p:bgPr>
-    </p:bg>
     <p:spTree>
       <p:nvGrpSpPr>
-        <p:cNvPr id="1" name=""/>
+        <p:cNvPr id="1" name="Shape 356"/>
         <p:cNvGrpSpPr/>
         <p:nvPr/>
       </p:nvGrpSpPr>
@@ -7410,60 +8004,204 @@
       </p:grpSpPr>
       <p:sp>
         <p:nvSpPr>
-          <p:cNvPr id="10" name="Content Placeholder 2">
-            <a:extLst>
-              <a:ext uri="{FF2B5EF4-FFF2-40B4-BE49-F238E27FC236}">
-                <a16:creationId xmlns:a16="http://schemas.microsoft.com/office/drawing/2014/main" id="{FF5E9BDE-EEAA-43CE-A6F0-FC3D95100C18}"/>
-              </a:ext>
-            </a:extLst>
-          </p:cNvPr>
-          <p:cNvSpPr>
+          <p:cNvPr id="359" name="Google Shape;359;p37"/>
+          <p:cNvSpPr txBox="1">
             <a:spLocks noGrp="1"/>
           </p:cNvSpPr>
           <p:nvPr>
-            <p:ph idx="1"/>
-          </p:nvPr>
-        </p:nvSpPr>
-        <p:spPr>
-          <a:xfrm>
-            <a:off x="2157692" y="305892"/>
-            <a:ext cx="7990913" cy="1134026"/>
-          </a:xfrm>
-          <a:ln w="38100">
-            <a:solidFill>
-              <a:schemeClr val="accent3">
-                <a:lumMod val="60000"/>
-                <a:lumOff val="40000"/>
-              </a:schemeClr>
-            </a:solidFill>
-          </a:ln>
-        </p:spPr>
-        <p:txBody>
-          <a:bodyPr lIns="109728" tIns="109728" rIns="109728" bIns="91440">
-            <a:normAutofit/>
+            <p:ph type="subTitle" idx="1"/>
+          </p:nvPr>
+        </p:nvSpPr>
+        <p:spPr>
+          <a:xfrm>
+            <a:off x="307975" y="217275"/>
+            <a:ext cx="11474202" cy="546000"/>
+          </a:xfrm>
+          <a:prstGeom prst="rect">
+            <a:avLst/>
+          </a:prstGeom>
+        </p:spPr>
+        <p:txBody>
+          <a:bodyPr spcFirstLastPara="1" wrap="square" lIns="121900" tIns="121900" rIns="121900" bIns="121900" anchor="ctr" anchorCtr="0">
+            <a:noAutofit/>
           </a:bodyPr>
           <a:lstStyle/>
           <a:p>
-            <a:pPr marL="0" indent="0" algn="ctr">
-              <a:buNone/>
+            <a:pPr>
+              <a:spcBef>
+                <a:spcPts val="0"/>
+              </a:spcBef>
             </a:pPr>
             <a:r>
-              <a:rPr lang="en-US" sz="3000" smtClean="0">
+              <a:rPr lang="en-US" b="1" smtClean="0">
                 <a:latin typeface="Times New Roman" panose="02020603050405020304" pitchFamily="18" charset="0"/>
                 <a:cs typeface="Times New Roman" panose="02020603050405020304" pitchFamily="18" charset="0"/>
               </a:rPr>
-              <a:t>Tạo container SQL Server để import data.</a:t>
-            </a:r>
-            <a:endParaRPr lang="en-US" sz="3000" err="1">
+              <a:t>DEPLOY WEB </a:t>
+            </a:r>
+            <a:endParaRPr b="1" dirty="0">
               <a:latin typeface="Times New Roman" panose="02020603050405020304" pitchFamily="18" charset="0"/>
               <a:cs typeface="Times New Roman" panose="02020603050405020304" pitchFamily="18" charset="0"/>
             </a:endParaRPr>
           </a:p>
         </p:txBody>
       </p:sp>
+      <p:sp>
+        <p:nvSpPr>
+          <p:cNvPr id="360" name="Google Shape;360;p37"/>
+          <p:cNvSpPr/>
+          <p:nvPr/>
+        </p:nvSpPr>
+        <p:spPr>
+          <a:xfrm>
+            <a:off x="562562" y="5383521"/>
+            <a:ext cx="4921197" cy="518191"/>
+          </a:xfrm>
+          <a:custGeom>
+            <a:avLst/>
+            <a:gdLst/>
+            <a:ahLst/>
+            <a:cxnLst/>
+            <a:rect l="l" t="t" r="r" b="b"/>
+            <a:pathLst>
+              <a:path w="26664" h="24929" extrusionOk="0">
+                <a:moveTo>
+                  <a:pt x="14316" y="1"/>
+                </a:moveTo>
+                <a:cubicBezTo>
+                  <a:pt x="9286" y="1"/>
+                  <a:pt x="4073" y="3865"/>
+                  <a:pt x="2121" y="8257"/>
+                </a:cubicBezTo>
+                <a:cubicBezTo>
+                  <a:pt x="0" y="13029"/>
+                  <a:pt x="1193" y="18564"/>
+                  <a:pt x="5303" y="21845"/>
+                </a:cubicBezTo>
+                <a:cubicBezTo>
+                  <a:pt x="7965" y="23969"/>
+                  <a:pt x="10917" y="24928"/>
+                  <a:pt x="13705" y="24928"/>
+                </a:cubicBezTo>
+                <a:cubicBezTo>
+                  <a:pt x="20704" y="24928"/>
+                  <a:pt x="26663" y="18878"/>
+                  <a:pt x="24376" y="10013"/>
+                </a:cubicBezTo>
+                <a:cubicBezTo>
+                  <a:pt x="23316" y="5870"/>
+                  <a:pt x="21493" y="1844"/>
+                  <a:pt x="17118" y="435"/>
+                </a:cubicBezTo>
+                <a:cubicBezTo>
+                  <a:pt x="16206" y="138"/>
+                  <a:pt x="15264" y="1"/>
+                  <a:pt x="14316" y="1"/>
+                </a:cubicBezTo>
+                <a:close/>
+              </a:path>
+            </a:pathLst>
+          </a:custGeom>
+          <a:solidFill>
+            <a:srgbClr val="FFB088">
+              <a:alpha val="36610"/>
+            </a:srgbClr>
+          </a:solidFill>
+          <a:ln>
+            <a:noFill/>
+          </a:ln>
+        </p:spPr>
+        <p:txBody>
+          <a:bodyPr spcFirstLastPara="1" wrap="square" lIns="121900" tIns="121900" rIns="121900" bIns="121900" anchor="ctr" anchorCtr="0">
+            <a:noAutofit/>
+          </a:bodyPr>
+          <a:lstStyle/>
+          <a:p>
+            <a:endParaRPr sz="2400"/>
+          </a:p>
+        </p:txBody>
+      </p:sp>
+      <p:sp>
+        <p:nvSpPr>
+          <p:cNvPr id="2" name="AutoShape 2" descr="Use Case model on conceptual design | Download Scientific Diagram"/>
+          <p:cNvSpPr>
+            <a:spLocks noChangeAspect="1" noChangeArrowheads="1"/>
+          </p:cNvSpPr>
+          <p:nvPr/>
+        </p:nvSpPr>
+        <p:spPr bwMode="auto">
+          <a:xfrm>
+            <a:off x="155574" y="-144463"/>
+            <a:ext cx="4585819" cy="4585834"/>
+          </a:xfrm>
+          <a:prstGeom prst="rect">
+            <a:avLst/>
+          </a:prstGeom>
+          <a:noFill/>
+          <a:extLst>
+            <a:ext uri="{909E8E84-426E-40DD-AFC4-6F175D3DCCD1}">
+              <a14:hiddenFill xmlns:a14="http://schemas.microsoft.com/office/drawing/2010/main">
+                <a:solidFill>
+                  <a:srgbClr val="FFFFFF"/>
+                </a:solidFill>
+              </a14:hiddenFill>
+            </a:ext>
+          </a:extLst>
+        </p:spPr>
+        <p:txBody>
+          <a:bodyPr vert="horz" wrap="square" lIns="91440" tIns="45720" rIns="91440" bIns="45720" numCol="1" anchor="t" anchorCtr="0" compatLnSpc="1">
+            <a:prstTxWarp prst="textNoShape">
+              <a:avLst/>
+            </a:prstTxWarp>
+          </a:bodyPr>
+          <a:lstStyle/>
+          <a:p>
+            <a:endParaRPr lang="en-US"/>
+          </a:p>
+        </p:txBody>
+      </p:sp>
+      <p:sp>
+        <p:nvSpPr>
+          <p:cNvPr id="4" name="AutoShape 6" descr="Use Case model on conceptual design | Download Scientific Diagram"/>
+          <p:cNvSpPr>
+            <a:spLocks noChangeAspect="1" noChangeArrowheads="1"/>
+          </p:cNvSpPr>
+          <p:nvPr/>
+        </p:nvSpPr>
+        <p:spPr bwMode="auto">
+          <a:xfrm>
+            <a:off x="155575" y="-144463"/>
+            <a:ext cx="304800" cy="304801"/>
+          </a:xfrm>
+          <a:prstGeom prst="rect">
+            <a:avLst/>
+          </a:prstGeom>
+          <a:noFill/>
+          <a:extLst>
+            <a:ext uri="{909E8E84-426E-40DD-AFC4-6F175D3DCCD1}">
+              <a14:hiddenFill xmlns:a14="http://schemas.microsoft.com/office/drawing/2010/main">
+                <a:solidFill>
+                  <a:srgbClr val="FFFFFF"/>
+                </a:solidFill>
+              </a14:hiddenFill>
+            </a:ext>
+          </a:extLst>
+        </p:spPr>
+        <p:txBody>
+          <a:bodyPr vert="horz" wrap="square" lIns="91440" tIns="45720" rIns="91440" bIns="45720" numCol="1" anchor="t" anchorCtr="0" compatLnSpc="1">
+            <a:prstTxWarp prst="textNoShape">
+              <a:avLst/>
+            </a:prstTxWarp>
+          </a:bodyPr>
+          <a:lstStyle/>
+          <a:p>
+            <a:endParaRPr lang="en-US"/>
+          </a:p>
+        </p:txBody>
+      </p:sp>
       <p:pic>
         <p:nvPicPr>
-          <p:cNvPr id="4" name="Picture 3"/>
+          <p:cNvPr id="3" name="Picture 2"/>
           <p:cNvPicPr>
             <a:picLocks noChangeAspect="1"/>
           </p:cNvPicPr>
@@ -7477,186 +8215,66 @@
         </p:blipFill>
         <p:spPr>
           <a:xfrm>
-            <a:off x="2636717" y="1873592"/>
-            <a:ext cx="7032861" cy="3800086"/>
+            <a:off x="1145627" y="1387365"/>
+            <a:ext cx="9417269" cy="4893053"/>
           </a:xfrm>
           <a:prstGeom prst="rect">
             <a:avLst/>
           </a:prstGeom>
         </p:spPr>
       </p:pic>
+      <p:sp>
+        <p:nvSpPr>
+          <p:cNvPr id="6" name="TextBox 5"/>
+          <p:cNvSpPr txBox="1"/>
+          <p:nvPr/>
+        </p:nvSpPr>
+        <p:spPr>
+          <a:xfrm>
+            <a:off x="1019502" y="703645"/>
+            <a:ext cx="9669517" cy="369332"/>
+          </a:xfrm>
+          <a:prstGeom prst="rect">
+            <a:avLst/>
+          </a:prstGeom>
+          <a:noFill/>
+        </p:spPr>
+        <p:txBody>
+          <a:bodyPr wrap="square" rtlCol="0">
+            <a:spAutoFit/>
+          </a:bodyPr>
+          <a:lstStyle/>
+          <a:p>
+            <a:r>
+              <a:rPr lang="en-US" smtClean="0">
+                <a:latin typeface="Times New Roman" panose="02020603050405020304" pitchFamily="18" charset="0"/>
+                <a:cs typeface="Times New Roman" panose="02020603050405020304" pitchFamily="18" charset="0"/>
+              </a:rPr>
+              <a:t>Tạo file war từ project web java</a:t>
+            </a:r>
+            <a:endParaRPr lang="en-US">
+              <a:latin typeface="Times New Roman" panose="02020603050405020304" pitchFamily="18" charset="0"/>
+              <a:cs typeface="Times New Roman" panose="02020603050405020304" pitchFamily="18" charset="0"/>
+            </a:endParaRPr>
+          </a:p>
+        </p:txBody>
+      </p:sp>
     </p:spTree>
     <p:extLst>
       <p:ext uri="{BB962C8B-B14F-4D97-AF65-F5344CB8AC3E}">
-        <p14:creationId xmlns:p14="http://schemas.microsoft.com/office/powerpoint/2010/main" val="1161091222"/>
+        <p14:creationId xmlns:p14="http://schemas.microsoft.com/office/powerpoint/2010/main" val="2741553553"/>
       </p:ext>
     </p:extLst>
   </p:cSld>
   <p:clrMapOvr>
     <a:masterClrMapping/>
   </p:clrMapOvr>
-  <mc:AlternateContent xmlns:mc="http://schemas.openxmlformats.org/markup-compatibility/2006" xmlns:p14="http://schemas.microsoft.com/office/powerpoint/2010/main">
-    <mc:Choice Requires="p14">
-      <p:transition spd="slow" p14:dur="1400">
-        <p14:ripple/>
-      </p:transition>
-    </mc:Choice>
-    <mc:Fallback xmlns="">
-      <p:transition spd="slow">
-        <p:fade/>
-      </p:transition>
-    </mc:Fallback>
-  </mc:AlternateContent>
   <p:timing>
     <p:tnLst>
       <p:par>
-        <p:cTn id="1" dur="indefinite" restart="never" nodeType="tmRoot">
-          <p:childTnLst>
-            <p:seq concurrent="1" nextAc="seek">
-              <p:cTn id="2" dur="indefinite" nodeType="mainSeq">
-                <p:childTnLst>
-                  <p:par>
-                    <p:cTn id="3" fill="hold">
-                      <p:stCondLst>
-                        <p:cond delay="indefinite"/>
-                      </p:stCondLst>
-                      <p:childTnLst>
-                        <p:par>
-                          <p:cTn id="4" fill="hold">
-                            <p:stCondLst>
-                              <p:cond delay="0"/>
-                            </p:stCondLst>
-                            <p:childTnLst>
-                              <p:par>
-                                <p:cTn id="5" presetID="10" presetClass="entr" presetSubtype="0" fill="hold" grpId="0" nodeType="clickEffect">
-                                  <p:stCondLst>
-                                    <p:cond delay="0"/>
-                                  </p:stCondLst>
-                                  <p:childTnLst>
-                                    <p:set>
-                                      <p:cBhvr>
-                                        <p:cTn id="6" dur="1" fill="hold">
-                                          <p:stCondLst>
-                                            <p:cond delay="0"/>
-                                          </p:stCondLst>
-                                        </p:cTn>
-                                        <p:tgtEl>
-                                          <p:spTgt spid="10">
-                                            <p:bg/>
-                                          </p:spTgt>
-                                        </p:tgtEl>
-                                        <p:attrNameLst>
-                                          <p:attrName>style.visibility</p:attrName>
-                                        </p:attrNameLst>
-                                      </p:cBhvr>
-                                      <p:to>
-                                        <p:strVal val="visible"/>
-                                      </p:to>
-                                    </p:set>
-                                    <p:animEffect transition="in" filter="fade">
-                                      <p:cBhvr>
-                                        <p:cTn id="7" dur="500"/>
-                                        <p:tgtEl>
-                                          <p:spTgt spid="10">
-                                            <p:bg/>
-                                          </p:spTgt>
-                                        </p:tgtEl>
-                                      </p:cBhvr>
-                                    </p:animEffect>
-                                  </p:childTnLst>
-                                </p:cTn>
-                              </p:par>
-                            </p:childTnLst>
-                          </p:cTn>
-                        </p:par>
-                      </p:childTnLst>
-                    </p:cTn>
-                  </p:par>
-                  <p:par>
-                    <p:cTn id="8" fill="hold">
-                      <p:stCondLst>
-                        <p:cond delay="indefinite"/>
-                      </p:stCondLst>
-                      <p:childTnLst>
-                        <p:par>
-                          <p:cTn id="9" fill="hold">
-                            <p:stCondLst>
-                              <p:cond delay="0"/>
-                            </p:stCondLst>
-                            <p:childTnLst>
-                              <p:par>
-                                <p:cTn id="10" presetID="10" presetClass="entr" presetSubtype="0" fill="hold" grpId="0" nodeType="clickEffect">
-                                  <p:stCondLst>
-                                    <p:cond delay="0"/>
-                                  </p:stCondLst>
-                                  <p:childTnLst>
-                                    <p:set>
-                                      <p:cBhvr>
-                                        <p:cTn id="11" dur="1" fill="hold">
-                                          <p:stCondLst>
-                                            <p:cond delay="0"/>
-                                          </p:stCondLst>
-                                        </p:cTn>
-                                        <p:tgtEl>
-                                          <p:spTgt spid="10">
-                                            <p:txEl>
-                                              <p:pRg st="0" end="0"/>
-                                            </p:txEl>
-                                          </p:spTgt>
-                                        </p:tgtEl>
-                                        <p:attrNameLst>
-                                          <p:attrName>style.visibility</p:attrName>
-                                        </p:attrNameLst>
-                                      </p:cBhvr>
-                                      <p:to>
-                                        <p:strVal val="visible"/>
-                                      </p:to>
-                                    </p:set>
-                                    <p:animEffect transition="in" filter="fade">
-                                      <p:cBhvr>
-                                        <p:cTn id="12" dur="500"/>
-                                        <p:tgtEl>
-                                          <p:spTgt spid="10">
-                                            <p:txEl>
-                                              <p:pRg st="0" end="0"/>
-                                            </p:txEl>
-                                          </p:spTgt>
-                                        </p:tgtEl>
-                                      </p:cBhvr>
-                                    </p:animEffect>
-                                  </p:childTnLst>
-                                </p:cTn>
-                              </p:par>
-                            </p:childTnLst>
-                          </p:cTn>
-                        </p:par>
-                      </p:childTnLst>
-                    </p:cTn>
-                  </p:par>
-                </p:childTnLst>
-              </p:cTn>
-              <p:prevCondLst>
-                <p:cond evt="onPrev" delay="0">
-                  <p:tgtEl>
-                    <p:sldTgt/>
-                  </p:tgtEl>
-                </p:cond>
-              </p:prevCondLst>
-              <p:nextCondLst>
-                <p:cond evt="onNext" delay="0">
-                  <p:tgtEl>
-                    <p:sldTgt/>
-                  </p:tgtEl>
-                </p:cond>
-              </p:nextCondLst>
-            </p:seq>
-          </p:childTnLst>
-        </p:cTn>
+        <p:cTn id="1" dur="indefinite" restart="never" nodeType="tmRoot"/>
       </p:par>
     </p:tnLst>
-    <p:bldLst>
-      <p:bldP spid="10" grpId="0" build="p" animBg="1"/>
-    </p:bldLst>
   </p:timing>
 </p:sld>
 </file>
@@ -7664,20 +8282,9 @@
 <file path=ppt/slides/slide8.xml><?xml version="1.0" encoding="utf-8"?>
 <p:sld xmlns:a="http://schemas.openxmlformats.org/drawingml/2006/main" xmlns:r="http://schemas.openxmlformats.org/officeDocument/2006/relationships" xmlns:p="http://schemas.openxmlformats.org/presentationml/2006/main">
   <p:cSld>
-    <p:bg>
-      <p:bgPr>
-        <a:blipFill>
-          <a:blip r:embed="rId2"/>
-          <a:stretch>
-            <a:fillRect/>
-          </a:stretch>
-        </a:blipFill>
-        <a:effectLst/>
-      </p:bgPr>
-    </p:bg>
     <p:spTree>
       <p:nvGrpSpPr>
-        <p:cNvPr id="1" name=""/>
+        <p:cNvPr id="1" name="Shape 356"/>
         <p:cNvGrpSpPr/>
         <p:nvPr/>
       </p:nvGrpSpPr>
@@ -7691,60 +8298,204 @@
       </p:grpSpPr>
       <p:sp>
         <p:nvSpPr>
-          <p:cNvPr id="10" name="Content Placeholder 2">
-            <a:extLst>
-              <a:ext uri="{FF2B5EF4-FFF2-40B4-BE49-F238E27FC236}">
-                <a16:creationId xmlns:a16="http://schemas.microsoft.com/office/drawing/2014/main" id="{FF5E9BDE-EEAA-43CE-A6F0-FC3D95100C18}"/>
-              </a:ext>
-            </a:extLst>
-          </p:cNvPr>
-          <p:cNvSpPr>
+          <p:cNvPr id="359" name="Google Shape;359;p37"/>
+          <p:cNvSpPr txBox="1">
             <a:spLocks noGrp="1"/>
           </p:cNvSpPr>
           <p:nvPr>
-            <p:ph idx="1"/>
-          </p:nvPr>
-        </p:nvSpPr>
-        <p:spPr>
-          <a:xfrm>
-            <a:off x="2832046" y="622484"/>
-            <a:ext cx="6330512" cy="749085"/>
-          </a:xfrm>
-          <a:ln w="38100">
-            <a:solidFill>
-              <a:schemeClr val="accent3">
-                <a:lumMod val="60000"/>
-                <a:lumOff val="40000"/>
-              </a:schemeClr>
-            </a:solidFill>
-          </a:ln>
-        </p:spPr>
-        <p:txBody>
-          <a:bodyPr lIns="109728" tIns="109728" rIns="109728" bIns="91440">
-            <a:normAutofit fontScale="85000" lnSpcReduction="10000"/>
+            <p:ph type="subTitle" idx="1"/>
+          </p:nvPr>
+        </p:nvSpPr>
+        <p:spPr>
+          <a:xfrm>
+            <a:off x="307975" y="217275"/>
+            <a:ext cx="11474202" cy="546000"/>
+          </a:xfrm>
+          <a:prstGeom prst="rect">
+            <a:avLst/>
+          </a:prstGeom>
+        </p:spPr>
+        <p:txBody>
+          <a:bodyPr spcFirstLastPara="1" wrap="square" lIns="121900" tIns="121900" rIns="121900" bIns="121900" anchor="ctr" anchorCtr="0">
+            <a:noAutofit/>
           </a:bodyPr>
           <a:lstStyle/>
           <a:p>
-            <a:pPr marL="0" indent="0" algn="ctr">
-              <a:buNone/>
+            <a:pPr>
+              <a:spcBef>
+                <a:spcPts val="0"/>
+              </a:spcBef>
             </a:pPr>
             <a:r>
-              <a:rPr lang="en-US" smtClean="0">
+              <a:rPr lang="en-US" b="1" smtClean="0">
                 <a:latin typeface="Times New Roman" panose="02020603050405020304" pitchFamily="18" charset="0"/>
                 <a:cs typeface="Times New Roman" panose="02020603050405020304" pitchFamily="18" charset="0"/>
               </a:rPr>
-              <a:t>Có thể deploy trên máy local, hoặc trên máy EC2</a:t>
-            </a:r>
-            <a:endParaRPr lang="en-US" err="1">
+              <a:t>DEPLOY WEB </a:t>
+            </a:r>
+            <a:endParaRPr b="1" dirty="0">
               <a:latin typeface="Times New Roman" panose="02020603050405020304" pitchFamily="18" charset="0"/>
               <a:cs typeface="Times New Roman" panose="02020603050405020304" pitchFamily="18" charset="0"/>
             </a:endParaRPr>
           </a:p>
         </p:txBody>
       </p:sp>
+      <p:sp>
+        <p:nvSpPr>
+          <p:cNvPr id="360" name="Google Shape;360;p37"/>
+          <p:cNvSpPr/>
+          <p:nvPr/>
+        </p:nvSpPr>
+        <p:spPr>
+          <a:xfrm>
+            <a:off x="562562" y="5383521"/>
+            <a:ext cx="4921197" cy="518191"/>
+          </a:xfrm>
+          <a:custGeom>
+            <a:avLst/>
+            <a:gdLst/>
+            <a:ahLst/>
+            <a:cxnLst/>
+            <a:rect l="l" t="t" r="r" b="b"/>
+            <a:pathLst>
+              <a:path w="26664" h="24929" extrusionOk="0">
+                <a:moveTo>
+                  <a:pt x="14316" y="1"/>
+                </a:moveTo>
+                <a:cubicBezTo>
+                  <a:pt x="9286" y="1"/>
+                  <a:pt x="4073" y="3865"/>
+                  <a:pt x="2121" y="8257"/>
+                </a:cubicBezTo>
+                <a:cubicBezTo>
+                  <a:pt x="0" y="13029"/>
+                  <a:pt x="1193" y="18564"/>
+                  <a:pt x="5303" y="21845"/>
+                </a:cubicBezTo>
+                <a:cubicBezTo>
+                  <a:pt x="7965" y="23969"/>
+                  <a:pt x="10917" y="24928"/>
+                  <a:pt x="13705" y="24928"/>
+                </a:cubicBezTo>
+                <a:cubicBezTo>
+                  <a:pt x="20704" y="24928"/>
+                  <a:pt x="26663" y="18878"/>
+                  <a:pt x="24376" y="10013"/>
+                </a:cubicBezTo>
+                <a:cubicBezTo>
+                  <a:pt x="23316" y="5870"/>
+                  <a:pt x="21493" y="1844"/>
+                  <a:pt x="17118" y="435"/>
+                </a:cubicBezTo>
+                <a:cubicBezTo>
+                  <a:pt x="16206" y="138"/>
+                  <a:pt x="15264" y="1"/>
+                  <a:pt x="14316" y="1"/>
+                </a:cubicBezTo>
+                <a:close/>
+              </a:path>
+            </a:pathLst>
+          </a:custGeom>
+          <a:solidFill>
+            <a:srgbClr val="FFB088">
+              <a:alpha val="36610"/>
+            </a:srgbClr>
+          </a:solidFill>
+          <a:ln>
+            <a:noFill/>
+          </a:ln>
+        </p:spPr>
+        <p:txBody>
+          <a:bodyPr spcFirstLastPara="1" wrap="square" lIns="121900" tIns="121900" rIns="121900" bIns="121900" anchor="ctr" anchorCtr="0">
+            <a:noAutofit/>
+          </a:bodyPr>
+          <a:lstStyle/>
+          <a:p>
+            <a:endParaRPr sz="2400"/>
+          </a:p>
+        </p:txBody>
+      </p:sp>
+      <p:sp>
+        <p:nvSpPr>
+          <p:cNvPr id="2" name="AutoShape 2" descr="Use Case model on conceptual design | Download Scientific Diagram"/>
+          <p:cNvSpPr>
+            <a:spLocks noChangeAspect="1" noChangeArrowheads="1"/>
+          </p:cNvSpPr>
+          <p:nvPr/>
+        </p:nvSpPr>
+        <p:spPr bwMode="auto">
+          <a:xfrm>
+            <a:off x="155574" y="-144463"/>
+            <a:ext cx="4585819" cy="4585834"/>
+          </a:xfrm>
+          <a:prstGeom prst="rect">
+            <a:avLst/>
+          </a:prstGeom>
+          <a:noFill/>
+          <a:extLst>
+            <a:ext uri="{909E8E84-426E-40DD-AFC4-6F175D3DCCD1}">
+              <a14:hiddenFill xmlns:a14="http://schemas.microsoft.com/office/drawing/2010/main">
+                <a:solidFill>
+                  <a:srgbClr val="FFFFFF"/>
+                </a:solidFill>
+              </a14:hiddenFill>
+            </a:ext>
+          </a:extLst>
+        </p:spPr>
+        <p:txBody>
+          <a:bodyPr vert="horz" wrap="square" lIns="91440" tIns="45720" rIns="91440" bIns="45720" numCol="1" anchor="t" anchorCtr="0" compatLnSpc="1">
+            <a:prstTxWarp prst="textNoShape">
+              <a:avLst/>
+            </a:prstTxWarp>
+          </a:bodyPr>
+          <a:lstStyle/>
+          <a:p>
+            <a:endParaRPr lang="en-US"/>
+          </a:p>
+        </p:txBody>
+      </p:sp>
+      <p:sp>
+        <p:nvSpPr>
+          <p:cNvPr id="4" name="AutoShape 6" descr="Use Case model on conceptual design | Download Scientific Diagram"/>
+          <p:cNvSpPr>
+            <a:spLocks noChangeAspect="1" noChangeArrowheads="1"/>
+          </p:cNvSpPr>
+          <p:nvPr/>
+        </p:nvSpPr>
+        <p:spPr bwMode="auto">
+          <a:xfrm>
+            <a:off x="155575" y="-144463"/>
+            <a:ext cx="304800" cy="304801"/>
+          </a:xfrm>
+          <a:prstGeom prst="rect">
+            <a:avLst/>
+          </a:prstGeom>
+          <a:noFill/>
+          <a:extLst>
+            <a:ext uri="{909E8E84-426E-40DD-AFC4-6F175D3DCCD1}">
+              <a14:hiddenFill xmlns:a14="http://schemas.microsoft.com/office/drawing/2010/main">
+                <a:solidFill>
+                  <a:srgbClr val="FFFFFF"/>
+                </a:solidFill>
+              </a14:hiddenFill>
+            </a:ext>
+          </a:extLst>
+        </p:spPr>
+        <p:txBody>
+          <a:bodyPr vert="horz" wrap="square" lIns="91440" tIns="45720" rIns="91440" bIns="45720" numCol="1" anchor="t" anchorCtr="0" compatLnSpc="1">
+            <a:prstTxWarp prst="textNoShape">
+              <a:avLst/>
+            </a:prstTxWarp>
+          </a:bodyPr>
+          <a:lstStyle/>
+          <a:p>
+            <a:endParaRPr lang="en-US"/>
+          </a:p>
+        </p:txBody>
+      </p:sp>
       <p:pic>
         <p:nvPicPr>
-          <p:cNvPr id="2" name="Picture 1"/>
+          <p:cNvPr id="3" name="Picture 2"/>
           <p:cNvPicPr>
             <a:picLocks noChangeAspect="1"/>
           </p:cNvPicPr>
@@ -7758,8 +8509,8 @@
         </p:blipFill>
         <p:spPr>
           <a:xfrm>
-            <a:off x="5945419" y="1247351"/>
-            <a:ext cx="5241807" cy="2613887"/>
+            <a:off x="1384556" y="1583303"/>
+            <a:ext cx="9861801" cy="3329143"/>
           </a:xfrm>
           <a:prstGeom prst="rect">
             <a:avLst/>
@@ -7768,14 +8519,14 @@
       </p:pic>
       <p:sp>
         <p:nvSpPr>
-          <p:cNvPr id="5" name="TextBox 4"/>
+          <p:cNvPr id="6" name="TextBox 5"/>
           <p:cNvSpPr txBox="1"/>
           <p:nvPr/>
         </p:nvSpPr>
         <p:spPr>
           <a:xfrm>
-            <a:off x="987972" y="1371569"/>
-            <a:ext cx="4120056" cy="1015663"/>
+            <a:off x="1384557" y="763275"/>
+            <a:ext cx="9861801" cy="369332"/>
           </a:xfrm>
           <a:prstGeom prst="rect">
             <a:avLst/>
@@ -7789,273 +8540,35 @@
           <a:lstStyle/>
           <a:p>
             <a:r>
-              <a:rPr lang="en-US" sz="3000" smtClean="0">
+              <a:rPr lang="en-US" smtClean="0">
                 <a:latin typeface="Times New Roman" panose="02020603050405020304" pitchFamily="18" charset="0"/>
                 <a:cs typeface="Times New Roman" panose="02020603050405020304" pitchFamily="18" charset="0"/>
               </a:rPr>
-              <a:t>Deploy trên máy local: file .pem trên local</a:t>
-            </a:r>
-            <a:endParaRPr lang="en-US" sz="3000">
+              <a:t>Get file .war từ bucket S3 máy EC2</a:t>
+            </a:r>
+            <a:endParaRPr lang="en-US">
               <a:latin typeface="Times New Roman" panose="02020603050405020304" pitchFamily="18" charset="0"/>
               <a:cs typeface="Times New Roman" panose="02020603050405020304" pitchFamily="18" charset="0"/>
             </a:endParaRPr>
           </a:p>
         </p:txBody>
       </p:sp>
-      <p:sp>
-        <p:nvSpPr>
-          <p:cNvPr id="6" name="TextBox 5"/>
-          <p:cNvSpPr txBox="1"/>
-          <p:nvPr/>
-        </p:nvSpPr>
-        <p:spPr>
-          <a:xfrm>
-            <a:off x="987972" y="2554295"/>
-            <a:ext cx="5097517" cy="2862322"/>
-          </a:xfrm>
-          <a:prstGeom prst="rect">
-            <a:avLst/>
-          </a:prstGeom>
-          <a:noFill/>
-        </p:spPr>
-        <p:txBody>
-          <a:bodyPr wrap="square" rtlCol="0">
-            <a:spAutoFit/>
-          </a:bodyPr>
-          <a:lstStyle/>
-          <a:p>
-            <a:r>
-              <a:rPr lang="en-US" sz="3000" smtClean="0">
-                <a:latin typeface="Times New Roman" panose="02020603050405020304" pitchFamily="18" charset="0"/>
-                <a:cs typeface="Times New Roman" panose="02020603050405020304" pitchFamily="18" charset="0"/>
-              </a:rPr>
-              <a:t>Deploy trên EC2:</a:t>
-            </a:r>
-            <a:br>
-              <a:rPr lang="en-US" sz="3000" smtClean="0">
-                <a:latin typeface="Times New Roman" panose="02020603050405020304" pitchFamily="18" charset="0"/>
-                <a:cs typeface="Times New Roman" panose="02020603050405020304" pitchFamily="18" charset="0"/>
-              </a:rPr>
-            </a:br>
-            <a:r>
-              <a:rPr lang="en-US" sz="3000" smtClean="0">
-                <a:latin typeface="Times New Roman" panose="02020603050405020304" pitchFamily="18" charset="0"/>
-                <a:cs typeface="Times New Roman" panose="02020603050405020304" pitchFamily="18" charset="0"/>
-              </a:rPr>
-              <a:t>+) Đổi đường dẫn file .pem trên EC2, build file .war, tạo dockerfile</a:t>
-            </a:r>
-          </a:p>
-          <a:p>
-            <a:r>
-              <a:rPr lang="en-US" sz="3000" smtClean="0">
-                <a:latin typeface="Times New Roman" panose="02020603050405020304" pitchFamily="18" charset="0"/>
-                <a:cs typeface="Times New Roman" panose="02020603050405020304" pitchFamily="18" charset="0"/>
-              </a:rPr>
-              <a:t>+) Cấu hình nội dung docker để deploy</a:t>
-            </a:r>
-            <a:endParaRPr lang="en-US" sz="3000">
-              <a:latin typeface="Times New Roman" panose="02020603050405020304" pitchFamily="18" charset="0"/>
-              <a:cs typeface="Times New Roman" panose="02020603050405020304" pitchFamily="18" charset="0"/>
-            </a:endParaRPr>
-          </a:p>
-        </p:txBody>
-      </p:sp>
-      <p:pic>
-        <p:nvPicPr>
-          <p:cNvPr id="7" name="Picture 6"/>
-          <p:cNvPicPr>
-            <a:picLocks noChangeAspect="1"/>
-          </p:cNvPicPr>
-          <p:nvPr/>
-        </p:nvPicPr>
-        <p:blipFill>
-          <a:blip r:embed="rId4"/>
-          <a:stretch>
-            <a:fillRect/>
-          </a:stretch>
-        </p:blipFill>
-        <p:spPr>
-          <a:xfrm>
-            <a:off x="5945419" y="3146506"/>
-            <a:ext cx="5241807" cy="2981025"/>
-          </a:xfrm>
-          <a:prstGeom prst="rect">
-            <a:avLst/>
-          </a:prstGeom>
-        </p:spPr>
-      </p:pic>
     </p:spTree>
     <p:extLst>
       <p:ext uri="{BB962C8B-B14F-4D97-AF65-F5344CB8AC3E}">
-        <p14:creationId xmlns:p14="http://schemas.microsoft.com/office/powerpoint/2010/main" val="3407723115"/>
+        <p14:creationId xmlns:p14="http://schemas.microsoft.com/office/powerpoint/2010/main" val="8822319"/>
       </p:ext>
     </p:extLst>
   </p:cSld>
   <p:clrMapOvr>
     <a:masterClrMapping/>
   </p:clrMapOvr>
-  <mc:AlternateContent xmlns:mc="http://schemas.openxmlformats.org/markup-compatibility/2006" xmlns:p14="http://schemas.microsoft.com/office/powerpoint/2010/main">
-    <mc:Choice Requires="p14">
-      <p:transition spd="slow" p14:dur="1400">
-        <p14:ripple/>
-      </p:transition>
-    </mc:Choice>
-    <mc:Fallback xmlns="">
-      <p:transition spd="slow">
-        <p:fade/>
-      </p:transition>
-    </mc:Fallback>
-  </mc:AlternateContent>
   <p:timing>
     <p:tnLst>
       <p:par>
-        <p:cTn id="1" dur="indefinite" restart="never" nodeType="tmRoot">
-          <p:childTnLst>
-            <p:seq concurrent="1" nextAc="seek">
-              <p:cTn id="2" dur="indefinite" nodeType="mainSeq">
-                <p:childTnLst>
-                  <p:par>
-                    <p:cTn id="3" fill="hold">
-                      <p:stCondLst>
-                        <p:cond delay="indefinite"/>
-                      </p:stCondLst>
-                      <p:childTnLst>
-                        <p:par>
-                          <p:cTn id="4" fill="hold">
-                            <p:stCondLst>
-                              <p:cond delay="0"/>
-                            </p:stCondLst>
-                            <p:childTnLst>
-                              <p:par>
-                                <p:cTn id="5" presetID="10" presetClass="entr" presetSubtype="0" fill="hold" grpId="0" nodeType="clickEffect">
-                                  <p:stCondLst>
-                                    <p:cond delay="0"/>
-                                  </p:stCondLst>
-                                  <p:childTnLst>
-                                    <p:set>
-                                      <p:cBhvr>
-                                        <p:cTn id="6" dur="1" fill="hold">
-                                          <p:stCondLst>
-                                            <p:cond delay="0"/>
-                                          </p:stCondLst>
-                                        </p:cTn>
-                                        <p:tgtEl>
-                                          <p:spTgt spid="10">
-                                            <p:bg/>
-                                          </p:spTgt>
-                                        </p:tgtEl>
-                                        <p:attrNameLst>
-                                          <p:attrName>style.visibility</p:attrName>
-                                        </p:attrNameLst>
-                                      </p:cBhvr>
-                                      <p:to>
-                                        <p:strVal val="visible"/>
-                                      </p:to>
-                                    </p:set>
-                                    <p:animEffect transition="in" filter="fade">
-                                      <p:cBhvr>
-                                        <p:cTn id="7" dur="500"/>
-                                        <p:tgtEl>
-                                          <p:spTgt spid="10">
-                                            <p:bg/>
-                                          </p:spTgt>
-                                        </p:tgtEl>
-                                      </p:cBhvr>
-                                    </p:animEffect>
-                                  </p:childTnLst>
-                                </p:cTn>
-                              </p:par>
-                            </p:childTnLst>
-                          </p:cTn>
-                        </p:par>
-                      </p:childTnLst>
-                    </p:cTn>
-                  </p:par>
-                  <p:par>
-                    <p:cTn id="8" fill="hold">
-                      <p:stCondLst>
-                        <p:cond delay="indefinite"/>
-                      </p:stCondLst>
-                      <p:childTnLst>
-                        <p:par>
-                          <p:cTn id="9" fill="hold">
-                            <p:stCondLst>
-                              <p:cond delay="0"/>
-                            </p:stCondLst>
-                            <p:childTnLst>
-                              <p:par>
-                                <p:cTn id="10" presetID="10" presetClass="entr" presetSubtype="0" fill="hold" grpId="0" nodeType="clickEffect">
-                                  <p:stCondLst>
-                                    <p:cond delay="0"/>
-                                  </p:stCondLst>
-                                  <p:childTnLst>
-                                    <p:set>
-                                      <p:cBhvr>
-                                        <p:cTn id="11" dur="1" fill="hold">
-                                          <p:stCondLst>
-                                            <p:cond delay="0"/>
-                                          </p:stCondLst>
-                                        </p:cTn>
-                                        <p:tgtEl>
-                                          <p:spTgt spid="10">
-                                            <p:txEl>
-                                              <p:pRg st="0" end="0"/>
-                                            </p:txEl>
-                                          </p:spTgt>
-                                        </p:tgtEl>
-                                        <p:attrNameLst>
-                                          <p:attrName>style.visibility</p:attrName>
-                                        </p:attrNameLst>
-                                      </p:cBhvr>
-                                      <p:to>
-                                        <p:strVal val="visible"/>
-                                      </p:to>
-                                    </p:set>
-                                    <p:animEffect transition="in" filter="fade">
-                                      <p:cBhvr>
-                                        <p:cTn id="12" dur="500"/>
-                                        <p:tgtEl>
-                                          <p:spTgt spid="10">
-                                            <p:txEl>
-                                              <p:pRg st="0" end="0"/>
-                                            </p:txEl>
-                                          </p:spTgt>
-                                        </p:tgtEl>
-                                      </p:cBhvr>
-                                    </p:animEffect>
-                                  </p:childTnLst>
-                                </p:cTn>
-                              </p:par>
-                            </p:childTnLst>
-                          </p:cTn>
-                        </p:par>
-                      </p:childTnLst>
-                    </p:cTn>
-                  </p:par>
-                </p:childTnLst>
-              </p:cTn>
-              <p:prevCondLst>
-                <p:cond evt="onPrev" delay="0">
-                  <p:tgtEl>
-                    <p:sldTgt/>
-                  </p:tgtEl>
-                </p:cond>
-              </p:prevCondLst>
-              <p:nextCondLst>
-                <p:cond evt="onNext" delay="0">
-                  <p:tgtEl>
-                    <p:sldTgt/>
-                  </p:tgtEl>
-                </p:cond>
-              </p:nextCondLst>
-            </p:seq>
-          </p:childTnLst>
-        </p:cTn>
+        <p:cTn id="1" dur="indefinite" restart="never" nodeType="tmRoot"/>
       </p:par>
     </p:tnLst>
-    <p:bldLst>
-      <p:bldP spid="10" grpId="0" build="p" animBg="1"/>
-    </p:bldLst>
   </p:timing>
 </p:sld>
 </file>
@@ -8063,20 +8576,9 @@
 <file path=ppt/slides/slide9.xml><?xml version="1.0" encoding="utf-8"?>
 <p:sld xmlns:a="http://schemas.openxmlformats.org/drawingml/2006/main" xmlns:r="http://schemas.openxmlformats.org/officeDocument/2006/relationships" xmlns:p="http://schemas.openxmlformats.org/presentationml/2006/main">
   <p:cSld>
-    <p:bg>
-      <p:bgPr>
-        <a:blipFill>
-          <a:blip r:embed="rId2"/>
-          <a:stretch>
-            <a:fillRect/>
-          </a:stretch>
-        </a:blipFill>
-        <a:effectLst/>
-      </p:bgPr>
-    </p:bg>
     <p:spTree>
       <p:nvGrpSpPr>
-        <p:cNvPr id="1" name=""/>
+        <p:cNvPr id="1" name="Shape 356"/>
         <p:cNvGrpSpPr/>
         <p:nvPr/>
       </p:nvGrpSpPr>
@@ -8090,60 +8592,204 @@
       </p:grpSpPr>
       <p:sp>
         <p:nvSpPr>
-          <p:cNvPr id="10" name="Content Placeholder 2">
-            <a:extLst>
-              <a:ext uri="{FF2B5EF4-FFF2-40B4-BE49-F238E27FC236}">
-                <a16:creationId xmlns:a16="http://schemas.microsoft.com/office/drawing/2014/main" id="{FF5E9BDE-EEAA-43CE-A6F0-FC3D95100C18}"/>
-              </a:ext>
-            </a:extLst>
-          </p:cNvPr>
-          <p:cNvSpPr>
+          <p:cNvPr id="359" name="Google Shape;359;p37"/>
+          <p:cNvSpPr txBox="1">
             <a:spLocks noGrp="1"/>
           </p:cNvSpPr>
           <p:nvPr>
-            <p:ph idx="1"/>
-          </p:nvPr>
-        </p:nvSpPr>
-        <p:spPr>
-          <a:xfrm>
-            <a:off x="2927550" y="636724"/>
-            <a:ext cx="6468698" cy="783900"/>
-          </a:xfrm>
-          <a:ln w="38100">
-            <a:solidFill>
-              <a:schemeClr val="accent3">
-                <a:lumMod val="60000"/>
-                <a:lumOff val="40000"/>
-              </a:schemeClr>
-            </a:solidFill>
-          </a:ln>
-        </p:spPr>
-        <p:txBody>
-          <a:bodyPr lIns="109728" tIns="109728" rIns="109728" bIns="91440">
+            <p:ph type="subTitle" idx="1"/>
+          </p:nvPr>
+        </p:nvSpPr>
+        <p:spPr>
+          <a:xfrm>
+            <a:off x="307975" y="217275"/>
+            <a:ext cx="11474202" cy="546000"/>
+          </a:xfrm>
+          <a:prstGeom prst="rect">
+            <a:avLst/>
+          </a:prstGeom>
+        </p:spPr>
+        <p:txBody>
+          <a:bodyPr spcFirstLastPara="1" wrap="square" lIns="121900" tIns="121900" rIns="121900" bIns="121900" anchor="ctr" anchorCtr="0">
             <a:noAutofit/>
           </a:bodyPr>
           <a:lstStyle/>
           <a:p>
-            <a:pPr marL="0" indent="0" algn="ctr">
-              <a:buNone/>
+            <a:pPr>
+              <a:spcBef>
+                <a:spcPts val="0"/>
+              </a:spcBef>
             </a:pPr>
             <a:r>
-              <a:rPr lang="en-US" sz="3000" smtClean="0">
+              <a:rPr lang="en-US" b="1" smtClean="0">
                 <a:latin typeface="Times New Roman" panose="02020603050405020304" pitchFamily="18" charset="0"/>
                 <a:cs typeface="Times New Roman" panose="02020603050405020304" pitchFamily="18" charset="0"/>
               </a:rPr>
-              <a:t>Đăng nhập và kiểm tra chức năng</a:t>
-            </a:r>
-            <a:endParaRPr lang="en-US" sz="3000" err="1">
+              <a:t>DEPLOY WEB </a:t>
+            </a:r>
+            <a:endParaRPr b="1" dirty="0">
               <a:latin typeface="Times New Roman" panose="02020603050405020304" pitchFamily="18" charset="0"/>
               <a:cs typeface="Times New Roman" panose="02020603050405020304" pitchFamily="18" charset="0"/>
             </a:endParaRPr>
           </a:p>
         </p:txBody>
       </p:sp>
+      <p:sp>
+        <p:nvSpPr>
+          <p:cNvPr id="360" name="Google Shape;360;p37"/>
+          <p:cNvSpPr/>
+          <p:nvPr/>
+        </p:nvSpPr>
+        <p:spPr>
+          <a:xfrm>
+            <a:off x="562562" y="5383521"/>
+            <a:ext cx="4921197" cy="518191"/>
+          </a:xfrm>
+          <a:custGeom>
+            <a:avLst/>
+            <a:gdLst/>
+            <a:ahLst/>
+            <a:cxnLst/>
+            <a:rect l="l" t="t" r="r" b="b"/>
+            <a:pathLst>
+              <a:path w="26664" h="24929" extrusionOk="0">
+                <a:moveTo>
+                  <a:pt x="14316" y="1"/>
+                </a:moveTo>
+                <a:cubicBezTo>
+                  <a:pt x="9286" y="1"/>
+                  <a:pt x="4073" y="3865"/>
+                  <a:pt x="2121" y="8257"/>
+                </a:cubicBezTo>
+                <a:cubicBezTo>
+                  <a:pt x="0" y="13029"/>
+                  <a:pt x="1193" y="18564"/>
+                  <a:pt x="5303" y="21845"/>
+                </a:cubicBezTo>
+                <a:cubicBezTo>
+                  <a:pt x="7965" y="23969"/>
+                  <a:pt x="10917" y="24928"/>
+                  <a:pt x="13705" y="24928"/>
+                </a:cubicBezTo>
+                <a:cubicBezTo>
+                  <a:pt x="20704" y="24928"/>
+                  <a:pt x="26663" y="18878"/>
+                  <a:pt x="24376" y="10013"/>
+                </a:cubicBezTo>
+                <a:cubicBezTo>
+                  <a:pt x="23316" y="5870"/>
+                  <a:pt x="21493" y="1844"/>
+                  <a:pt x="17118" y="435"/>
+                </a:cubicBezTo>
+                <a:cubicBezTo>
+                  <a:pt x="16206" y="138"/>
+                  <a:pt x="15264" y="1"/>
+                  <a:pt x="14316" y="1"/>
+                </a:cubicBezTo>
+                <a:close/>
+              </a:path>
+            </a:pathLst>
+          </a:custGeom>
+          <a:solidFill>
+            <a:srgbClr val="FFB088">
+              <a:alpha val="36610"/>
+            </a:srgbClr>
+          </a:solidFill>
+          <a:ln>
+            <a:noFill/>
+          </a:ln>
+        </p:spPr>
+        <p:txBody>
+          <a:bodyPr spcFirstLastPara="1" wrap="square" lIns="121900" tIns="121900" rIns="121900" bIns="121900" anchor="ctr" anchorCtr="0">
+            <a:noAutofit/>
+          </a:bodyPr>
+          <a:lstStyle/>
+          <a:p>
+            <a:endParaRPr sz="2400"/>
+          </a:p>
+        </p:txBody>
+      </p:sp>
+      <p:sp>
+        <p:nvSpPr>
+          <p:cNvPr id="2" name="AutoShape 2" descr="Use Case model on conceptual design | Download Scientific Diagram"/>
+          <p:cNvSpPr>
+            <a:spLocks noChangeAspect="1" noChangeArrowheads="1"/>
+          </p:cNvSpPr>
+          <p:nvPr/>
+        </p:nvSpPr>
+        <p:spPr bwMode="auto">
+          <a:xfrm>
+            <a:off x="155574" y="-144463"/>
+            <a:ext cx="4585819" cy="4585834"/>
+          </a:xfrm>
+          <a:prstGeom prst="rect">
+            <a:avLst/>
+          </a:prstGeom>
+          <a:noFill/>
+          <a:extLst>
+            <a:ext uri="{909E8E84-426E-40DD-AFC4-6F175D3DCCD1}">
+              <a14:hiddenFill xmlns:a14="http://schemas.microsoft.com/office/drawing/2010/main">
+                <a:solidFill>
+                  <a:srgbClr val="FFFFFF"/>
+                </a:solidFill>
+              </a14:hiddenFill>
+            </a:ext>
+          </a:extLst>
+        </p:spPr>
+        <p:txBody>
+          <a:bodyPr vert="horz" wrap="square" lIns="91440" tIns="45720" rIns="91440" bIns="45720" numCol="1" anchor="t" anchorCtr="0" compatLnSpc="1">
+            <a:prstTxWarp prst="textNoShape">
+              <a:avLst/>
+            </a:prstTxWarp>
+          </a:bodyPr>
+          <a:lstStyle/>
+          <a:p>
+            <a:endParaRPr lang="en-US"/>
+          </a:p>
+        </p:txBody>
+      </p:sp>
+      <p:sp>
+        <p:nvSpPr>
+          <p:cNvPr id="4" name="AutoShape 6" descr="Use Case model on conceptual design | Download Scientific Diagram"/>
+          <p:cNvSpPr>
+            <a:spLocks noChangeAspect="1" noChangeArrowheads="1"/>
+          </p:cNvSpPr>
+          <p:nvPr/>
+        </p:nvSpPr>
+        <p:spPr bwMode="auto">
+          <a:xfrm>
+            <a:off x="155575" y="-144463"/>
+            <a:ext cx="304800" cy="304801"/>
+          </a:xfrm>
+          <a:prstGeom prst="rect">
+            <a:avLst/>
+          </a:prstGeom>
+          <a:noFill/>
+          <a:extLst>
+            <a:ext uri="{909E8E84-426E-40DD-AFC4-6F175D3DCCD1}">
+              <a14:hiddenFill xmlns:a14="http://schemas.microsoft.com/office/drawing/2010/main">
+                <a:solidFill>
+                  <a:srgbClr val="FFFFFF"/>
+                </a:solidFill>
+              </a14:hiddenFill>
+            </a:ext>
+          </a:extLst>
+        </p:spPr>
+        <p:txBody>
+          <a:bodyPr vert="horz" wrap="square" lIns="91440" tIns="45720" rIns="91440" bIns="45720" numCol="1" anchor="t" anchorCtr="0" compatLnSpc="1">
+            <a:prstTxWarp prst="textNoShape">
+              <a:avLst/>
+            </a:prstTxWarp>
+          </a:bodyPr>
+          <a:lstStyle/>
+          <a:p>
+            <a:endParaRPr lang="en-US"/>
+          </a:p>
+        </p:txBody>
+      </p:sp>
       <p:pic>
         <p:nvPicPr>
-          <p:cNvPr id="2" name="Picture 1"/>
+          <p:cNvPr id="5" name="Picture 4"/>
           <p:cNvPicPr>
             <a:picLocks noChangeAspect="1"/>
           </p:cNvPicPr>
@@ -8157,8 +8803,8 @@
         </p:blipFill>
         <p:spPr>
           <a:xfrm>
-            <a:off x="1390089" y="1726395"/>
-            <a:ext cx="4351397" cy="4435224"/>
+            <a:off x="412152" y="1519448"/>
+            <a:ext cx="11370025" cy="3283661"/>
           </a:xfrm>
           <a:prstGeom prst="rect">
             <a:avLst/>
@@ -8167,14 +8813,14 @@
       </p:pic>
       <p:sp>
         <p:nvSpPr>
-          <p:cNvPr id="5" name="TextBox 4"/>
+          <p:cNvPr id="6" name="TextBox 5"/>
           <p:cNvSpPr txBox="1"/>
           <p:nvPr/>
         </p:nvSpPr>
         <p:spPr>
           <a:xfrm>
-            <a:off x="6474372" y="1726395"/>
-            <a:ext cx="3857297" cy="1015663"/>
+            <a:off x="1103586" y="763275"/>
+            <a:ext cx="10352690" cy="369332"/>
           </a:xfrm>
           <a:prstGeom prst="rect">
             <a:avLst/>
@@ -8188,227 +8834,35 @@
           <a:lstStyle/>
           <a:p>
             <a:r>
-              <a:rPr lang="en-US" sz="3000" smtClean="0">
+              <a:rPr lang="en-US" smtClean="0">
                 <a:latin typeface="Times New Roman" panose="02020603050405020304" pitchFamily="18" charset="0"/>
                 <a:cs typeface="Times New Roman" panose="02020603050405020304" pitchFamily="18" charset="0"/>
               </a:rPr>
-              <a:t>Thiết kế được giao diện đăng nhập</a:t>
-            </a:r>
-            <a:endParaRPr lang="en-US" sz="3000">
+              <a:t>Deploy web lên server</a:t>
+            </a:r>
+            <a:endParaRPr lang="en-US">
               <a:latin typeface="Times New Roman" panose="02020603050405020304" pitchFamily="18" charset="0"/>
               <a:cs typeface="Times New Roman" panose="02020603050405020304" pitchFamily="18" charset="0"/>
             </a:endParaRPr>
           </a:p>
         </p:txBody>
       </p:sp>
-      <p:sp>
-        <p:nvSpPr>
-          <p:cNvPr id="6" name="TextBox 5"/>
-          <p:cNvSpPr txBox="1"/>
-          <p:nvPr/>
-        </p:nvSpPr>
-        <p:spPr>
-          <a:xfrm>
-            <a:off x="6474372" y="3373821"/>
-            <a:ext cx="3857297" cy="1477328"/>
-          </a:xfrm>
-          <a:prstGeom prst="rect">
-            <a:avLst/>
-          </a:prstGeom>
-          <a:noFill/>
-        </p:spPr>
-        <p:txBody>
-          <a:bodyPr wrap="square" rtlCol="0">
-            <a:spAutoFit/>
-          </a:bodyPr>
-          <a:lstStyle/>
-          <a:p>
-            <a:r>
-              <a:rPr lang="en-US" sz="3000" smtClean="0">
-                <a:latin typeface="Times New Roman" panose="02020603050405020304" pitchFamily="18" charset="0"/>
-                <a:cs typeface="Times New Roman" panose="02020603050405020304" pitchFamily="18" charset="0"/>
-              </a:rPr>
-              <a:t>Kiểm tra tính hợp lệ của tài khoản và mật khẩu để user đăng nhập</a:t>
-            </a:r>
-            <a:endParaRPr lang="en-US" sz="3000">
-              <a:latin typeface="Times New Roman" panose="02020603050405020304" pitchFamily="18" charset="0"/>
-              <a:cs typeface="Times New Roman" panose="02020603050405020304" pitchFamily="18" charset="0"/>
-            </a:endParaRPr>
-          </a:p>
-        </p:txBody>
-      </p:sp>
     </p:spTree>
     <p:extLst>
       <p:ext uri="{BB962C8B-B14F-4D97-AF65-F5344CB8AC3E}">
-        <p14:creationId xmlns:p14="http://schemas.microsoft.com/office/powerpoint/2010/main" val="966662647"/>
+        <p14:creationId xmlns:p14="http://schemas.microsoft.com/office/powerpoint/2010/main" val="834740583"/>
       </p:ext>
     </p:extLst>
   </p:cSld>
   <p:clrMapOvr>
     <a:masterClrMapping/>
   </p:clrMapOvr>
-  <mc:AlternateContent xmlns:mc="http://schemas.openxmlformats.org/markup-compatibility/2006" xmlns:p14="http://schemas.microsoft.com/office/powerpoint/2010/main">
-    <mc:Choice Requires="p14">
-      <p:transition spd="slow" p14:dur="1400">
-        <p14:ripple/>
-      </p:transition>
-    </mc:Choice>
-    <mc:Fallback xmlns="">
-      <p:transition spd="slow">
-        <p:fade/>
-      </p:transition>
-    </mc:Fallback>
-  </mc:AlternateContent>
   <p:timing>
     <p:tnLst>
       <p:par>
-        <p:cTn id="1" dur="indefinite" restart="never" nodeType="tmRoot">
-          <p:childTnLst>
-            <p:seq concurrent="1" nextAc="seek">
-              <p:cTn id="2" dur="indefinite" nodeType="mainSeq">
-                <p:childTnLst>
-                  <p:par>
-                    <p:cTn id="3" fill="hold">
-                      <p:stCondLst>
-                        <p:cond delay="indefinite"/>
-                      </p:stCondLst>
-                      <p:childTnLst>
-                        <p:par>
-                          <p:cTn id="4" fill="hold">
-                            <p:stCondLst>
-                              <p:cond delay="0"/>
-                            </p:stCondLst>
-                            <p:childTnLst>
-                              <p:par>
-                                <p:cTn id="5" presetID="10" presetClass="entr" presetSubtype="0" fill="hold" grpId="0" nodeType="clickEffect">
-                                  <p:stCondLst>
-                                    <p:cond delay="0"/>
-                                  </p:stCondLst>
-                                  <p:childTnLst>
-                                    <p:set>
-                                      <p:cBhvr>
-                                        <p:cTn id="6" dur="1" fill="hold">
-                                          <p:stCondLst>
-                                            <p:cond delay="0"/>
-                                          </p:stCondLst>
-                                        </p:cTn>
-                                        <p:tgtEl>
-                                          <p:spTgt spid="10">
-                                            <p:bg/>
-                                          </p:spTgt>
-                                        </p:tgtEl>
-                                        <p:attrNameLst>
-                                          <p:attrName>style.visibility</p:attrName>
-                                        </p:attrNameLst>
-                                      </p:cBhvr>
-                                      <p:to>
-                                        <p:strVal val="visible"/>
-                                      </p:to>
-                                    </p:set>
-                                    <p:animEffect transition="in" filter="fade">
-                                      <p:cBhvr>
-                                        <p:cTn id="7" dur="500"/>
-                                        <p:tgtEl>
-                                          <p:spTgt spid="10">
-                                            <p:bg/>
-                                          </p:spTgt>
-                                        </p:tgtEl>
-                                      </p:cBhvr>
-                                    </p:animEffect>
-                                  </p:childTnLst>
-                                </p:cTn>
-                              </p:par>
-                            </p:childTnLst>
-                          </p:cTn>
-                        </p:par>
-                      </p:childTnLst>
-                    </p:cTn>
-                  </p:par>
-                  <p:par>
-                    <p:cTn id="8" fill="hold">
-                      <p:stCondLst>
-                        <p:cond delay="indefinite"/>
-                      </p:stCondLst>
-                      <p:childTnLst>
-                        <p:par>
-                          <p:cTn id="9" fill="hold">
-                            <p:stCondLst>
-                              <p:cond delay="0"/>
-                            </p:stCondLst>
-                            <p:childTnLst>
-                              <p:par>
-                                <p:cTn id="10" presetID="10" presetClass="entr" presetSubtype="0" fill="hold" grpId="0" nodeType="clickEffect">
-                                  <p:stCondLst>
-                                    <p:cond delay="0"/>
-                                  </p:stCondLst>
-                                  <p:childTnLst>
-                                    <p:set>
-                                      <p:cBhvr>
-                                        <p:cTn id="11" dur="1" fill="hold">
-                                          <p:stCondLst>
-                                            <p:cond delay="0"/>
-                                          </p:stCondLst>
-                                        </p:cTn>
-                                        <p:tgtEl>
-                                          <p:spTgt spid="10">
-                                            <p:txEl>
-                                              <p:pRg st="0" end="0"/>
-                                            </p:txEl>
-                                          </p:spTgt>
-                                        </p:tgtEl>
-                                        <p:attrNameLst>
-                                          <p:attrName>style.visibility</p:attrName>
-                                        </p:attrNameLst>
-                                      </p:cBhvr>
-                                      <p:to>
-                                        <p:strVal val="visible"/>
-                                      </p:to>
-                                    </p:set>
-                                    <p:animEffect transition="in" filter="fade">
-                                      <p:cBhvr>
-                                        <p:cTn id="12" dur="500"/>
-                                        <p:tgtEl>
-                                          <p:spTgt spid="10">
-                                            <p:txEl>
-                                              <p:pRg st="0" end="0"/>
-                                            </p:txEl>
-                                          </p:spTgt>
-                                        </p:tgtEl>
-                                      </p:cBhvr>
-                                    </p:animEffect>
-                                  </p:childTnLst>
-                                </p:cTn>
-                              </p:par>
-                            </p:childTnLst>
-                          </p:cTn>
-                        </p:par>
-                      </p:childTnLst>
-                    </p:cTn>
-                  </p:par>
-                </p:childTnLst>
-              </p:cTn>
-              <p:prevCondLst>
-                <p:cond evt="onPrev" delay="0">
-                  <p:tgtEl>
-                    <p:sldTgt/>
-                  </p:tgtEl>
-                </p:cond>
-              </p:prevCondLst>
-              <p:nextCondLst>
-                <p:cond evt="onNext" delay="0">
-                  <p:tgtEl>
-                    <p:sldTgt/>
-                  </p:tgtEl>
-                </p:cond>
-              </p:nextCondLst>
-            </p:seq>
-          </p:childTnLst>
-        </p:cTn>
+        <p:cTn id="1" dur="indefinite" restart="never" nodeType="tmRoot"/>
       </p:par>
     </p:tnLst>
-    <p:bldLst>
-      <p:bldP spid="10" grpId="0" build="p" animBg="1"/>
-    </p:bldLst>
   </p:timing>
 </p:sld>
 </file>
